--- a/doc/设计图文.pptx
+++ b/doc/设计图文.pptx
@@ -5,10 +5,10 @@
     <p:sldMasterId id="2147483648" r:id="rId1"/>
   </p:sldMasterIdLst>
   <p:sldIdLst>
-    <p:sldId id="256" r:id="rId3"/>
-    <p:sldId id="257" r:id="rId4"/>
-    <p:sldId id="258" r:id="rId5"/>
-    <p:sldId id="259" r:id="rId6"/>
+    <p:sldId id="259" r:id="rId3"/>
+    <p:sldId id="256" r:id="rId4"/>
+    <p:sldId id="257" r:id="rId5"/>
+    <p:sldId id="258" r:id="rId6"/>
   </p:sldIdLst>
   <p:sldSz cx="12192000" cy="6858000"/>
   <p:notesSz cx="6858000" cy="9144000"/>
@@ -2908,6 +2908,2955 @@
 </file>
 
 <file path=ppt/slides/slide1.xml><?xml version="1.0" encoding="utf-8"?>
+<p:sld xmlns:a="http://schemas.openxmlformats.org/drawingml/2006/main" xmlns:r="http://schemas.openxmlformats.org/officeDocument/2006/relationships" xmlns:p="http://schemas.openxmlformats.org/presentationml/2006/main">
+  <p:cSld>
+    <p:spTree>
+      <p:nvGrpSpPr>
+        <p:cNvPr id="1" name=""/>
+        <p:cNvGrpSpPr/>
+        <p:nvPr/>
+      </p:nvGrpSpPr>
+      <p:grpSpPr/>
+      <p:sp>
+        <p:nvSpPr>
+          <p:cNvPr id="49" name="矩形 48"/>
+          <p:cNvSpPr/>
+          <p:nvPr/>
+        </p:nvSpPr>
+        <p:spPr>
+          <a:xfrm>
+            <a:off x="1235710" y="932180"/>
+            <a:ext cx="1502410" cy="2900045"/>
+          </a:xfrm>
+          <a:prstGeom prst="rect">
+            <a:avLst/>
+          </a:prstGeom>
+          <a:solidFill>
+            <a:schemeClr val="accent6">
+              <a:lumMod val="20000"/>
+              <a:lumOff val="80000"/>
+            </a:schemeClr>
+          </a:solidFill>
+        </p:spPr>
+        <p:style>
+          <a:lnRef idx="2">
+            <a:schemeClr val="accent1">
+              <a:shade val="50000"/>
+            </a:schemeClr>
+          </a:lnRef>
+          <a:fillRef idx="1">
+            <a:schemeClr val="accent1"/>
+          </a:fillRef>
+          <a:effectRef idx="0">
+            <a:schemeClr val="accent1"/>
+          </a:effectRef>
+          <a:fontRef idx="minor">
+            <a:schemeClr val="lt1"/>
+          </a:fontRef>
+        </p:style>
+        <p:txBody>
+          <a:bodyPr rtlCol="0" anchor="ctr"/>
+          <a:p>
+            <a:pPr algn="ctr"/>
+            <a:endParaRPr lang="zh-CN" altLang="en-US"/>
+          </a:p>
+        </p:txBody>
+      </p:sp>
+      <p:sp>
+        <p:nvSpPr>
+          <p:cNvPr id="48" name="矩形 47"/>
+          <p:cNvSpPr/>
+          <p:nvPr/>
+        </p:nvSpPr>
+        <p:spPr>
+          <a:xfrm>
+            <a:off x="7537450" y="1143000"/>
+            <a:ext cx="2264410" cy="2586990"/>
+          </a:xfrm>
+          <a:prstGeom prst="rect">
+            <a:avLst/>
+          </a:prstGeom>
+          <a:solidFill>
+            <a:schemeClr val="accent5">
+              <a:lumMod val="20000"/>
+              <a:lumOff val="80000"/>
+            </a:schemeClr>
+          </a:solidFill>
+        </p:spPr>
+        <p:style>
+          <a:lnRef idx="2">
+            <a:schemeClr val="accent1">
+              <a:shade val="50000"/>
+            </a:schemeClr>
+          </a:lnRef>
+          <a:fillRef idx="1">
+            <a:schemeClr val="accent1"/>
+          </a:fillRef>
+          <a:effectRef idx="0">
+            <a:schemeClr val="accent1"/>
+          </a:effectRef>
+          <a:fontRef idx="minor">
+            <a:schemeClr val="lt1"/>
+          </a:fontRef>
+        </p:style>
+        <p:txBody>
+          <a:bodyPr rtlCol="0" anchor="t" anchorCtr="0"/>
+          <a:p>
+            <a:pPr algn="ctr"/>
+            <a:r>
+              <a:rPr lang="en-US" altLang="zh-CN">
+                <a:solidFill>
+                  <a:schemeClr val="tx1"/>
+                </a:solidFill>
+              </a:rPr>
+              <a:t>C#</a:t>
+            </a:r>
+            <a:r>
+              <a:rPr lang="zh-CN" altLang="en-US">
+                <a:solidFill>
+                  <a:schemeClr val="tx1"/>
+                </a:solidFill>
+              </a:rPr>
+              <a:t>扩展</a:t>
+            </a:r>
+            <a:endParaRPr lang="zh-CN" altLang="en-US">
+              <a:solidFill>
+                <a:schemeClr val="tx1"/>
+              </a:solidFill>
+            </a:endParaRPr>
+          </a:p>
+        </p:txBody>
+      </p:sp>
+      <p:sp>
+        <p:nvSpPr>
+          <p:cNvPr id="7" name="矩形 6"/>
+          <p:cNvSpPr/>
+          <p:nvPr/>
+        </p:nvSpPr>
+        <p:spPr>
+          <a:xfrm>
+            <a:off x="1426210" y="1142683"/>
+            <a:ext cx="1047750" cy="504825"/>
+          </a:xfrm>
+          <a:prstGeom prst="rect">
+            <a:avLst/>
+          </a:prstGeom>
+          <a:solidFill>
+            <a:schemeClr val="accent6">
+              <a:lumMod val="40000"/>
+              <a:lumOff val="60000"/>
+            </a:schemeClr>
+          </a:solidFill>
+        </p:spPr>
+        <p:style>
+          <a:lnRef idx="2">
+            <a:schemeClr val="accent1">
+              <a:shade val="50000"/>
+            </a:schemeClr>
+          </a:lnRef>
+          <a:fillRef idx="1">
+            <a:schemeClr val="accent1"/>
+          </a:fillRef>
+          <a:effectRef idx="0">
+            <a:schemeClr val="accent1"/>
+          </a:effectRef>
+          <a:fontRef idx="minor">
+            <a:schemeClr val="lt1"/>
+          </a:fontRef>
+        </p:style>
+        <p:txBody>
+          <a:bodyPr vertOverflow="clip" horzOverflow="clip" wrap="square" rtlCol="0" anchor="ctr" anchorCtr="0"/>
+          <a:lstStyle>
+            <a:defPPr>
+              <a:defRPr lang="zh-CN">
+                <a:solidFill>
+                  <a:schemeClr val="lt1"/>
+                </a:solidFill>
+              </a:defRPr>
+            </a:defPPr>
+            <a:lvl1pPr marL="0" algn="l" defTabSz="914400" rtl="0" eaLnBrk="1" latinLnBrk="0" hangingPunct="1">
+              <a:defRPr sz="1100">
+                <a:solidFill>
+                  <a:schemeClr val="lt1"/>
+                </a:solidFill>
+                <a:latin typeface="+mn-lt"/>
+                <a:ea typeface="+mn-ea"/>
+                <a:cs typeface="+mn-cs"/>
+              </a:defRPr>
+            </a:lvl1pPr>
+            <a:lvl2pPr marL="457200" algn="l" defTabSz="914400" rtl="0" eaLnBrk="1" latinLnBrk="0" hangingPunct="1">
+              <a:defRPr sz="1100">
+                <a:solidFill>
+                  <a:schemeClr val="lt1"/>
+                </a:solidFill>
+                <a:latin typeface="+mn-lt"/>
+                <a:ea typeface="+mn-ea"/>
+                <a:cs typeface="+mn-cs"/>
+              </a:defRPr>
+            </a:lvl2pPr>
+            <a:lvl3pPr marL="914400" algn="l" defTabSz="914400" rtl="0" eaLnBrk="1" latinLnBrk="0" hangingPunct="1">
+              <a:defRPr sz="1100">
+                <a:solidFill>
+                  <a:schemeClr val="lt1"/>
+                </a:solidFill>
+                <a:latin typeface="+mn-lt"/>
+                <a:ea typeface="+mn-ea"/>
+                <a:cs typeface="+mn-cs"/>
+              </a:defRPr>
+            </a:lvl3pPr>
+            <a:lvl4pPr marL="1371600" algn="l" defTabSz="914400" rtl="0" eaLnBrk="1" latinLnBrk="0" hangingPunct="1">
+              <a:defRPr sz="1100">
+                <a:solidFill>
+                  <a:schemeClr val="lt1"/>
+                </a:solidFill>
+                <a:latin typeface="+mn-lt"/>
+                <a:ea typeface="+mn-ea"/>
+                <a:cs typeface="+mn-cs"/>
+              </a:defRPr>
+            </a:lvl4pPr>
+            <a:lvl5pPr marL="1828800" algn="l" defTabSz="914400" rtl="0" eaLnBrk="1" latinLnBrk="0" hangingPunct="1">
+              <a:defRPr sz="1100">
+                <a:solidFill>
+                  <a:schemeClr val="lt1"/>
+                </a:solidFill>
+                <a:latin typeface="+mn-lt"/>
+                <a:ea typeface="+mn-ea"/>
+                <a:cs typeface="+mn-cs"/>
+              </a:defRPr>
+            </a:lvl5pPr>
+            <a:lvl6pPr marL="2286000" algn="l" defTabSz="914400" rtl="0" eaLnBrk="1" latinLnBrk="0" hangingPunct="1">
+              <a:defRPr sz="1100">
+                <a:solidFill>
+                  <a:schemeClr val="lt1"/>
+                </a:solidFill>
+                <a:latin typeface="+mn-lt"/>
+                <a:ea typeface="+mn-ea"/>
+                <a:cs typeface="+mn-cs"/>
+              </a:defRPr>
+            </a:lvl6pPr>
+            <a:lvl7pPr marL="2743200" algn="l" defTabSz="914400" rtl="0" eaLnBrk="1" latinLnBrk="0" hangingPunct="1">
+              <a:defRPr sz="1100">
+                <a:solidFill>
+                  <a:schemeClr val="lt1"/>
+                </a:solidFill>
+                <a:latin typeface="+mn-lt"/>
+                <a:ea typeface="+mn-ea"/>
+                <a:cs typeface="+mn-cs"/>
+              </a:defRPr>
+            </a:lvl7pPr>
+            <a:lvl8pPr marL="3200400" algn="l" defTabSz="914400" rtl="0" eaLnBrk="1" latinLnBrk="0" hangingPunct="1">
+              <a:defRPr sz="1100">
+                <a:solidFill>
+                  <a:schemeClr val="lt1"/>
+                </a:solidFill>
+                <a:latin typeface="+mn-lt"/>
+                <a:ea typeface="+mn-ea"/>
+                <a:cs typeface="+mn-cs"/>
+              </a:defRPr>
+            </a:lvl8pPr>
+            <a:lvl9pPr marL="3657600" algn="l" defTabSz="914400" rtl="0" eaLnBrk="1" latinLnBrk="0" hangingPunct="1">
+              <a:defRPr sz="1100">
+                <a:solidFill>
+                  <a:schemeClr val="lt1"/>
+                </a:solidFill>
+                <a:latin typeface="+mn-lt"/>
+                <a:ea typeface="+mn-ea"/>
+                <a:cs typeface="+mn-cs"/>
+              </a:defRPr>
+            </a:lvl9pPr>
+          </a:lstStyle>
+          <a:p>
+            <a:pPr algn="ctr"/>
+            <a:r>
+              <a:rPr lang="en-US" altLang="zh-CN" sz="1600">
+                <a:solidFill>
+                  <a:sysClr val="windowText" lastClr="000000"/>
+                </a:solidFill>
+              </a:rPr>
+              <a:t>Source</a:t>
+            </a:r>
+            <a:endParaRPr lang="en-US" altLang="zh-CN" sz="1600">
+              <a:solidFill>
+                <a:sysClr val="windowText" lastClr="000000"/>
+              </a:solidFill>
+            </a:endParaRPr>
+          </a:p>
+        </p:txBody>
+      </p:sp>
+      <p:sp>
+        <p:nvSpPr>
+          <p:cNvPr id="9" name="矩形 8"/>
+          <p:cNvSpPr/>
+          <p:nvPr/>
+        </p:nvSpPr>
+        <p:spPr>
+          <a:xfrm>
+            <a:off x="1426210" y="2984183"/>
+            <a:ext cx="1047750" cy="504825"/>
+          </a:xfrm>
+          <a:prstGeom prst="rect">
+            <a:avLst/>
+          </a:prstGeom>
+          <a:solidFill>
+            <a:schemeClr val="accent6">
+              <a:lumMod val="40000"/>
+              <a:lumOff val="60000"/>
+            </a:schemeClr>
+          </a:solidFill>
+        </p:spPr>
+        <p:style>
+          <a:lnRef idx="2">
+            <a:schemeClr val="accent1">
+              <a:shade val="50000"/>
+            </a:schemeClr>
+          </a:lnRef>
+          <a:fillRef idx="1">
+            <a:schemeClr val="accent1"/>
+          </a:fillRef>
+          <a:effectRef idx="0">
+            <a:schemeClr val="accent1"/>
+          </a:effectRef>
+          <a:fontRef idx="minor">
+            <a:schemeClr val="lt1"/>
+          </a:fontRef>
+        </p:style>
+        <p:txBody>
+          <a:bodyPr vertOverflow="clip" horzOverflow="clip" wrap="square" rtlCol="0" anchor="ctr" anchorCtr="0"/>
+          <a:lstStyle>
+            <a:defPPr>
+              <a:defRPr lang="zh-CN">
+                <a:solidFill>
+                  <a:schemeClr val="lt1"/>
+                </a:solidFill>
+              </a:defRPr>
+            </a:defPPr>
+            <a:lvl1pPr marL="0" algn="l" defTabSz="914400" rtl="0" eaLnBrk="1" latinLnBrk="0" hangingPunct="1">
+              <a:defRPr sz="1100">
+                <a:solidFill>
+                  <a:schemeClr val="lt1"/>
+                </a:solidFill>
+                <a:latin typeface="+mn-lt"/>
+                <a:ea typeface="+mn-ea"/>
+                <a:cs typeface="+mn-cs"/>
+              </a:defRPr>
+            </a:lvl1pPr>
+            <a:lvl2pPr marL="457200" algn="l" defTabSz="914400" rtl="0" eaLnBrk="1" latinLnBrk="0" hangingPunct="1">
+              <a:defRPr sz="1100">
+                <a:solidFill>
+                  <a:schemeClr val="lt1"/>
+                </a:solidFill>
+                <a:latin typeface="+mn-lt"/>
+                <a:ea typeface="+mn-ea"/>
+                <a:cs typeface="+mn-cs"/>
+              </a:defRPr>
+            </a:lvl2pPr>
+            <a:lvl3pPr marL="914400" algn="l" defTabSz="914400" rtl="0" eaLnBrk="1" latinLnBrk="0" hangingPunct="1">
+              <a:defRPr sz="1100">
+                <a:solidFill>
+                  <a:schemeClr val="lt1"/>
+                </a:solidFill>
+                <a:latin typeface="+mn-lt"/>
+                <a:ea typeface="+mn-ea"/>
+                <a:cs typeface="+mn-cs"/>
+              </a:defRPr>
+            </a:lvl3pPr>
+            <a:lvl4pPr marL="1371600" algn="l" defTabSz="914400" rtl="0" eaLnBrk="1" latinLnBrk="0" hangingPunct="1">
+              <a:defRPr sz="1100">
+                <a:solidFill>
+                  <a:schemeClr val="lt1"/>
+                </a:solidFill>
+                <a:latin typeface="+mn-lt"/>
+                <a:ea typeface="+mn-ea"/>
+                <a:cs typeface="+mn-cs"/>
+              </a:defRPr>
+            </a:lvl4pPr>
+            <a:lvl5pPr marL="1828800" algn="l" defTabSz="914400" rtl="0" eaLnBrk="1" latinLnBrk="0" hangingPunct="1">
+              <a:defRPr sz="1100">
+                <a:solidFill>
+                  <a:schemeClr val="lt1"/>
+                </a:solidFill>
+                <a:latin typeface="+mn-lt"/>
+                <a:ea typeface="+mn-ea"/>
+                <a:cs typeface="+mn-cs"/>
+              </a:defRPr>
+            </a:lvl5pPr>
+            <a:lvl6pPr marL="2286000" algn="l" defTabSz="914400" rtl="0" eaLnBrk="1" latinLnBrk="0" hangingPunct="1">
+              <a:defRPr sz="1100">
+                <a:solidFill>
+                  <a:schemeClr val="lt1"/>
+                </a:solidFill>
+                <a:latin typeface="+mn-lt"/>
+                <a:ea typeface="+mn-ea"/>
+                <a:cs typeface="+mn-cs"/>
+              </a:defRPr>
+            </a:lvl6pPr>
+            <a:lvl7pPr marL="2743200" algn="l" defTabSz="914400" rtl="0" eaLnBrk="1" latinLnBrk="0" hangingPunct="1">
+              <a:defRPr sz="1100">
+                <a:solidFill>
+                  <a:schemeClr val="lt1"/>
+                </a:solidFill>
+                <a:latin typeface="+mn-lt"/>
+                <a:ea typeface="+mn-ea"/>
+                <a:cs typeface="+mn-cs"/>
+              </a:defRPr>
+            </a:lvl7pPr>
+            <a:lvl8pPr marL="3200400" algn="l" defTabSz="914400" rtl="0" eaLnBrk="1" latinLnBrk="0" hangingPunct="1">
+              <a:defRPr sz="1100">
+                <a:solidFill>
+                  <a:schemeClr val="lt1"/>
+                </a:solidFill>
+                <a:latin typeface="+mn-lt"/>
+                <a:ea typeface="+mn-ea"/>
+                <a:cs typeface="+mn-cs"/>
+              </a:defRPr>
+            </a:lvl8pPr>
+            <a:lvl9pPr marL="3657600" algn="l" defTabSz="914400" rtl="0" eaLnBrk="1" latinLnBrk="0" hangingPunct="1">
+              <a:defRPr sz="1100">
+                <a:solidFill>
+                  <a:schemeClr val="lt1"/>
+                </a:solidFill>
+                <a:latin typeface="+mn-lt"/>
+                <a:ea typeface="+mn-ea"/>
+                <a:cs typeface="+mn-cs"/>
+              </a:defRPr>
+            </a:lvl9pPr>
+          </a:lstStyle>
+          <a:p>
+            <a:pPr algn="ctr"/>
+            <a:r>
+              <a:rPr lang="en-US" altLang="zh-CN" sz="1600">
+                <a:solidFill>
+                  <a:sysClr val="windowText" lastClr="000000"/>
+                </a:solidFill>
+              </a:rPr>
+              <a:t>Function</a:t>
+            </a:r>
+            <a:endParaRPr lang="en-US" altLang="zh-CN" sz="1600">
+              <a:solidFill>
+                <a:sysClr val="windowText" lastClr="000000"/>
+              </a:solidFill>
+            </a:endParaRPr>
+          </a:p>
+        </p:txBody>
+      </p:sp>
+      <p:sp>
+        <p:nvSpPr>
+          <p:cNvPr id="14" name="矩形 13"/>
+          <p:cNvSpPr/>
+          <p:nvPr/>
+        </p:nvSpPr>
+        <p:spPr>
+          <a:xfrm>
+            <a:off x="1426210" y="2101533"/>
+            <a:ext cx="1047750" cy="504825"/>
+          </a:xfrm>
+          <a:prstGeom prst="rect">
+            <a:avLst/>
+          </a:prstGeom>
+          <a:solidFill>
+            <a:schemeClr val="accent6"/>
+          </a:solidFill>
+        </p:spPr>
+        <p:style>
+          <a:lnRef idx="2">
+            <a:schemeClr val="accent1">
+              <a:shade val="50000"/>
+            </a:schemeClr>
+          </a:lnRef>
+          <a:fillRef idx="1">
+            <a:schemeClr val="accent1"/>
+          </a:fillRef>
+          <a:effectRef idx="0">
+            <a:schemeClr val="accent1"/>
+          </a:effectRef>
+          <a:fontRef idx="minor">
+            <a:schemeClr val="lt1"/>
+          </a:fontRef>
+        </p:style>
+        <p:txBody>
+          <a:bodyPr vertOverflow="clip" horzOverflow="clip" wrap="square" rtlCol="0" anchor="ctr" anchorCtr="0"/>
+          <a:lstStyle>
+            <a:defPPr>
+              <a:defRPr lang="zh-CN">
+                <a:solidFill>
+                  <a:schemeClr val="lt1"/>
+                </a:solidFill>
+              </a:defRPr>
+            </a:defPPr>
+            <a:lvl1pPr marL="0" algn="l" defTabSz="914400" rtl="0" eaLnBrk="1" latinLnBrk="0" hangingPunct="1">
+              <a:defRPr sz="1100">
+                <a:solidFill>
+                  <a:schemeClr val="lt1"/>
+                </a:solidFill>
+                <a:latin typeface="+mn-lt"/>
+                <a:ea typeface="+mn-ea"/>
+                <a:cs typeface="+mn-cs"/>
+              </a:defRPr>
+            </a:lvl1pPr>
+            <a:lvl2pPr marL="457200" algn="l" defTabSz="914400" rtl="0" eaLnBrk="1" latinLnBrk="0" hangingPunct="1">
+              <a:defRPr sz="1100">
+                <a:solidFill>
+                  <a:schemeClr val="lt1"/>
+                </a:solidFill>
+                <a:latin typeface="+mn-lt"/>
+                <a:ea typeface="+mn-ea"/>
+                <a:cs typeface="+mn-cs"/>
+              </a:defRPr>
+            </a:lvl2pPr>
+            <a:lvl3pPr marL="914400" algn="l" defTabSz="914400" rtl="0" eaLnBrk="1" latinLnBrk="0" hangingPunct="1">
+              <a:defRPr sz="1100">
+                <a:solidFill>
+                  <a:schemeClr val="lt1"/>
+                </a:solidFill>
+                <a:latin typeface="+mn-lt"/>
+                <a:ea typeface="+mn-ea"/>
+                <a:cs typeface="+mn-cs"/>
+              </a:defRPr>
+            </a:lvl3pPr>
+            <a:lvl4pPr marL="1371600" algn="l" defTabSz="914400" rtl="0" eaLnBrk="1" latinLnBrk="0" hangingPunct="1">
+              <a:defRPr sz="1100">
+                <a:solidFill>
+                  <a:schemeClr val="lt1"/>
+                </a:solidFill>
+                <a:latin typeface="+mn-lt"/>
+                <a:ea typeface="+mn-ea"/>
+                <a:cs typeface="+mn-cs"/>
+              </a:defRPr>
+            </a:lvl4pPr>
+            <a:lvl5pPr marL="1828800" algn="l" defTabSz="914400" rtl="0" eaLnBrk="1" latinLnBrk="0" hangingPunct="1">
+              <a:defRPr sz="1100">
+                <a:solidFill>
+                  <a:schemeClr val="lt1"/>
+                </a:solidFill>
+                <a:latin typeface="+mn-lt"/>
+                <a:ea typeface="+mn-ea"/>
+                <a:cs typeface="+mn-cs"/>
+              </a:defRPr>
+            </a:lvl5pPr>
+            <a:lvl6pPr marL="2286000" algn="l" defTabSz="914400" rtl="0" eaLnBrk="1" latinLnBrk="0" hangingPunct="1">
+              <a:defRPr sz="1100">
+                <a:solidFill>
+                  <a:schemeClr val="lt1"/>
+                </a:solidFill>
+                <a:latin typeface="+mn-lt"/>
+                <a:ea typeface="+mn-ea"/>
+                <a:cs typeface="+mn-cs"/>
+              </a:defRPr>
+            </a:lvl6pPr>
+            <a:lvl7pPr marL="2743200" algn="l" defTabSz="914400" rtl="0" eaLnBrk="1" latinLnBrk="0" hangingPunct="1">
+              <a:defRPr sz="1100">
+                <a:solidFill>
+                  <a:schemeClr val="lt1"/>
+                </a:solidFill>
+                <a:latin typeface="+mn-lt"/>
+                <a:ea typeface="+mn-ea"/>
+                <a:cs typeface="+mn-cs"/>
+              </a:defRPr>
+            </a:lvl7pPr>
+            <a:lvl8pPr marL="3200400" algn="l" defTabSz="914400" rtl="0" eaLnBrk="1" latinLnBrk="0" hangingPunct="1">
+              <a:defRPr sz="1100">
+                <a:solidFill>
+                  <a:schemeClr val="lt1"/>
+                </a:solidFill>
+                <a:latin typeface="+mn-lt"/>
+                <a:ea typeface="+mn-ea"/>
+                <a:cs typeface="+mn-cs"/>
+              </a:defRPr>
+            </a:lvl8pPr>
+            <a:lvl9pPr marL="3657600" algn="l" defTabSz="914400" rtl="0" eaLnBrk="1" latinLnBrk="0" hangingPunct="1">
+              <a:defRPr sz="1100">
+                <a:solidFill>
+                  <a:schemeClr val="lt1"/>
+                </a:solidFill>
+                <a:latin typeface="+mn-lt"/>
+                <a:ea typeface="+mn-ea"/>
+                <a:cs typeface="+mn-cs"/>
+              </a:defRPr>
+            </a:lvl9pPr>
+          </a:lstStyle>
+          <a:p>
+            <a:pPr algn="ctr"/>
+            <a:r>
+              <a:rPr lang="zh-CN" altLang="en-US" sz="1600">
+                <a:solidFill>
+                  <a:sysClr val="windowText" lastClr="000000"/>
+                </a:solidFill>
+              </a:rPr>
+              <a:t>编译</a:t>
+            </a:r>
+            <a:endParaRPr lang="en-US" altLang="zh-CN" sz="1600">
+              <a:solidFill>
+                <a:sysClr val="windowText" lastClr="000000"/>
+              </a:solidFill>
+            </a:endParaRPr>
+          </a:p>
+        </p:txBody>
+      </p:sp>
+      <p:sp>
+        <p:nvSpPr>
+          <p:cNvPr id="17" name="下箭头 16"/>
+          <p:cNvSpPr/>
+          <p:nvPr/>
+        </p:nvSpPr>
+        <p:spPr>
+          <a:xfrm>
+            <a:off x="1731010" y="1780858"/>
+            <a:ext cx="438150" cy="238125"/>
+          </a:xfrm>
+          <a:prstGeom prst="downArrow">
+            <a:avLst/>
+          </a:prstGeom>
+        </p:spPr>
+        <p:style>
+          <a:lnRef idx="2">
+            <a:schemeClr val="accent1">
+              <a:shade val="50000"/>
+            </a:schemeClr>
+          </a:lnRef>
+          <a:fillRef idx="1">
+            <a:schemeClr val="accent1"/>
+          </a:fillRef>
+          <a:effectRef idx="0">
+            <a:schemeClr val="accent1"/>
+          </a:effectRef>
+          <a:fontRef idx="minor">
+            <a:schemeClr val="lt1"/>
+          </a:fontRef>
+        </p:style>
+        <p:txBody>
+          <a:bodyPr vertOverflow="clip" horzOverflow="clip" wrap="square" rtlCol="0" anchor="t"/>
+          <a:lstStyle>
+            <a:defPPr>
+              <a:defRPr lang="zh-CN">
+                <a:solidFill>
+                  <a:schemeClr val="lt1"/>
+                </a:solidFill>
+              </a:defRPr>
+            </a:defPPr>
+            <a:lvl1pPr marL="0" algn="l" defTabSz="914400" rtl="0" eaLnBrk="1" latinLnBrk="0" hangingPunct="1">
+              <a:defRPr sz="1100">
+                <a:solidFill>
+                  <a:schemeClr val="lt1"/>
+                </a:solidFill>
+                <a:latin typeface="+mn-lt"/>
+                <a:ea typeface="+mn-ea"/>
+                <a:cs typeface="+mn-cs"/>
+              </a:defRPr>
+            </a:lvl1pPr>
+            <a:lvl2pPr marL="457200" algn="l" defTabSz="914400" rtl="0" eaLnBrk="1" latinLnBrk="0" hangingPunct="1">
+              <a:defRPr sz="1100">
+                <a:solidFill>
+                  <a:schemeClr val="lt1"/>
+                </a:solidFill>
+                <a:latin typeface="+mn-lt"/>
+                <a:ea typeface="+mn-ea"/>
+                <a:cs typeface="+mn-cs"/>
+              </a:defRPr>
+            </a:lvl2pPr>
+            <a:lvl3pPr marL="914400" algn="l" defTabSz="914400" rtl="0" eaLnBrk="1" latinLnBrk="0" hangingPunct="1">
+              <a:defRPr sz="1100">
+                <a:solidFill>
+                  <a:schemeClr val="lt1"/>
+                </a:solidFill>
+                <a:latin typeface="+mn-lt"/>
+                <a:ea typeface="+mn-ea"/>
+                <a:cs typeface="+mn-cs"/>
+              </a:defRPr>
+            </a:lvl3pPr>
+            <a:lvl4pPr marL="1371600" algn="l" defTabSz="914400" rtl="0" eaLnBrk="1" latinLnBrk="0" hangingPunct="1">
+              <a:defRPr sz="1100">
+                <a:solidFill>
+                  <a:schemeClr val="lt1"/>
+                </a:solidFill>
+                <a:latin typeface="+mn-lt"/>
+                <a:ea typeface="+mn-ea"/>
+                <a:cs typeface="+mn-cs"/>
+              </a:defRPr>
+            </a:lvl4pPr>
+            <a:lvl5pPr marL="1828800" algn="l" defTabSz="914400" rtl="0" eaLnBrk="1" latinLnBrk="0" hangingPunct="1">
+              <a:defRPr sz="1100">
+                <a:solidFill>
+                  <a:schemeClr val="lt1"/>
+                </a:solidFill>
+                <a:latin typeface="+mn-lt"/>
+                <a:ea typeface="+mn-ea"/>
+                <a:cs typeface="+mn-cs"/>
+              </a:defRPr>
+            </a:lvl5pPr>
+            <a:lvl6pPr marL="2286000" algn="l" defTabSz="914400" rtl="0" eaLnBrk="1" latinLnBrk="0" hangingPunct="1">
+              <a:defRPr sz="1100">
+                <a:solidFill>
+                  <a:schemeClr val="lt1"/>
+                </a:solidFill>
+                <a:latin typeface="+mn-lt"/>
+                <a:ea typeface="+mn-ea"/>
+                <a:cs typeface="+mn-cs"/>
+              </a:defRPr>
+            </a:lvl6pPr>
+            <a:lvl7pPr marL="2743200" algn="l" defTabSz="914400" rtl="0" eaLnBrk="1" latinLnBrk="0" hangingPunct="1">
+              <a:defRPr sz="1100">
+                <a:solidFill>
+                  <a:schemeClr val="lt1"/>
+                </a:solidFill>
+                <a:latin typeface="+mn-lt"/>
+                <a:ea typeface="+mn-ea"/>
+                <a:cs typeface="+mn-cs"/>
+              </a:defRPr>
+            </a:lvl7pPr>
+            <a:lvl8pPr marL="3200400" algn="l" defTabSz="914400" rtl="0" eaLnBrk="1" latinLnBrk="0" hangingPunct="1">
+              <a:defRPr sz="1100">
+                <a:solidFill>
+                  <a:schemeClr val="lt1"/>
+                </a:solidFill>
+                <a:latin typeface="+mn-lt"/>
+                <a:ea typeface="+mn-ea"/>
+                <a:cs typeface="+mn-cs"/>
+              </a:defRPr>
+            </a:lvl8pPr>
+            <a:lvl9pPr marL="3657600" algn="l" defTabSz="914400" rtl="0" eaLnBrk="1" latinLnBrk="0" hangingPunct="1">
+              <a:defRPr sz="1100">
+                <a:solidFill>
+                  <a:schemeClr val="lt1"/>
+                </a:solidFill>
+                <a:latin typeface="+mn-lt"/>
+                <a:ea typeface="+mn-ea"/>
+                <a:cs typeface="+mn-cs"/>
+              </a:defRPr>
+            </a:lvl9pPr>
+          </a:lstStyle>
+          <a:p>
+            <a:pPr algn="l"/>
+            <a:endParaRPr lang="zh-CN" altLang="en-US" sz="1100"/>
+          </a:p>
+        </p:txBody>
+      </p:sp>
+      <p:sp>
+        <p:nvSpPr>
+          <p:cNvPr id="23" name="下箭头 22"/>
+          <p:cNvSpPr/>
+          <p:nvPr/>
+        </p:nvSpPr>
+        <p:spPr>
+          <a:xfrm>
+            <a:off x="1711960" y="2685733"/>
+            <a:ext cx="476250" cy="190500"/>
+          </a:xfrm>
+          <a:prstGeom prst="downArrow">
+            <a:avLst/>
+          </a:prstGeom>
+        </p:spPr>
+        <p:style>
+          <a:lnRef idx="2">
+            <a:schemeClr val="accent1">
+              <a:shade val="50000"/>
+            </a:schemeClr>
+          </a:lnRef>
+          <a:fillRef idx="1">
+            <a:schemeClr val="accent1"/>
+          </a:fillRef>
+          <a:effectRef idx="0">
+            <a:schemeClr val="accent1"/>
+          </a:effectRef>
+          <a:fontRef idx="minor">
+            <a:schemeClr val="lt1"/>
+          </a:fontRef>
+        </p:style>
+        <p:txBody>
+          <a:bodyPr vertOverflow="clip" horzOverflow="clip" wrap="square" rtlCol="0" anchor="t"/>
+          <a:lstStyle>
+            <a:defPPr>
+              <a:defRPr lang="zh-CN">
+                <a:solidFill>
+                  <a:schemeClr val="lt1"/>
+                </a:solidFill>
+              </a:defRPr>
+            </a:defPPr>
+            <a:lvl1pPr marL="0" algn="l" defTabSz="914400" rtl="0" eaLnBrk="1" latinLnBrk="0" hangingPunct="1">
+              <a:defRPr sz="1100">
+                <a:solidFill>
+                  <a:schemeClr val="lt1"/>
+                </a:solidFill>
+                <a:latin typeface="+mn-lt"/>
+                <a:ea typeface="+mn-ea"/>
+                <a:cs typeface="+mn-cs"/>
+              </a:defRPr>
+            </a:lvl1pPr>
+            <a:lvl2pPr marL="457200" algn="l" defTabSz="914400" rtl="0" eaLnBrk="1" latinLnBrk="0" hangingPunct="1">
+              <a:defRPr sz="1100">
+                <a:solidFill>
+                  <a:schemeClr val="lt1"/>
+                </a:solidFill>
+                <a:latin typeface="+mn-lt"/>
+                <a:ea typeface="+mn-ea"/>
+                <a:cs typeface="+mn-cs"/>
+              </a:defRPr>
+            </a:lvl2pPr>
+            <a:lvl3pPr marL="914400" algn="l" defTabSz="914400" rtl="0" eaLnBrk="1" latinLnBrk="0" hangingPunct="1">
+              <a:defRPr sz="1100">
+                <a:solidFill>
+                  <a:schemeClr val="lt1"/>
+                </a:solidFill>
+                <a:latin typeface="+mn-lt"/>
+                <a:ea typeface="+mn-ea"/>
+                <a:cs typeface="+mn-cs"/>
+              </a:defRPr>
+            </a:lvl3pPr>
+            <a:lvl4pPr marL="1371600" algn="l" defTabSz="914400" rtl="0" eaLnBrk="1" latinLnBrk="0" hangingPunct="1">
+              <a:defRPr sz="1100">
+                <a:solidFill>
+                  <a:schemeClr val="lt1"/>
+                </a:solidFill>
+                <a:latin typeface="+mn-lt"/>
+                <a:ea typeface="+mn-ea"/>
+                <a:cs typeface="+mn-cs"/>
+              </a:defRPr>
+            </a:lvl4pPr>
+            <a:lvl5pPr marL="1828800" algn="l" defTabSz="914400" rtl="0" eaLnBrk="1" latinLnBrk="0" hangingPunct="1">
+              <a:defRPr sz="1100">
+                <a:solidFill>
+                  <a:schemeClr val="lt1"/>
+                </a:solidFill>
+                <a:latin typeface="+mn-lt"/>
+                <a:ea typeface="+mn-ea"/>
+                <a:cs typeface="+mn-cs"/>
+              </a:defRPr>
+            </a:lvl5pPr>
+            <a:lvl6pPr marL="2286000" algn="l" defTabSz="914400" rtl="0" eaLnBrk="1" latinLnBrk="0" hangingPunct="1">
+              <a:defRPr sz="1100">
+                <a:solidFill>
+                  <a:schemeClr val="lt1"/>
+                </a:solidFill>
+                <a:latin typeface="+mn-lt"/>
+                <a:ea typeface="+mn-ea"/>
+                <a:cs typeface="+mn-cs"/>
+              </a:defRPr>
+            </a:lvl6pPr>
+            <a:lvl7pPr marL="2743200" algn="l" defTabSz="914400" rtl="0" eaLnBrk="1" latinLnBrk="0" hangingPunct="1">
+              <a:defRPr sz="1100">
+                <a:solidFill>
+                  <a:schemeClr val="lt1"/>
+                </a:solidFill>
+                <a:latin typeface="+mn-lt"/>
+                <a:ea typeface="+mn-ea"/>
+                <a:cs typeface="+mn-cs"/>
+              </a:defRPr>
+            </a:lvl7pPr>
+            <a:lvl8pPr marL="3200400" algn="l" defTabSz="914400" rtl="0" eaLnBrk="1" latinLnBrk="0" hangingPunct="1">
+              <a:defRPr sz="1100">
+                <a:solidFill>
+                  <a:schemeClr val="lt1"/>
+                </a:solidFill>
+                <a:latin typeface="+mn-lt"/>
+                <a:ea typeface="+mn-ea"/>
+                <a:cs typeface="+mn-cs"/>
+              </a:defRPr>
+            </a:lvl8pPr>
+            <a:lvl9pPr marL="3657600" algn="l" defTabSz="914400" rtl="0" eaLnBrk="1" latinLnBrk="0" hangingPunct="1">
+              <a:defRPr sz="1100">
+                <a:solidFill>
+                  <a:schemeClr val="lt1"/>
+                </a:solidFill>
+                <a:latin typeface="+mn-lt"/>
+                <a:ea typeface="+mn-ea"/>
+                <a:cs typeface="+mn-cs"/>
+              </a:defRPr>
+            </a:lvl9pPr>
+          </a:lstStyle>
+          <a:p>
+            <a:pPr algn="l"/>
+            <a:endParaRPr lang="zh-CN" altLang="en-US" sz="1100"/>
+          </a:p>
+        </p:txBody>
+      </p:sp>
+      <p:sp>
+        <p:nvSpPr>
+          <p:cNvPr id="12" name="矩形 11"/>
+          <p:cNvSpPr/>
+          <p:nvPr/>
+        </p:nvSpPr>
+        <p:spPr>
+          <a:xfrm>
+            <a:off x="2923540" y="880110"/>
+            <a:ext cx="4505325" cy="3009900"/>
+          </a:xfrm>
+          <a:prstGeom prst="rect">
+            <a:avLst/>
+          </a:prstGeom>
+          <a:solidFill>
+            <a:schemeClr val="bg1">
+              <a:lumMod val="95000"/>
+            </a:schemeClr>
+          </a:solidFill>
+        </p:spPr>
+        <p:style>
+          <a:lnRef idx="2">
+            <a:schemeClr val="accent1">
+              <a:shade val="50000"/>
+            </a:schemeClr>
+          </a:lnRef>
+          <a:fillRef idx="1">
+            <a:schemeClr val="accent1"/>
+          </a:fillRef>
+          <a:effectRef idx="0">
+            <a:schemeClr val="accent1"/>
+          </a:effectRef>
+          <a:fontRef idx="minor">
+            <a:schemeClr val="lt1"/>
+          </a:fontRef>
+        </p:style>
+        <p:txBody>
+          <a:bodyPr vertOverflow="clip" horzOverflow="clip" wrap="square" rtlCol="0" anchor="t" anchorCtr="0"/>
+          <a:lstStyle>
+            <a:defPPr>
+              <a:defRPr lang="zh-CN">
+                <a:solidFill>
+                  <a:schemeClr val="lt1"/>
+                </a:solidFill>
+              </a:defRPr>
+            </a:defPPr>
+            <a:lvl1pPr marL="0" algn="l" defTabSz="914400" rtl="0" eaLnBrk="1" latinLnBrk="0" hangingPunct="1">
+              <a:defRPr sz="1100">
+                <a:solidFill>
+                  <a:schemeClr val="lt1"/>
+                </a:solidFill>
+                <a:latin typeface="+mn-lt"/>
+                <a:ea typeface="+mn-ea"/>
+                <a:cs typeface="+mn-cs"/>
+              </a:defRPr>
+            </a:lvl1pPr>
+            <a:lvl2pPr marL="457200" algn="l" defTabSz="914400" rtl="0" eaLnBrk="1" latinLnBrk="0" hangingPunct="1">
+              <a:defRPr sz="1100">
+                <a:solidFill>
+                  <a:schemeClr val="lt1"/>
+                </a:solidFill>
+                <a:latin typeface="+mn-lt"/>
+                <a:ea typeface="+mn-ea"/>
+                <a:cs typeface="+mn-cs"/>
+              </a:defRPr>
+            </a:lvl2pPr>
+            <a:lvl3pPr marL="914400" algn="l" defTabSz="914400" rtl="0" eaLnBrk="1" latinLnBrk="0" hangingPunct="1">
+              <a:defRPr sz="1100">
+                <a:solidFill>
+                  <a:schemeClr val="lt1"/>
+                </a:solidFill>
+                <a:latin typeface="+mn-lt"/>
+                <a:ea typeface="+mn-ea"/>
+                <a:cs typeface="+mn-cs"/>
+              </a:defRPr>
+            </a:lvl3pPr>
+            <a:lvl4pPr marL="1371600" algn="l" defTabSz="914400" rtl="0" eaLnBrk="1" latinLnBrk="0" hangingPunct="1">
+              <a:defRPr sz="1100">
+                <a:solidFill>
+                  <a:schemeClr val="lt1"/>
+                </a:solidFill>
+                <a:latin typeface="+mn-lt"/>
+                <a:ea typeface="+mn-ea"/>
+                <a:cs typeface="+mn-cs"/>
+              </a:defRPr>
+            </a:lvl4pPr>
+            <a:lvl5pPr marL="1828800" algn="l" defTabSz="914400" rtl="0" eaLnBrk="1" latinLnBrk="0" hangingPunct="1">
+              <a:defRPr sz="1100">
+                <a:solidFill>
+                  <a:schemeClr val="lt1"/>
+                </a:solidFill>
+                <a:latin typeface="+mn-lt"/>
+                <a:ea typeface="+mn-ea"/>
+                <a:cs typeface="+mn-cs"/>
+              </a:defRPr>
+            </a:lvl5pPr>
+            <a:lvl6pPr marL="2286000" algn="l" defTabSz="914400" rtl="0" eaLnBrk="1" latinLnBrk="0" hangingPunct="1">
+              <a:defRPr sz="1100">
+                <a:solidFill>
+                  <a:schemeClr val="lt1"/>
+                </a:solidFill>
+                <a:latin typeface="+mn-lt"/>
+                <a:ea typeface="+mn-ea"/>
+                <a:cs typeface="+mn-cs"/>
+              </a:defRPr>
+            </a:lvl6pPr>
+            <a:lvl7pPr marL="2743200" algn="l" defTabSz="914400" rtl="0" eaLnBrk="1" latinLnBrk="0" hangingPunct="1">
+              <a:defRPr sz="1100">
+                <a:solidFill>
+                  <a:schemeClr val="lt1"/>
+                </a:solidFill>
+                <a:latin typeface="+mn-lt"/>
+                <a:ea typeface="+mn-ea"/>
+                <a:cs typeface="+mn-cs"/>
+              </a:defRPr>
+            </a:lvl7pPr>
+            <a:lvl8pPr marL="3200400" algn="l" defTabSz="914400" rtl="0" eaLnBrk="1" latinLnBrk="0" hangingPunct="1">
+              <a:defRPr sz="1100">
+                <a:solidFill>
+                  <a:schemeClr val="lt1"/>
+                </a:solidFill>
+                <a:latin typeface="+mn-lt"/>
+                <a:ea typeface="+mn-ea"/>
+                <a:cs typeface="+mn-cs"/>
+              </a:defRPr>
+            </a:lvl8pPr>
+            <a:lvl9pPr marL="3657600" algn="l" defTabSz="914400" rtl="0" eaLnBrk="1" latinLnBrk="0" hangingPunct="1">
+              <a:defRPr sz="1100">
+                <a:solidFill>
+                  <a:schemeClr val="lt1"/>
+                </a:solidFill>
+                <a:latin typeface="+mn-lt"/>
+                <a:ea typeface="+mn-ea"/>
+                <a:cs typeface="+mn-cs"/>
+              </a:defRPr>
+            </a:lvl9pPr>
+          </a:lstStyle>
+          <a:p>
+            <a:pPr algn="ctr"/>
+            <a:r>
+              <a:rPr lang="en-US" altLang="zh-CN" sz="1600">
+                <a:solidFill>
+                  <a:sysClr val="windowText" lastClr="000000"/>
+                </a:solidFill>
+              </a:rPr>
+              <a:t>VM</a:t>
+            </a:r>
+            <a:endParaRPr lang="en-US" altLang="zh-CN" sz="1600">
+              <a:solidFill>
+                <a:sysClr val="windowText" lastClr="000000"/>
+              </a:solidFill>
+            </a:endParaRPr>
+          </a:p>
+        </p:txBody>
+      </p:sp>
+      <p:sp>
+        <p:nvSpPr>
+          <p:cNvPr id="15" name="矩形 14"/>
+          <p:cNvSpPr/>
+          <p:nvPr/>
+        </p:nvSpPr>
+        <p:spPr>
+          <a:xfrm>
+            <a:off x="3322320" y="2075498"/>
+            <a:ext cx="1228090" cy="514350"/>
+          </a:xfrm>
+          <a:prstGeom prst="rect">
+            <a:avLst/>
+          </a:prstGeom>
+          <a:solidFill>
+            <a:schemeClr val="accent2">
+              <a:lumMod val="40000"/>
+              <a:lumOff val="60000"/>
+            </a:schemeClr>
+          </a:solidFill>
+          <a:ln>
+            <a:solidFill>
+              <a:schemeClr val="tx1"/>
+            </a:solidFill>
+          </a:ln>
+        </p:spPr>
+        <p:style>
+          <a:lnRef idx="2">
+            <a:schemeClr val="accent1">
+              <a:shade val="50000"/>
+            </a:schemeClr>
+          </a:lnRef>
+          <a:fillRef idx="1">
+            <a:schemeClr val="accent1"/>
+          </a:fillRef>
+          <a:effectRef idx="0">
+            <a:schemeClr val="accent1"/>
+          </a:effectRef>
+          <a:fontRef idx="minor">
+            <a:schemeClr val="lt1"/>
+          </a:fontRef>
+        </p:style>
+        <p:txBody>
+          <a:bodyPr vertOverflow="clip" horzOverflow="clip" wrap="square" rtlCol="0" anchor="ctr" anchorCtr="0"/>
+          <a:lstStyle>
+            <a:defPPr>
+              <a:defRPr lang="zh-CN">
+                <a:solidFill>
+                  <a:schemeClr val="lt1"/>
+                </a:solidFill>
+              </a:defRPr>
+            </a:defPPr>
+            <a:lvl1pPr marL="0" algn="l" defTabSz="914400" rtl="0" eaLnBrk="1" latinLnBrk="0" hangingPunct="1">
+              <a:defRPr sz="1100">
+                <a:solidFill>
+                  <a:schemeClr val="lt1"/>
+                </a:solidFill>
+                <a:latin typeface="+mn-lt"/>
+                <a:ea typeface="+mn-ea"/>
+                <a:cs typeface="+mn-cs"/>
+              </a:defRPr>
+            </a:lvl1pPr>
+            <a:lvl2pPr marL="457200" algn="l" defTabSz="914400" rtl="0" eaLnBrk="1" latinLnBrk="0" hangingPunct="1">
+              <a:defRPr sz="1100">
+                <a:solidFill>
+                  <a:schemeClr val="lt1"/>
+                </a:solidFill>
+                <a:latin typeface="+mn-lt"/>
+                <a:ea typeface="+mn-ea"/>
+                <a:cs typeface="+mn-cs"/>
+              </a:defRPr>
+            </a:lvl2pPr>
+            <a:lvl3pPr marL="914400" algn="l" defTabSz="914400" rtl="0" eaLnBrk="1" latinLnBrk="0" hangingPunct="1">
+              <a:defRPr sz="1100">
+                <a:solidFill>
+                  <a:schemeClr val="lt1"/>
+                </a:solidFill>
+                <a:latin typeface="+mn-lt"/>
+                <a:ea typeface="+mn-ea"/>
+                <a:cs typeface="+mn-cs"/>
+              </a:defRPr>
+            </a:lvl3pPr>
+            <a:lvl4pPr marL="1371600" algn="l" defTabSz="914400" rtl="0" eaLnBrk="1" latinLnBrk="0" hangingPunct="1">
+              <a:defRPr sz="1100">
+                <a:solidFill>
+                  <a:schemeClr val="lt1"/>
+                </a:solidFill>
+                <a:latin typeface="+mn-lt"/>
+                <a:ea typeface="+mn-ea"/>
+                <a:cs typeface="+mn-cs"/>
+              </a:defRPr>
+            </a:lvl4pPr>
+            <a:lvl5pPr marL="1828800" algn="l" defTabSz="914400" rtl="0" eaLnBrk="1" latinLnBrk="0" hangingPunct="1">
+              <a:defRPr sz="1100">
+                <a:solidFill>
+                  <a:schemeClr val="lt1"/>
+                </a:solidFill>
+                <a:latin typeface="+mn-lt"/>
+                <a:ea typeface="+mn-ea"/>
+                <a:cs typeface="+mn-cs"/>
+              </a:defRPr>
+            </a:lvl5pPr>
+            <a:lvl6pPr marL="2286000" algn="l" defTabSz="914400" rtl="0" eaLnBrk="1" latinLnBrk="0" hangingPunct="1">
+              <a:defRPr sz="1100">
+                <a:solidFill>
+                  <a:schemeClr val="lt1"/>
+                </a:solidFill>
+                <a:latin typeface="+mn-lt"/>
+                <a:ea typeface="+mn-ea"/>
+                <a:cs typeface="+mn-cs"/>
+              </a:defRPr>
+            </a:lvl6pPr>
+            <a:lvl7pPr marL="2743200" algn="l" defTabSz="914400" rtl="0" eaLnBrk="1" latinLnBrk="0" hangingPunct="1">
+              <a:defRPr sz="1100">
+                <a:solidFill>
+                  <a:schemeClr val="lt1"/>
+                </a:solidFill>
+                <a:latin typeface="+mn-lt"/>
+                <a:ea typeface="+mn-ea"/>
+                <a:cs typeface="+mn-cs"/>
+              </a:defRPr>
+            </a:lvl7pPr>
+            <a:lvl8pPr marL="3200400" algn="l" defTabSz="914400" rtl="0" eaLnBrk="1" latinLnBrk="0" hangingPunct="1">
+              <a:defRPr sz="1100">
+                <a:solidFill>
+                  <a:schemeClr val="lt1"/>
+                </a:solidFill>
+                <a:latin typeface="+mn-lt"/>
+                <a:ea typeface="+mn-ea"/>
+                <a:cs typeface="+mn-cs"/>
+              </a:defRPr>
+            </a:lvl8pPr>
+            <a:lvl9pPr marL="3657600" algn="l" defTabSz="914400" rtl="0" eaLnBrk="1" latinLnBrk="0" hangingPunct="1">
+              <a:defRPr sz="1100">
+                <a:solidFill>
+                  <a:schemeClr val="lt1"/>
+                </a:solidFill>
+                <a:latin typeface="+mn-lt"/>
+                <a:ea typeface="+mn-ea"/>
+                <a:cs typeface="+mn-cs"/>
+              </a:defRPr>
+            </a:lvl9pPr>
+          </a:lstStyle>
+          <a:p>
+            <a:pPr algn="ctr"/>
+            <a:r>
+              <a:rPr lang="en-US" altLang="zh-CN" sz="1600">
+                <a:solidFill>
+                  <a:sysClr val="windowText" lastClr="000000"/>
+                </a:solidFill>
+              </a:rPr>
+              <a:t>Thread.Run</a:t>
+            </a:r>
+            <a:endParaRPr lang="en-US" altLang="zh-CN" sz="1600">
+              <a:solidFill>
+                <a:sysClr val="windowText" lastClr="000000"/>
+              </a:solidFill>
+            </a:endParaRPr>
+          </a:p>
+        </p:txBody>
+      </p:sp>
+      <p:sp>
+        <p:nvSpPr>
+          <p:cNvPr id="16" name="矩形 15"/>
+          <p:cNvSpPr/>
+          <p:nvPr/>
+        </p:nvSpPr>
+        <p:spPr>
+          <a:xfrm>
+            <a:off x="3322320" y="2984183"/>
+            <a:ext cx="1228090" cy="514350"/>
+          </a:xfrm>
+          <a:prstGeom prst="rect">
+            <a:avLst/>
+          </a:prstGeom>
+          <a:solidFill>
+            <a:schemeClr val="bg1">
+              <a:lumMod val="95000"/>
+            </a:schemeClr>
+          </a:solidFill>
+        </p:spPr>
+        <p:style>
+          <a:lnRef idx="2">
+            <a:schemeClr val="accent1">
+              <a:shade val="50000"/>
+            </a:schemeClr>
+          </a:lnRef>
+          <a:fillRef idx="1">
+            <a:schemeClr val="accent1"/>
+          </a:fillRef>
+          <a:effectRef idx="0">
+            <a:schemeClr val="accent1"/>
+          </a:effectRef>
+          <a:fontRef idx="minor">
+            <a:schemeClr val="lt1"/>
+          </a:fontRef>
+        </p:style>
+        <p:txBody>
+          <a:bodyPr vertOverflow="clip" horzOverflow="clip" wrap="square" rtlCol="0" anchor="ctr" anchorCtr="0"/>
+          <a:lstStyle>
+            <a:defPPr>
+              <a:defRPr lang="zh-CN">
+                <a:solidFill>
+                  <a:schemeClr val="lt1"/>
+                </a:solidFill>
+              </a:defRPr>
+            </a:defPPr>
+            <a:lvl1pPr marL="0" algn="l" defTabSz="914400" rtl="0" eaLnBrk="1" latinLnBrk="0" hangingPunct="1">
+              <a:defRPr sz="1100">
+                <a:solidFill>
+                  <a:schemeClr val="lt1"/>
+                </a:solidFill>
+                <a:latin typeface="+mn-lt"/>
+                <a:ea typeface="+mn-ea"/>
+                <a:cs typeface="+mn-cs"/>
+              </a:defRPr>
+            </a:lvl1pPr>
+            <a:lvl2pPr marL="457200" algn="l" defTabSz="914400" rtl="0" eaLnBrk="1" latinLnBrk="0" hangingPunct="1">
+              <a:defRPr sz="1100">
+                <a:solidFill>
+                  <a:schemeClr val="lt1"/>
+                </a:solidFill>
+                <a:latin typeface="+mn-lt"/>
+                <a:ea typeface="+mn-ea"/>
+                <a:cs typeface="+mn-cs"/>
+              </a:defRPr>
+            </a:lvl2pPr>
+            <a:lvl3pPr marL="914400" algn="l" defTabSz="914400" rtl="0" eaLnBrk="1" latinLnBrk="0" hangingPunct="1">
+              <a:defRPr sz="1100">
+                <a:solidFill>
+                  <a:schemeClr val="lt1"/>
+                </a:solidFill>
+                <a:latin typeface="+mn-lt"/>
+                <a:ea typeface="+mn-ea"/>
+                <a:cs typeface="+mn-cs"/>
+              </a:defRPr>
+            </a:lvl3pPr>
+            <a:lvl4pPr marL="1371600" algn="l" defTabSz="914400" rtl="0" eaLnBrk="1" latinLnBrk="0" hangingPunct="1">
+              <a:defRPr sz="1100">
+                <a:solidFill>
+                  <a:schemeClr val="lt1"/>
+                </a:solidFill>
+                <a:latin typeface="+mn-lt"/>
+                <a:ea typeface="+mn-ea"/>
+                <a:cs typeface="+mn-cs"/>
+              </a:defRPr>
+            </a:lvl4pPr>
+            <a:lvl5pPr marL="1828800" algn="l" defTabSz="914400" rtl="0" eaLnBrk="1" latinLnBrk="0" hangingPunct="1">
+              <a:defRPr sz="1100">
+                <a:solidFill>
+                  <a:schemeClr val="lt1"/>
+                </a:solidFill>
+                <a:latin typeface="+mn-lt"/>
+                <a:ea typeface="+mn-ea"/>
+                <a:cs typeface="+mn-cs"/>
+              </a:defRPr>
+            </a:lvl5pPr>
+            <a:lvl6pPr marL="2286000" algn="l" defTabSz="914400" rtl="0" eaLnBrk="1" latinLnBrk="0" hangingPunct="1">
+              <a:defRPr sz="1100">
+                <a:solidFill>
+                  <a:schemeClr val="lt1"/>
+                </a:solidFill>
+                <a:latin typeface="+mn-lt"/>
+                <a:ea typeface="+mn-ea"/>
+                <a:cs typeface="+mn-cs"/>
+              </a:defRPr>
+            </a:lvl6pPr>
+            <a:lvl7pPr marL="2743200" algn="l" defTabSz="914400" rtl="0" eaLnBrk="1" latinLnBrk="0" hangingPunct="1">
+              <a:defRPr sz="1100">
+                <a:solidFill>
+                  <a:schemeClr val="lt1"/>
+                </a:solidFill>
+                <a:latin typeface="+mn-lt"/>
+                <a:ea typeface="+mn-ea"/>
+                <a:cs typeface="+mn-cs"/>
+              </a:defRPr>
+            </a:lvl7pPr>
+            <a:lvl8pPr marL="3200400" algn="l" defTabSz="914400" rtl="0" eaLnBrk="1" latinLnBrk="0" hangingPunct="1">
+              <a:defRPr sz="1100">
+                <a:solidFill>
+                  <a:schemeClr val="lt1"/>
+                </a:solidFill>
+                <a:latin typeface="+mn-lt"/>
+                <a:ea typeface="+mn-ea"/>
+                <a:cs typeface="+mn-cs"/>
+              </a:defRPr>
+            </a:lvl8pPr>
+            <a:lvl9pPr marL="3657600" algn="l" defTabSz="914400" rtl="0" eaLnBrk="1" latinLnBrk="0" hangingPunct="1">
+              <a:defRPr sz="1100">
+                <a:solidFill>
+                  <a:schemeClr val="lt1"/>
+                </a:solidFill>
+                <a:latin typeface="+mn-lt"/>
+                <a:ea typeface="+mn-ea"/>
+                <a:cs typeface="+mn-cs"/>
+              </a:defRPr>
+            </a:lvl9pPr>
+          </a:lstStyle>
+          <a:p>
+            <a:pPr algn="ctr"/>
+            <a:r>
+              <a:rPr lang="en-US" altLang="zh-CN" sz="1600">
+                <a:solidFill>
+                  <a:sysClr val="windowText" lastClr="000000"/>
+                </a:solidFill>
+              </a:rPr>
+              <a:t>Closure</a:t>
+            </a:r>
+            <a:endParaRPr lang="en-US" altLang="zh-CN" sz="1600">
+              <a:solidFill>
+                <a:sysClr val="windowText" lastClr="000000"/>
+              </a:solidFill>
+            </a:endParaRPr>
+          </a:p>
+        </p:txBody>
+      </p:sp>
+      <p:sp>
+        <p:nvSpPr>
+          <p:cNvPr id="27" name="矩形 26"/>
+          <p:cNvSpPr/>
+          <p:nvPr/>
+        </p:nvSpPr>
+        <p:spPr>
+          <a:xfrm>
+            <a:off x="5130165" y="3107055"/>
+            <a:ext cx="1931670" cy="405765"/>
+          </a:xfrm>
+          <a:prstGeom prst="rect">
+            <a:avLst/>
+          </a:prstGeom>
+          <a:solidFill>
+            <a:schemeClr val="accent2">
+              <a:lumMod val="20000"/>
+              <a:lumOff val="80000"/>
+            </a:schemeClr>
+          </a:solidFill>
+        </p:spPr>
+        <p:style>
+          <a:lnRef idx="2">
+            <a:schemeClr val="accent1">
+              <a:shade val="50000"/>
+            </a:schemeClr>
+          </a:lnRef>
+          <a:fillRef idx="1">
+            <a:schemeClr val="accent1"/>
+          </a:fillRef>
+          <a:effectRef idx="0">
+            <a:schemeClr val="accent1"/>
+          </a:effectRef>
+          <a:fontRef idx="minor">
+            <a:schemeClr val="lt1"/>
+          </a:fontRef>
+        </p:style>
+        <p:txBody>
+          <a:bodyPr vertOverflow="clip" horzOverflow="clip" wrap="square" rtlCol="0" anchor="ctr" anchorCtr="0"/>
+          <a:lstStyle>
+            <a:defPPr>
+              <a:defRPr lang="zh-CN">
+                <a:solidFill>
+                  <a:schemeClr val="lt1"/>
+                </a:solidFill>
+              </a:defRPr>
+            </a:defPPr>
+            <a:lvl1pPr marL="0" algn="l" defTabSz="914400" rtl="0" eaLnBrk="1" latinLnBrk="0" hangingPunct="1">
+              <a:defRPr sz="1100">
+                <a:solidFill>
+                  <a:schemeClr val="lt1"/>
+                </a:solidFill>
+                <a:latin typeface="+mn-lt"/>
+                <a:ea typeface="+mn-ea"/>
+                <a:cs typeface="+mn-cs"/>
+              </a:defRPr>
+            </a:lvl1pPr>
+            <a:lvl2pPr marL="457200" algn="l" defTabSz="914400" rtl="0" eaLnBrk="1" latinLnBrk="0" hangingPunct="1">
+              <a:defRPr sz="1100">
+                <a:solidFill>
+                  <a:schemeClr val="lt1"/>
+                </a:solidFill>
+                <a:latin typeface="+mn-lt"/>
+                <a:ea typeface="+mn-ea"/>
+                <a:cs typeface="+mn-cs"/>
+              </a:defRPr>
+            </a:lvl2pPr>
+            <a:lvl3pPr marL="914400" algn="l" defTabSz="914400" rtl="0" eaLnBrk="1" latinLnBrk="0" hangingPunct="1">
+              <a:defRPr sz="1100">
+                <a:solidFill>
+                  <a:schemeClr val="lt1"/>
+                </a:solidFill>
+                <a:latin typeface="+mn-lt"/>
+                <a:ea typeface="+mn-ea"/>
+                <a:cs typeface="+mn-cs"/>
+              </a:defRPr>
+            </a:lvl3pPr>
+            <a:lvl4pPr marL="1371600" algn="l" defTabSz="914400" rtl="0" eaLnBrk="1" latinLnBrk="0" hangingPunct="1">
+              <a:defRPr sz="1100">
+                <a:solidFill>
+                  <a:schemeClr val="lt1"/>
+                </a:solidFill>
+                <a:latin typeface="+mn-lt"/>
+                <a:ea typeface="+mn-ea"/>
+                <a:cs typeface="+mn-cs"/>
+              </a:defRPr>
+            </a:lvl4pPr>
+            <a:lvl5pPr marL="1828800" algn="l" defTabSz="914400" rtl="0" eaLnBrk="1" latinLnBrk="0" hangingPunct="1">
+              <a:defRPr sz="1100">
+                <a:solidFill>
+                  <a:schemeClr val="lt1"/>
+                </a:solidFill>
+                <a:latin typeface="+mn-lt"/>
+                <a:ea typeface="+mn-ea"/>
+                <a:cs typeface="+mn-cs"/>
+              </a:defRPr>
+            </a:lvl5pPr>
+            <a:lvl6pPr marL="2286000" algn="l" defTabSz="914400" rtl="0" eaLnBrk="1" latinLnBrk="0" hangingPunct="1">
+              <a:defRPr sz="1100">
+                <a:solidFill>
+                  <a:schemeClr val="lt1"/>
+                </a:solidFill>
+                <a:latin typeface="+mn-lt"/>
+                <a:ea typeface="+mn-ea"/>
+                <a:cs typeface="+mn-cs"/>
+              </a:defRPr>
+            </a:lvl6pPr>
+            <a:lvl7pPr marL="2743200" algn="l" defTabSz="914400" rtl="0" eaLnBrk="1" latinLnBrk="0" hangingPunct="1">
+              <a:defRPr sz="1100">
+                <a:solidFill>
+                  <a:schemeClr val="lt1"/>
+                </a:solidFill>
+                <a:latin typeface="+mn-lt"/>
+                <a:ea typeface="+mn-ea"/>
+                <a:cs typeface="+mn-cs"/>
+              </a:defRPr>
+            </a:lvl7pPr>
+            <a:lvl8pPr marL="3200400" algn="l" defTabSz="914400" rtl="0" eaLnBrk="1" latinLnBrk="0" hangingPunct="1">
+              <a:defRPr sz="1100">
+                <a:solidFill>
+                  <a:schemeClr val="lt1"/>
+                </a:solidFill>
+                <a:latin typeface="+mn-lt"/>
+                <a:ea typeface="+mn-ea"/>
+                <a:cs typeface="+mn-cs"/>
+              </a:defRPr>
+            </a:lvl8pPr>
+            <a:lvl9pPr marL="3657600" algn="l" defTabSz="914400" rtl="0" eaLnBrk="1" latinLnBrk="0" hangingPunct="1">
+              <a:defRPr sz="1100">
+                <a:solidFill>
+                  <a:schemeClr val="lt1"/>
+                </a:solidFill>
+                <a:latin typeface="+mn-lt"/>
+                <a:ea typeface="+mn-ea"/>
+                <a:cs typeface="+mn-cs"/>
+              </a:defRPr>
+            </a:lvl9pPr>
+          </a:lstStyle>
+          <a:p>
+            <a:pPr algn="ctr"/>
+            <a:r>
+              <a:rPr lang="en-US" altLang="zh-CN" sz="1600">
+                <a:solidFill>
+                  <a:sysClr val="windowText" lastClr="000000"/>
+                </a:solidFill>
+              </a:rPr>
+              <a:t>Debug.Hook</a:t>
+            </a:r>
+            <a:endParaRPr lang="en-US" altLang="zh-CN" sz="1600">
+              <a:solidFill>
+                <a:sysClr val="windowText" lastClr="000000"/>
+              </a:solidFill>
+            </a:endParaRPr>
+          </a:p>
+        </p:txBody>
+      </p:sp>
+      <p:sp>
+        <p:nvSpPr>
+          <p:cNvPr id="10" name="矩形 9"/>
+          <p:cNvSpPr/>
+          <p:nvPr/>
+        </p:nvSpPr>
+        <p:spPr>
+          <a:xfrm>
+            <a:off x="7703820" y="1941830"/>
+            <a:ext cx="1931670" cy="410210"/>
+          </a:xfrm>
+          <a:prstGeom prst="rect">
+            <a:avLst/>
+          </a:prstGeom>
+          <a:solidFill>
+            <a:schemeClr val="accent2">
+              <a:lumMod val="20000"/>
+              <a:lumOff val="80000"/>
+            </a:schemeClr>
+          </a:solidFill>
+        </p:spPr>
+        <p:style>
+          <a:lnRef idx="2">
+            <a:schemeClr val="accent1">
+              <a:shade val="50000"/>
+            </a:schemeClr>
+          </a:lnRef>
+          <a:fillRef idx="1">
+            <a:schemeClr val="accent1"/>
+          </a:fillRef>
+          <a:effectRef idx="0">
+            <a:schemeClr val="accent1"/>
+          </a:effectRef>
+          <a:fontRef idx="minor">
+            <a:schemeClr val="lt1"/>
+          </a:fontRef>
+        </p:style>
+        <p:txBody>
+          <a:bodyPr vertOverflow="clip" horzOverflow="clip" wrap="square" rtlCol="0" anchor="ctr" anchorCtr="0"/>
+          <a:lstStyle>
+            <a:defPPr>
+              <a:defRPr lang="zh-CN">
+                <a:solidFill>
+                  <a:schemeClr val="lt1"/>
+                </a:solidFill>
+              </a:defRPr>
+            </a:defPPr>
+            <a:lvl1pPr marL="0" algn="l" defTabSz="914400" rtl="0" eaLnBrk="1" latinLnBrk="0" hangingPunct="1">
+              <a:defRPr sz="1100">
+                <a:solidFill>
+                  <a:schemeClr val="lt1"/>
+                </a:solidFill>
+                <a:latin typeface="+mn-lt"/>
+                <a:ea typeface="+mn-ea"/>
+                <a:cs typeface="+mn-cs"/>
+              </a:defRPr>
+            </a:lvl1pPr>
+            <a:lvl2pPr marL="457200" algn="l" defTabSz="914400" rtl="0" eaLnBrk="1" latinLnBrk="0" hangingPunct="1">
+              <a:defRPr sz="1100">
+                <a:solidFill>
+                  <a:schemeClr val="lt1"/>
+                </a:solidFill>
+                <a:latin typeface="+mn-lt"/>
+                <a:ea typeface="+mn-ea"/>
+                <a:cs typeface="+mn-cs"/>
+              </a:defRPr>
+            </a:lvl2pPr>
+            <a:lvl3pPr marL="914400" algn="l" defTabSz="914400" rtl="0" eaLnBrk="1" latinLnBrk="0" hangingPunct="1">
+              <a:defRPr sz="1100">
+                <a:solidFill>
+                  <a:schemeClr val="lt1"/>
+                </a:solidFill>
+                <a:latin typeface="+mn-lt"/>
+                <a:ea typeface="+mn-ea"/>
+                <a:cs typeface="+mn-cs"/>
+              </a:defRPr>
+            </a:lvl3pPr>
+            <a:lvl4pPr marL="1371600" algn="l" defTabSz="914400" rtl="0" eaLnBrk="1" latinLnBrk="0" hangingPunct="1">
+              <a:defRPr sz="1100">
+                <a:solidFill>
+                  <a:schemeClr val="lt1"/>
+                </a:solidFill>
+                <a:latin typeface="+mn-lt"/>
+                <a:ea typeface="+mn-ea"/>
+                <a:cs typeface="+mn-cs"/>
+              </a:defRPr>
+            </a:lvl4pPr>
+            <a:lvl5pPr marL="1828800" algn="l" defTabSz="914400" rtl="0" eaLnBrk="1" latinLnBrk="0" hangingPunct="1">
+              <a:defRPr sz="1100">
+                <a:solidFill>
+                  <a:schemeClr val="lt1"/>
+                </a:solidFill>
+                <a:latin typeface="+mn-lt"/>
+                <a:ea typeface="+mn-ea"/>
+                <a:cs typeface="+mn-cs"/>
+              </a:defRPr>
+            </a:lvl5pPr>
+            <a:lvl6pPr marL="2286000" algn="l" defTabSz="914400" rtl="0" eaLnBrk="1" latinLnBrk="0" hangingPunct="1">
+              <a:defRPr sz="1100">
+                <a:solidFill>
+                  <a:schemeClr val="lt1"/>
+                </a:solidFill>
+                <a:latin typeface="+mn-lt"/>
+                <a:ea typeface="+mn-ea"/>
+                <a:cs typeface="+mn-cs"/>
+              </a:defRPr>
+            </a:lvl6pPr>
+            <a:lvl7pPr marL="2743200" algn="l" defTabSz="914400" rtl="0" eaLnBrk="1" latinLnBrk="0" hangingPunct="1">
+              <a:defRPr sz="1100">
+                <a:solidFill>
+                  <a:schemeClr val="lt1"/>
+                </a:solidFill>
+                <a:latin typeface="+mn-lt"/>
+                <a:ea typeface="+mn-ea"/>
+                <a:cs typeface="+mn-cs"/>
+              </a:defRPr>
+            </a:lvl7pPr>
+            <a:lvl8pPr marL="3200400" algn="l" defTabSz="914400" rtl="0" eaLnBrk="1" latinLnBrk="0" hangingPunct="1">
+              <a:defRPr sz="1100">
+                <a:solidFill>
+                  <a:schemeClr val="lt1"/>
+                </a:solidFill>
+                <a:latin typeface="+mn-lt"/>
+                <a:ea typeface="+mn-ea"/>
+                <a:cs typeface="+mn-cs"/>
+              </a:defRPr>
+            </a:lvl8pPr>
+            <a:lvl9pPr marL="3657600" algn="l" defTabSz="914400" rtl="0" eaLnBrk="1" latinLnBrk="0" hangingPunct="1">
+              <a:defRPr sz="1100">
+                <a:solidFill>
+                  <a:schemeClr val="lt1"/>
+                </a:solidFill>
+                <a:latin typeface="+mn-lt"/>
+                <a:ea typeface="+mn-ea"/>
+                <a:cs typeface="+mn-cs"/>
+              </a:defRPr>
+            </a:lvl9pPr>
+          </a:lstStyle>
+          <a:p>
+            <a:pPr algn="ctr"/>
+            <a:r>
+              <a:rPr lang="en-US" altLang="zh-CN" sz="1600">
+                <a:solidFill>
+                  <a:sysClr val="windowText" lastClr="000000"/>
+                </a:solidFill>
+              </a:rPr>
+              <a:t>C#</a:t>
+            </a:r>
+            <a:r>
+              <a:rPr lang="zh-CN" altLang="en-US" sz="1600">
+                <a:solidFill>
+                  <a:sysClr val="windowText" lastClr="000000"/>
+                </a:solidFill>
+              </a:rPr>
+              <a:t>函数</a:t>
+            </a:r>
+            <a:r>
+              <a:rPr lang="en-US" altLang="zh-CN" sz="1600">
+                <a:solidFill>
+                  <a:srgbClr val="00B0F0"/>
+                </a:solidFill>
+              </a:rPr>
+              <a:t>int</a:t>
+            </a:r>
+            <a:r>
+              <a:rPr lang="en-US" altLang="zh-CN" sz="1600">
+                <a:solidFill>
+                  <a:sysClr val="windowText" lastClr="000000"/>
+                </a:solidFill>
+              </a:rPr>
+              <a:t>(</a:t>
+            </a:r>
+            <a:r>
+              <a:rPr lang="en-US" altLang="zh-CN" sz="1600">
+                <a:solidFill>
+                  <a:srgbClr val="00B0F0"/>
+                </a:solidFill>
+              </a:rPr>
+              <a:t>Thread</a:t>
+            </a:r>
+            <a:r>
+              <a:rPr lang="en-US" altLang="zh-CN" sz="1600">
+                <a:solidFill>
+                  <a:sysClr val="windowText" lastClr="000000"/>
+                </a:solidFill>
+              </a:rPr>
+              <a:t>)</a:t>
+            </a:r>
+            <a:endParaRPr lang="en-US" altLang="zh-CN" sz="1600">
+              <a:solidFill>
+                <a:sysClr val="windowText" lastClr="000000"/>
+              </a:solidFill>
+            </a:endParaRPr>
+          </a:p>
+        </p:txBody>
+      </p:sp>
+      <p:sp>
+        <p:nvSpPr>
+          <p:cNvPr id="11" name="矩形 10"/>
+          <p:cNvSpPr/>
+          <p:nvPr/>
+        </p:nvSpPr>
+        <p:spPr>
+          <a:xfrm>
+            <a:off x="7703820" y="2508250"/>
+            <a:ext cx="1931670" cy="410210"/>
+          </a:xfrm>
+          <a:prstGeom prst="rect">
+            <a:avLst/>
+          </a:prstGeom>
+          <a:solidFill>
+            <a:schemeClr val="accent2">
+              <a:lumMod val="20000"/>
+              <a:lumOff val="80000"/>
+            </a:schemeClr>
+          </a:solidFill>
+        </p:spPr>
+        <p:style>
+          <a:lnRef idx="2">
+            <a:schemeClr val="accent1">
+              <a:shade val="50000"/>
+            </a:schemeClr>
+          </a:lnRef>
+          <a:fillRef idx="1">
+            <a:schemeClr val="accent1"/>
+          </a:fillRef>
+          <a:effectRef idx="0">
+            <a:schemeClr val="accent1"/>
+          </a:effectRef>
+          <a:fontRef idx="minor">
+            <a:schemeClr val="lt1"/>
+          </a:fontRef>
+        </p:style>
+        <p:txBody>
+          <a:bodyPr vertOverflow="clip" horzOverflow="clip" wrap="square" rtlCol="0" anchor="ctr" anchorCtr="0"/>
+          <a:lstStyle>
+            <a:defPPr>
+              <a:defRPr lang="zh-CN">
+                <a:solidFill>
+                  <a:schemeClr val="lt1"/>
+                </a:solidFill>
+              </a:defRPr>
+            </a:defPPr>
+            <a:lvl1pPr marL="0" algn="l" defTabSz="914400" rtl="0" eaLnBrk="1" latinLnBrk="0" hangingPunct="1">
+              <a:defRPr sz="1100">
+                <a:solidFill>
+                  <a:schemeClr val="lt1"/>
+                </a:solidFill>
+                <a:latin typeface="+mn-lt"/>
+                <a:ea typeface="+mn-ea"/>
+                <a:cs typeface="+mn-cs"/>
+              </a:defRPr>
+            </a:lvl1pPr>
+            <a:lvl2pPr marL="457200" algn="l" defTabSz="914400" rtl="0" eaLnBrk="1" latinLnBrk="0" hangingPunct="1">
+              <a:defRPr sz="1100">
+                <a:solidFill>
+                  <a:schemeClr val="lt1"/>
+                </a:solidFill>
+                <a:latin typeface="+mn-lt"/>
+                <a:ea typeface="+mn-ea"/>
+                <a:cs typeface="+mn-cs"/>
+              </a:defRPr>
+            </a:lvl2pPr>
+            <a:lvl3pPr marL="914400" algn="l" defTabSz="914400" rtl="0" eaLnBrk="1" latinLnBrk="0" hangingPunct="1">
+              <a:defRPr sz="1100">
+                <a:solidFill>
+                  <a:schemeClr val="lt1"/>
+                </a:solidFill>
+                <a:latin typeface="+mn-lt"/>
+                <a:ea typeface="+mn-ea"/>
+                <a:cs typeface="+mn-cs"/>
+              </a:defRPr>
+            </a:lvl3pPr>
+            <a:lvl4pPr marL="1371600" algn="l" defTabSz="914400" rtl="0" eaLnBrk="1" latinLnBrk="0" hangingPunct="1">
+              <a:defRPr sz="1100">
+                <a:solidFill>
+                  <a:schemeClr val="lt1"/>
+                </a:solidFill>
+                <a:latin typeface="+mn-lt"/>
+                <a:ea typeface="+mn-ea"/>
+                <a:cs typeface="+mn-cs"/>
+              </a:defRPr>
+            </a:lvl4pPr>
+            <a:lvl5pPr marL="1828800" algn="l" defTabSz="914400" rtl="0" eaLnBrk="1" latinLnBrk="0" hangingPunct="1">
+              <a:defRPr sz="1100">
+                <a:solidFill>
+                  <a:schemeClr val="lt1"/>
+                </a:solidFill>
+                <a:latin typeface="+mn-lt"/>
+                <a:ea typeface="+mn-ea"/>
+                <a:cs typeface="+mn-cs"/>
+              </a:defRPr>
+            </a:lvl5pPr>
+            <a:lvl6pPr marL="2286000" algn="l" defTabSz="914400" rtl="0" eaLnBrk="1" latinLnBrk="0" hangingPunct="1">
+              <a:defRPr sz="1100">
+                <a:solidFill>
+                  <a:schemeClr val="lt1"/>
+                </a:solidFill>
+                <a:latin typeface="+mn-lt"/>
+                <a:ea typeface="+mn-ea"/>
+                <a:cs typeface="+mn-cs"/>
+              </a:defRPr>
+            </a:lvl6pPr>
+            <a:lvl7pPr marL="2743200" algn="l" defTabSz="914400" rtl="0" eaLnBrk="1" latinLnBrk="0" hangingPunct="1">
+              <a:defRPr sz="1100">
+                <a:solidFill>
+                  <a:schemeClr val="lt1"/>
+                </a:solidFill>
+                <a:latin typeface="+mn-lt"/>
+                <a:ea typeface="+mn-ea"/>
+                <a:cs typeface="+mn-cs"/>
+              </a:defRPr>
+            </a:lvl7pPr>
+            <a:lvl8pPr marL="3200400" algn="l" defTabSz="914400" rtl="0" eaLnBrk="1" latinLnBrk="0" hangingPunct="1">
+              <a:defRPr sz="1100">
+                <a:solidFill>
+                  <a:schemeClr val="lt1"/>
+                </a:solidFill>
+                <a:latin typeface="+mn-lt"/>
+                <a:ea typeface="+mn-ea"/>
+                <a:cs typeface="+mn-cs"/>
+              </a:defRPr>
+            </a:lvl8pPr>
+            <a:lvl9pPr marL="3657600" algn="l" defTabSz="914400" rtl="0" eaLnBrk="1" latinLnBrk="0" hangingPunct="1">
+              <a:defRPr sz="1100">
+                <a:solidFill>
+                  <a:schemeClr val="lt1"/>
+                </a:solidFill>
+                <a:latin typeface="+mn-lt"/>
+                <a:ea typeface="+mn-ea"/>
+                <a:cs typeface="+mn-cs"/>
+              </a:defRPr>
+            </a:lvl9pPr>
+          </a:lstStyle>
+          <a:p>
+            <a:pPr algn="ctr"/>
+            <a:r>
+              <a:rPr lang="zh-CN" altLang="en-US" sz="1600">
+                <a:solidFill>
+                  <a:sysClr val="windowText" lastClr="000000"/>
+                </a:solidFill>
+              </a:rPr>
+              <a:t>接口</a:t>
+            </a:r>
+            <a:r>
+              <a:rPr lang="en-US" altLang="zh-CN" sz="1600">
+                <a:solidFill>
+                  <a:srgbClr val="00B0F0"/>
+                </a:solidFill>
+              </a:rPr>
+              <a:t>get</a:t>
+            </a:r>
+            <a:r>
+              <a:rPr lang="zh-CN" altLang="en-US" sz="1600">
+                <a:solidFill>
+                  <a:sysClr val="windowText" lastClr="000000"/>
+                </a:solidFill>
+              </a:rPr>
+              <a:t>和</a:t>
+            </a:r>
+            <a:r>
+              <a:rPr lang="en-US" altLang="zh-CN" sz="1600">
+                <a:solidFill>
+                  <a:srgbClr val="00B0F0"/>
+                </a:solidFill>
+              </a:rPr>
+              <a:t>set</a:t>
+            </a:r>
+            <a:endParaRPr lang="en-US" altLang="zh-CN" sz="1600">
+              <a:solidFill>
+                <a:srgbClr val="00B0F0"/>
+              </a:solidFill>
+            </a:endParaRPr>
+          </a:p>
+        </p:txBody>
+      </p:sp>
+      <p:sp>
+        <p:nvSpPr>
+          <p:cNvPr id="22" name="矩形 21"/>
+          <p:cNvSpPr/>
+          <p:nvPr/>
+        </p:nvSpPr>
+        <p:spPr>
+          <a:xfrm>
+            <a:off x="5130165" y="2508250"/>
+            <a:ext cx="1931670" cy="410210"/>
+          </a:xfrm>
+          <a:prstGeom prst="rect">
+            <a:avLst/>
+          </a:prstGeom>
+          <a:solidFill>
+            <a:schemeClr val="accent2">
+              <a:lumMod val="20000"/>
+              <a:lumOff val="80000"/>
+            </a:schemeClr>
+          </a:solidFill>
+        </p:spPr>
+        <p:style>
+          <a:lnRef idx="2">
+            <a:schemeClr val="accent1">
+              <a:shade val="50000"/>
+            </a:schemeClr>
+          </a:lnRef>
+          <a:fillRef idx="1">
+            <a:schemeClr val="accent1"/>
+          </a:fillRef>
+          <a:effectRef idx="0">
+            <a:schemeClr val="accent1"/>
+          </a:effectRef>
+          <a:fontRef idx="minor">
+            <a:schemeClr val="lt1"/>
+          </a:fontRef>
+        </p:style>
+        <p:txBody>
+          <a:bodyPr vertOverflow="clip" horzOverflow="clip" wrap="square" rtlCol="0" anchor="ctr" anchorCtr="0"/>
+          <a:lstStyle>
+            <a:defPPr>
+              <a:defRPr lang="zh-CN">
+                <a:solidFill>
+                  <a:schemeClr val="lt1"/>
+                </a:solidFill>
+              </a:defRPr>
+            </a:defPPr>
+            <a:lvl1pPr marL="0" algn="l" defTabSz="914400" rtl="0" eaLnBrk="1" latinLnBrk="0" hangingPunct="1">
+              <a:defRPr sz="1100">
+                <a:solidFill>
+                  <a:schemeClr val="lt1"/>
+                </a:solidFill>
+                <a:latin typeface="+mn-lt"/>
+                <a:ea typeface="+mn-ea"/>
+                <a:cs typeface="+mn-cs"/>
+              </a:defRPr>
+            </a:lvl1pPr>
+            <a:lvl2pPr marL="457200" algn="l" defTabSz="914400" rtl="0" eaLnBrk="1" latinLnBrk="0" hangingPunct="1">
+              <a:defRPr sz="1100">
+                <a:solidFill>
+                  <a:schemeClr val="lt1"/>
+                </a:solidFill>
+                <a:latin typeface="+mn-lt"/>
+                <a:ea typeface="+mn-ea"/>
+                <a:cs typeface="+mn-cs"/>
+              </a:defRPr>
+            </a:lvl2pPr>
+            <a:lvl3pPr marL="914400" algn="l" defTabSz="914400" rtl="0" eaLnBrk="1" latinLnBrk="0" hangingPunct="1">
+              <a:defRPr sz="1100">
+                <a:solidFill>
+                  <a:schemeClr val="lt1"/>
+                </a:solidFill>
+                <a:latin typeface="+mn-lt"/>
+                <a:ea typeface="+mn-ea"/>
+                <a:cs typeface="+mn-cs"/>
+              </a:defRPr>
+            </a:lvl3pPr>
+            <a:lvl4pPr marL="1371600" algn="l" defTabSz="914400" rtl="0" eaLnBrk="1" latinLnBrk="0" hangingPunct="1">
+              <a:defRPr sz="1100">
+                <a:solidFill>
+                  <a:schemeClr val="lt1"/>
+                </a:solidFill>
+                <a:latin typeface="+mn-lt"/>
+                <a:ea typeface="+mn-ea"/>
+                <a:cs typeface="+mn-cs"/>
+              </a:defRPr>
+            </a:lvl4pPr>
+            <a:lvl5pPr marL="1828800" algn="l" defTabSz="914400" rtl="0" eaLnBrk="1" latinLnBrk="0" hangingPunct="1">
+              <a:defRPr sz="1100">
+                <a:solidFill>
+                  <a:schemeClr val="lt1"/>
+                </a:solidFill>
+                <a:latin typeface="+mn-lt"/>
+                <a:ea typeface="+mn-ea"/>
+                <a:cs typeface="+mn-cs"/>
+              </a:defRPr>
+            </a:lvl5pPr>
+            <a:lvl6pPr marL="2286000" algn="l" defTabSz="914400" rtl="0" eaLnBrk="1" latinLnBrk="0" hangingPunct="1">
+              <a:defRPr sz="1100">
+                <a:solidFill>
+                  <a:schemeClr val="lt1"/>
+                </a:solidFill>
+                <a:latin typeface="+mn-lt"/>
+                <a:ea typeface="+mn-ea"/>
+                <a:cs typeface="+mn-cs"/>
+              </a:defRPr>
+            </a:lvl6pPr>
+            <a:lvl7pPr marL="2743200" algn="l" defTabSz="914400" rtl="0" eaLnBrk="1" latinLnBrk="0" hangingPunct="1">
+              <a:defRPr sz="1100">
+                <a:solidFill>
+                  <a:schemeClr val="lt1"/>
+                </a:solidFill>
+                <a:latin typeface="+mn-lt"/>
+                <a:ea typeface="+mn-ea"/>
+                <a:cs typeface="+mn-cs"/>
+              </a:defRPr>
+            </a:lvl7pPr>
+            <a:lvl8pPr marL="3200400" algn="l" defTabSz="914400" rtl="0" eaLnBrk="1" latinLnBrk="0" hangingPunct="1">
+              <a:defRPr sz="1100">
+                <a:solidFill>
+                  <a:schemeClr val="lt1"/>
+                </a:solidFill>
+                <a:latin typeface="+mn-lt"/>
+                <a:ea typeface="+mn-ea"/>
+                <a:cs typeface="+mn-cs"/>
+              </a:defRPr>
+            </a:lvl8pPr>
+            <a:lvl9pPr marL="3657600" algn="l" defTabSz="914400" rtl="0" eaLnBrk="1" latinLnBrk="0" hangingPunct="1">
+              <a:defRPr sz="1100">
+                <a:solidFill>
+                  <a:schemeClr val="lt1"/>
+                </a:solidFill>
+                <a:latin typeface="+mn-lt"/>
+                <a:ea typeface="+mn-ea"/>
+                <a:cs typeface="+mn-cs"/>
+              </a:defRPr>
+            </a:lvl9pPr>
+          </a:lstStyle>
+          <a:p>
+            <a:pPr algn="ctr"/>
+            <a:r>
+              <a:rPr lang="en-US" altLang="zh-CN" sz="1600">
+                <a:solidFill>
+                  <a:sysClr val="windowText" lastClr="000000"/>
+                </a:solidFill>
+              </a:rPr>
+              <a:t>Table </a:t>
+            </a:r>
+            <a:r>
+              <a:rPr lang="en-US" altLang="zh-CN" sz="1600">
+                <a:solidFill>
+                  <a:srgbClr val="00B0F0"/>
+                </a:solidFill>
+              </a:rPr>
+              <a:t>get set</a:t>
+            </a:r>
+            <a:endParaRPr lang="en-US" altLang="zh-CN" sz="1600">
+              <a:solidFill>
+                <a:srgbClr val="00B0F0"/>
+              </a:solidFill>
+            </a:endParaRPr>
+          </a:p>
+        </p:txBody>
+      </p:sp>
+      <p:sp>
+        <p:nvSpPr>
+          <p:cNvPr id="24" name="矩形 23"/>
+          <p:cNvSpPr/>
+          <p:nvPr/>
+        </p:nvSpPr>
+        <p:spPr>
+          <a:xfrm>
+            <a:off x="5229225" y="4110673"/>
+            <a:ext cx="1931670" cy="935990"/>
+          </a:xfrm>
+          <a:prstGeom prst="rect">
+            <a:avLst/>
+          </a:prstGeom>
+          <a:solidFill>
+            <a:schemeClr val="accent1">
+              <a:lumMod val="60000"/>
+              <a:lumOff val="40000"/>
+            </a:schemeClr>
+          </a:solidFill>
+        </p:spPr>
+        <p:style>
+          <a:lnRef idx="2">
+            <a:schemeClr val="accent1">
+              <a:shade val="50000"/>
+            </a:schemeClr>
+          </a:lnRef>
+          <a:fillRef idx="1">
+            <a:schemeClr val="accent1"/>
+          </a:fillRef>
+          <a:effectRef idx="0">
+            <a:schemeClr val="accent1"/>
+          </a:effectRef>
+          <a:fontRef idx="minor">
+            <a:schemeClr val="lt1"/>
+          </a:fontRef>
+        </p:style>
+        <p:txBody>
+          <a:bodyPr vertOverflow="clip" horzOverflow="clip" wrap="square" rtlCol="0" anchor="ctr" anchorCtr="0"/>
+          <a:lstStyle>
+            <a:defPPr>
+              <a:defRPr lang="zh-CN">
+                <a:solidFill>
+                  <a:schemeClr val="lt1"/>
+                </a:solidFill>
+              </a:defRPr>
+            </a:defPPr>
+            <a:lvl1pPr marL="0" algn="l" defTabSz="914400" rtl="0" eaLnBrk="1" latinLnBrk="0" hangingPunct="1">
+              <a:defRPr sz="1100">
+                <a:solidFill>
+                  <a:schemeClr val="lt1"/>
+                </a:solidFill>
+                <a:latin typeface="+mn-lt"/>
+                <a:ea typeface="+mn-ea"/>
+                <a:cs typeface="+mn-cs"/>
+              </a:defRPr>
+            </a:lvl1pPr>
+            <a:lvl2pPr marL="457200" algn="l" defTabSz="914400" rtl="0" eaLnBrk="1" latinLnBrk="0" hangingPunct="1">
+              <a:defRPr sz="1100">
+                <a:solidFill>
+                  <a:schemeClr val="lt1"/>
+                </a:solidFill>
+                <a:latin typeface="+mn-lt"/>
+                <a:ea typeface="+mn-ea"/>
+                <a:cs typeface="+mn-cs"/>
+              </a:defRPr>
+            </a:lvl2pPr>
+            <a:lvl3pPr marL="914400" algn="l" defTabSz="914400" rtl="0" eaLnBrk="1" latinLnBrk="0" hangingPunct="1">
+              <a:defRPr sz="1100">
+                <a:solidFill>
+                  <a:schemeClr val="lt1"/>
+                </a:solidFill>
+                <a:latin typeface="+mn-lt"/>
+                <a:ea typeface="+mn-ea"/>
+                <a:cs typeface="+mn-cs"/>
+              </a:defRPr>
+            </a:lvl3pPr>
+            <a:lvl4pPr marL="1371600" algn="l" defTabSz="914400" rtl="0" eaLnBrk="1" latinLnBrk="0" hangingPunct="1">
+              <a:defRPr sz="1100">
+                <a:solidFill>
+                  <a:schemeClr val="lt1"/>
+                </a:solidFill>
+                <a:latin typeface="+mn-lt"/>
+                <a:ea typeface="+mn-ea"/>
+                <a:cs typeface="+mn-cs"/>
+              </a:defRPr>
+            </a:lvl4pPr>
+            <a:lvl5pPr marL="1828800" algn="l" defTabSz="914400" rtl="0" eaLnBrk="1" latinLnBrk="0" hangingPunct="1">
+              <a:defRPr sz="1100">
+                <a:solidFill>
+                  <a:schemeClr val="lt1"/>
+                </a:solidFill>
+                <a:latin typeface="+mn-lt"/>
+                <a:ea typeface="+mn-ea"/>
+                <a:cs typeface="+mn-cs"/>
+              </a:defRPr>
+            </a:lvl5pPr>
+            <a:lvl6pPr marL="2286000" algn="l" defTabSz="914400" rtl="0" eaLnBrk="1" latinLnBrk="0" hangingPunct="1">
+              <a:defRPr sz="1100">
+                <a:solidFill>
+                  <a:schemeClr val="lt1"/>
+                </a:solidFill>
+                <a:latin typeface="+mn-lt"/>
+                <a:ea typeface="+mn-ea"/>
+                <a:cs typeface="+mn-cs"/>
+              </a:defRPr>
+            </a:lvl6pPr>
+            <a:lvl7pPr marL="2743200" algn="l" defTabSz="914400" rtl="0" eaLnBrk="1" latinLnBrk="0" hangingPunct="1">
+              <a:defRPr sz="1100">
+                <a:solidFill>
+                  <a:schemeClr val="lt1"/>
+                </a:solidFill>
+                <a:latin typeface="+mn-lt"/>
+                <a:ea typeface="+mn-ea"/>
+                <a:cs typeface="+mn-cs"/>
+              </a:defRPr>
+            </a:lvl7pPr>
+            <a:lvl8pPr marL="3200400" algn="l" defTabSz="914400" rtl="0" eaLnBrk="1" latinLnBrk="0" hangingPunct="1">
+              <a:defRPr sz="1100">
+                <a:solidFill>
+                  <a:schemeClr val="lt1"/>
+                </a:solidFill>
+                <a:latin typeface="+mn-lt"/>
+                <a:ea typeface="+mn-ea"/>
+                <a:cs typeface="+mn-cs"/>
+              </a:defRPr>
+            </a:lvl8pPr>
+            <a:lvl9pPr marL="3657600" algn="l" defTabSz="914400" rtl="0" eaLnBrk="1" latinLnBrk="0" hangingPunct="1">
+              <a:defRPr sz="1100">
+                <a:solidFill>
+                  <a:schemeClr val="lt1"/>
+                </a:solidFill>
+                <a:latin typeface="+mn-lt"/>
+                <a:ea typeface="+mn-ea"/>
+                <a:cs typeface="+mn-cs"/>
+              </a:defRPr>
+            </a:lvl9pPr>
+          </a:lstStyle>
+          <a:p>
+            <a:pPr algn="l"/>
+            <a:r>
+              <a:rPr lang="zh-CN" altLang="en-US" sz="1600">
+                <a:solidFill>
+                  <a:sysClr val="windowText" lastClr="000000"/>
+                </a:solidFill>
+              </a:rPr>
+              <a:t>简单调试协议：</a:t>
+            </a:r>
+            <a:endParaRPr lang="zh-CN" altLang="en-US" sz="1600">
+              <a:solidFill>
+                <a:sysClr val="windowText" lastClr="000000"/>
+              </a:solidFill>
+            </a:endParaRPr>
+          </a:p>
+          <a:p>
+            <a:pPr algn="l"/>
+            <a:r>
+              <a:rPr lang="en-US" altLang="zh-CN" sz="1600">
+                <a:solidFill>
+                  <a:sysClr val="windowText" lastClr="000000"/>
+                </a:solidFill>
+              </a:rPr>
+              <a:t>1. </a:t>
+            </a:r>
+            <a:r>
+              <a:rPr lang="zh-CN" altLang="en-US" sz="1600">
+                <a:solidFill>
+                  <a:sysClr val="windowText" lastClr="000000"/>
+                </a:solidFill>
+              </a:rPr>
+              <a:t>单连接</a:t>
+            </a:r>
+            <a:endParaRPr lang="zh-CN" altLang="en-US" sz="1600">
+              <a:solidFill>
+                <a:sysClr val="windowText" lastClr="000000"/>
+              </a:solidFill>
+            </a:endParaRPr>
+          </a:p>
+          <a:p>
+            <a:pPr algn="l"/>
+            <a:r>
+              <a:rPr lang="en-US" altLang="zh-CN" sz="1600">
+                <a:solidFill>
+                  <a:sysClr val="windowText" lastClr="000000"/>
+                </a:solidFill>
+              </a:rPr>
+              <a:t>2. </a:t>
+            </a:r>
+            <a:r>
+              <a:rPr lang="zh-CN" altLang="en-US" sz="1600">
+                <a:solidFill>
+                  <a:sysClr val="windowText" lastClr="000000"/>
+                </a:solidFill>
+              </a:rPr>
+              <a:t>请求应答模式</a:t>
+            </a:r>
+            <a:endParaRPr lang="zh-CN" altLang="en-US" sz="1600">
+              <a:solidFill>
+                <a:sysClr val="windowText" lastClr="000000"/>
+              </a:solidFill>
+            </a:endParaRPr>
+          </a:p>
+        </p:txBody>
+      </p:sp>
+      <p:sp>
+        <p:nvSpPr>
+          <p:cNvPr id="26" name="右箭头 25"/>
+          <p:cNvSpPr/>
+          <p:nvPr/>
+        </p:nvSpPr>
+        <p:spPr>
+          <a:xfrm>
+            <a:off x="2548255" y="3176270"/>
+            <a:ext cx="713105" cy="237490"/>
+          </a:xfrm>
+          <a:prstGeom prst="rightArrow">
+            <a:avLst/>
+          </a:prstGeom>
+        </p:spPr>
+        <p:style>
+          <a:lnRef idx="2">
+            <a:schemeClr val="accent1">
+              <a:shade val="50000"/>
+            </a:schemeClr>
+          </a:lnRef>
+          <a:fillRef idx="1">
+            <a:schemeClr val="accent1"/>
+          </a:fillRef>
+          <a:effectRef idx="0">
+            <a:schemeClr val="accent1"/>
+          </a:effectRef>
+          <a:fontRef idx="minor">
+            <a:schemeClr val="lt1"/>
+          </a:fontRef>
+        </p:style>
+        <p:txBody>
+          <a:bodyPr rtlCol="0" anchor="ctr"/>
+          <a:p>
+            <a:pPr algn="ctr"/>
+            <a:endParaRPr lang="zh-CN" altLang="en-US"/>
+          </a:p>
+        </p:txBody>
+      </p:sp>
+      <p:sp>
+        <p:nvSpPr>
+          <p:cNvPr id="28" name="上箭头 27"/>
+          <p:cNvSpPr/>
+          <p:nvPr/>
+        </p:nvSpPr>
+        <p:spPr>
+          <a:xfrm>
+            <a:off x="3775075" y="2686050"/>
+            <a:ext cx="322580" cy="254000"/>
+          </a:xfrm>
+          <a:prstGeom prst="upArrow">
+            <a:avLst/>
+          </a:prstGeom>
+        </p:spPr>
+        <p:style>
+          <a:lnRef idx="2">
+            <a:schemeClr val="accent1">
+              <a:shade val="50000"/>
+            </a:schemeClr>
+          </a:lnRef>
+          <a:fillRef idx="1">
+            <a:schemeClr val="accent1"/>
+          </a:fillRef>
+          <a:effectRef idx="0">
+            <a:schemeClr val="accent1"/>
+          </a:effectRef>
+          <a:fontRef idx="minor">
+            <a:schemeClr val="lt1"/>
+          </a:fontRef>
+        </p:style>
+        <p:txBody>
+          <a:bodyPr rtlCol="0" anchor="ctr"/>
+          <a:p>
+            <a:pPr algn="ctr"/>
+            <a:endParaRPr lang="zh-CN" altLang="en-US"/>
+          </a:p>
+        </p:txBody>
+      </p:sp>
+      <p:sp>
+        <p:nvSpPr>
+          <p:cNvPr id="29" name="右箭头 28"/>
+          <p:cNvSpPr/>
+          <p:nvPr/>
+        </p:nvSpPr>
+        <p:spPr>
+          <a:xfrm>
+            <a:off x="4651375" y="1425575"/>
+            <a:ext cx="228600" cy="1858010"/>
+          </a:xfrm>
+          <a:prstGeom prst="rightArrow">
+            <a:avLst>
+              <a:gd name="adj1" fmla="val 14149"/>
+              <a:gd name="adj2" fmla="val 50000"/>
+            </a:avLst>
+          </a:prstGeom>
+          <a:solidFill>
+            <a:schemeClr val="accent4">
+              <a:lumMod val="40000"/>
+              <a:lumOff val="60000"/>
+            </a:schemeClr>
+          </a:solidFill>
+        </p:spPr>
+        <p:style>
+          <a:lnRef idx="2">
+            <a:schemeClr val="accent1">
+              <a:shade val="50000"/>
+            </a:schemeClr>
+          </a:lnRef>
+          <a:fillRef idx="1">
+            <a:schemeClr val="accent1"/>
+          </a:fillRef>
+          <a:effectRef idx="0">
+            <a:schemeClr val="accent1"/>
+          </a:effectRef>
+          <a:fontRef idx="minor">
+            <a:schemeClr val="lt1"/>
+          </a:fontRef>
+        </p:style>
+        <p:txBody>
+          <a:bodyPr rtlCol="0" anchor="ctr"/>
+          <a:p>
+            <a:pPr algn="ctr"/>
+            <a:endParaRPr lang="zh-CN" altLang="en-US"/>
+          </a:p>
+        </p:txBody>
+      </p:sp>
+      <p:sp>
+        <p:nvSpPr>
+          <p:cNvPr id="31" name="矩形 30"/>
+          <p:cNvSpPr/>
+          <p:nvPr/>
+        </p:nvSpPr>
+        <p:spPr>
+          <a:xfrm>
+            <a:off x="5130165" y="1370965"/>
+            <a:ext cx="1931670" cy="410210"/>
+          </a:xfrm>
+          <a:prstGeom prst="rect">
+            <a:avLst/>
+          </a:prstGeom>
+          <a:solidFill>
+            <a:schemeClr val="accent2">
+              <a:lumMod val="20000"/>
+              <a:lumOff val="80000"/>
+            </a:schemeClr>
+          </a:solidFill>
+        </p:spPr>
+        <p:style>
+          <a:lnRef idx="2">
+            <a:schemeClr val="accent1">
+              <a:shade val="50000"/>
+            </a:schemeClr>
+          </a:lnRef>
+          <a:fillRef idx="1">
+            <a:schemeClr val="accent1"/>
+          </a:fillRef>
+          <a:effectRef idx="0">
+            <a:schemeClr val="accent1"/>
+          </a:effectRef>
+          <a:fontRef idx="minor">
+            <a:schemeClr val="lt1"/>
+          </a:fontRef>
+        </p:style>
+        <p:txBody>
+          <a:bodyPr vertOverflow="clip" horzOverflow="clip" wrap="square" rtlCol="0" anchor="ctr" anchorCtr="0"/>
+          <a:lstStyle>
+            <a:defPPr>
+              <a:defRPr lang="zh-CN">
+                <a:solidFill>
+                  <a:schemeClr val="lt1"/>
+                </a:solidFill>
+              </a:defRPr>
+            </a:defPPr>
+            <a:lvl1pPr marL="0" algn="l" defTabSz="914400" rtl="0" eaLnBrk="1" latinLnBrk="0" hangingPunct="1">
+              <a:defRPr sz="1100">
+                <a:solidFill>
+                  <a:schemeClr val="lt1"/>
+                </a:solidFill>
+                <a:latin typeface="+mn-lt"/>
+                <a:ea typeface="+mn-ea"/>
+                <a:cs typeface="+mn-cs"/>
+              </a:defRPr>
+            </a:lvl1pPr>
+            <a:lvl2pPr marL="457200" algn="l" defTabSz="914400" rtl="0" eaLnBrk="1" latinLnBrk="0" hangingPunct="1">
+              <a:defRPr sz="1100">
+                <a:solidFill>
+                  <a:schemeClr val="lt1"/>
+                </a:solidFill>
+                <a:latin typeface="+mn-lt"/>
+                <a:ea typeface="+mn-ea"/>
+                <a:cs typeface="+mn-cs"/>
+              </a:defRPr>
+            </a:lvl2pPr>
+            <a:lvl3pPr marL="914400" algn="l" defTabSz="914400" rtl="0" eaLnBrk="1" latinLnBrk="0" hangingPunct="1">
+              <a:defRPr sz="1100">
+                <a:solidFill>
+                  <a:schemeClr val="lt1"/>
+                </a:solidFill>
+                <a:latin typeface="+mn-lt"/>
+                <a:ea typeface="+mn-ea"/>
+                <a:cs typeface="+mn-cs"/>
+              </a:defRPr>
+            </a:lvl3pPr>
+            <a:lvl4pPr marL="1371600" algn="l" defTabSz="914400" rtl="0" eaLnBrk="1" latinLnBrk="0" hangingPunct="1">
+              <a:defRPr sz="1100">
+                <a:solidFill>
+                  <a:schemeClr val="lt1"/>
+                </a:solidFill>
+                <a:latin typeface="+mn-lt"/>
+                <a:ea typeface="+mn-ea"/>
+                <a:cs typeface="+mn-cs"/>
+              </a:defRPr>
+            </a:lvl4pPr>
+            <a:lvl5pPr marL="1828800" algn="l" defTabSz="914400" rtl="0" eaLnBrk="1" latinLnBrk="0" hangingPunct="1">
+              <a:defRPr sz="1100">
+                <a:solidFill>
+                  <a:schemeClr val="lt1"/>
+                </a:solidFill>
+                <a:latin typeface="+mn-lt"/>
+                <a:ea typeface="+mn-ea"/>
+                <a:cs typeface="+mn-cs"/>
+              </a:defRPr>
+            </a:lvl5pPr>
+            <a:lvl6pPr marL="2286000" algn="l" defTabSz="914400" rtl="0" eaLnBrk="1" latinLnBrk="0" hangingPunct="1">
+              <a:defRPr sz="1100">
+                <a:solidFill>
+                  <a:schemeClr val="lt1"/>
+                </a:solidFill>
+                <a:latin typeface="+mn-lt"/>
+                <a:ea typeface="+mn-ea"/>
+                <a:cs typeface="+mn-cs"/>
+              </a:defRPr>
+            </a:lvl6pPr>
+            <a:lvl7pPr marL="2743200" algn="l" defTabSz="914400" rtl="0" eaLnBrk="1" latinLnBrk="0" hangingPunct="1">
+              <a:defRPr sz="1100">
+                <a:solidFill>
+                  <a:schemeClr val="lt1"/>
+                </a:solidFill>
+                <a:latin typeface="+mn-lt"/>
+                <a:ea typeface="+mn-ea"/>
+                <a:cs typeface="+mn-cs"/>
+              </a:defRPr>
+            </a:lvl7pPr>
+            <a:lvl8pPr marL="3200400" algn="l" defTabSz="914400" rtl="0" eaLnBrk="1" latinLnBrk="0" hangingPunct="1">
+              <a:defRPr sz="1100">
+                <a:solidFill>
+                  <a:schemeClr val="lt1"/>
+                </a:solidFill>
+                <a:latin typeface="+mn-lt"/>
+                <a:ea typeface="+mn-ea"/>
+                <a:cs typeface="+mn-cs"/>
+              </a:defRPr>
+            </a:lvl8pPr>
+            <a:lvl9pPr marL="3657600" algn="l" defTabSz="914400" rtl="0" eaLnBrk="1" latinLnBrk="0" hangingPunct="1">
+              <a:defRPr sz="1100">
+                <a:solidFill>
+                  <a:schemeClr val="lt1"/>
+                </a:solidFill>
+                <a:latin typeface="+mn-lt"/>
+                <a:ea typeface="+mn-ea"/>
+                <a:cs typeface="+mn-cs"/>
+              </a:defRPr>
+            </a:lvl9pPr>
+          </a:lstStyle>
+          <a:p>
+            <a:pPr algn="ctr"/>
+            <a:r>
+              <a:rPr lang="zh-CN" altLang="en-US" sz="1600">
+                <a:solidFill>
+                  <a:sysClr val="windowText" lastClr="000000"/>
+                </a:solidFill>
+              </a:rPr>
+              <a:t>指令执行</a:t>
+            </a:r>
+            <a:endParaRPr lang="zh-CN" altLang="en-US" sz="1600">
+              <a:solidFill>
+                <a:sysClr val="windowText" lastClr="000000"/>
+              </a:solidFill>
+            </a:endParaRPr>
+          </a:p>
+        </p:txBody>
+      </p:sp>
+      <p:sp>
+        <p:nvSpPr>
+          <p:cNvPr id="32" name="矩形 31"/>
+          <p:cNvSpPr/>
+          <p:nvPr/>
+        </p:nvSpPr>
+        <p:spPr>
+          <a:xfrm>
+            <a:off x="5130165" y="1941830"/>
+            <a:ext cx="1931670" cy="410210"/>
+          </a:xfrm>
+          <a:prstGeom prst="rect">
+            <a:avLst/>
+          </a:prstGeom>
+          <a:solidFill>
+            <a:schemeClr val="accent2">
+              <a:lumMod val="20000"/>
+              <a:lumOff val="80000"/>
+            </a:schemeClr>
+          </a:solidFill>
+        </p:spPr>
+        <p:style>
+          <a:lnRef idx="2">
+            <a:schemeClr val="accent1">
+              <a:shade val="50000"/>
+            </a:schemeClr>
+          </a:lnRef>
+          <a:fillRef idx="1">
+            <a:schemeClr val="accent1"/>
+          </a:fillRef>
+          <a:effectRef idx="0">
+            <a:schemeClr val="accent1"/>
+          </a:effectRef>
+          <a:fontRef idx="minor">
+            <a:schemeClr val="lt1"/>
+          </a:fontRef>
+        </p:style>
+        <p:txBody>
+          <a:bodyPr vertOverflow="clip" horzOverflow="clip" wrap="square" rtlCol="0" anchor="ctr" anchorCtr="0"/>
+          <a:lstStyle>
+            <a:defPPr>
+              <a:defRPr lang="zh-CN">
+                <a:solidFill>
+                  <a:schemeClr val="lt1"/>
+                </a:solidFill>
+              </a:defRPr>
+            </a:defPPr>
+            <a:lvl1pPr marL="0" algn="l" defTabSz="914400" rtl="0" eaLnBrk="1" latinLnBrk="0" hangingPunct="1">
+              <a:defRPr sz="1100">
+                <a:solidFill>
+                  <a:schemeClr val="lt1"/>
+                </a:solidFill>
+                <a:latin typeface="+mn-lt"/>
+                <a:ea typeface="+mn-ea"/>
+                <a:cs typeface="+mn-cs"/>
+              </a:defRPr>
+            </a:lvl1pPr>
+            <a:lvl2pPr marL="457200" algn="l" defTabSz="914400" rtl="0" eaLnBrk="1" latinLnBrk="0" hangingPunct="1">
+              <a:defRPr sz="1100">
+                <a:solidFill>
+                  <a:schemeClr val="lt1"/>
+                </a:solidFill>
+                <a:latin typeface="+mn-lt"/>
+                <a:ea typeface="+mn-ea"/>
+                <a:cs typeface="+mn-cs"/>
+              </a:defRPr>
+            </a:lvl2pPr>
+            <a:lvl3pPr marL="914400" algn="l" defTabSz="914400" rtl="0" eaLnBrk="1" latinLnBrk="0" hangingPunct="1">
+              <a:defRPr sz="1100">
+                <a:solidFill>
+                  <a:schemeClr val="lt1"/>
+                </a:solidFill>
+                <a:latin typeface="+mn-lt"/>
+                <a:ea typeface="+mn-ea"/>
+                <a:cs typeface="+mn-cs"/>
+              </a:defRPr>
+            </a:lvl3pPr>
+            <a:lvl4pPr marL="1371600" algn="l" defTabSz="914400" rtl="0" eaLnBrk="1" latinLnBrk="0" hangingPunct="1">
+              <a:defRPr sz="1100">
+                <a:solidFill>
+                  <a:schemeClr val="lt1"/>
+                </a:solidFill>
+                <a:latin typeface="+mn-lt"/>
+                <a:ea typeface="+mn-ea"/>
+                <a:cs typeface="+mn-cs"/>
+              </a:defRPr>
+            </a:lvl4pPr>
+            <a:lvl5pPr marL="1828800" algn="l" defTabSz="914400" rtl="0" eaLnBrk="1" latinLnBrk="0" hangingPunct="1">
+              <a:defRPr sz="1100">
+                <a:solidFill>
+                  <a:schemeClr val="lt1"/>
+                </a:solidFill>
+                <a:latin typeface="+mn-lt"/>
+                <a:ea typeface="+mn-ea"/>
+                <a:cs typeface="+mn-cs"/>
+              </a:defRPr>
+            </a:lvl5pPr>
+            <a:lvl6pPr marL="2286000" algn="l" defTabSz="914400" rtl="0" eaLnBrk="1" latinLnBrk="0" hangingPunct="1">
+              <a:defRPr sz="1100">
+                <a:solidFill>
+                  <a:schemeClr val="lt1"/>
+                </a:solidFill>
+                <a:latin typeface="+mn-lt"/>
+                <a:ea typeface="+mn-ea"/>
+                <a:cs typeface="+mn-cs"/>
+              </a:defRPr>
+            </a:lvl6pPr>
+            <a:lvl7pPr marL="2743200" algn="l" defTabSz="914400" rtl="0" eaLnBrk="1" latinLnBrk="0" hangingPunct="1">
+              <a:defRPr sz="1100">
+                <a:solidFill>
+                  <a:schemeClr val="lt1"/>
+                </a:solidFill>
+                <a:latin typeface="+mn-lt"/>
+                <a:ea typeface="+mn-ea"/>
+                <a:cs typeface="+mn-cs"/>
+              </a:defRPr>
+            </a:lvl7pPr>
+            <a:lvl8pPr marL="3200400" algn="l" defTabSz="914400" rtl="0" eaLnBrk="1" latinLnBrk="0" hangingPunct="1">
+              <a:defRPr sz="1100">
+                <a:solidFill>
+                  <a:schemeClr val="lt1"/>
+                </a:solidFill>
+                <a:latin typeface="+mn-lt"/>
+                <a:ea typeface="+mn-ea"/>
+                <a:cs typeface="+mn-cs"/>
+              </a:defRPr>
+            </a:lvl8pPr>
+            <a:lvl9pPr marL="3657600" algn="l" defTabSz="914400" rtl="0" eaLnBrk="1" latinLnBrk="0" hangingPunct="1">
+              <a:defRPr sz="1100">
+                <a:solidFill>
+                  <a:schemeClr val="lt1"/>
+                </a:solidFill>
+                <a:latin typeface="+mn-lt"/>
+                <a:ea typeface="+mn-ea"/>
+                <a:cs typeface="+mn-cs"/>
+              </a:defRPr>
+            </a:lvl9pPr>
+          </a:lstStyle>
+          <a:p>
+            <a:pPr algn="ctr"/>
+            <a:r>
+              <a:rPr lang="zh-CN" altLang="en-US" sz="1600">
+                <a:solidFill>
+                  <a:sysClr val="windowText" lastClr="000000"/>
+                </a:solidFill>
+              </a:rPr>
+              <a:t>函数调用，栈维护</a:t>
+            </a:r>
+            <a:endParaRPr lang="zh-CN" altLang="en-US" sz="1600">
+              <a:solidFill>
+                <a:sysClr val="windowText" lastClr="000000"/>
+              </a:solidFill>
+            </a:endParaRPr>
+          </a:p>
+        </p:txBody>
+      </p:sp>
+      <p:sp>
+        <p:nvSpPr>
+          <p:cNvPr id="35" name="右箭头 34"/>
+          <p:cNvSpPr/>
+          <p:nvPr/>
+        </p:nvSpPr>
+        <p:spPr>
+          <a:xfrm>
+            <a:off x="7160895" y="2575560"/>
+            <a:ext cx="513080" cy="275590"/>
+          </a:xfrm>
+          <a:prstGeom prst="rightArrow">
+            <a:avLst/>
+          </a:prstGeom>
+          <a:solidFill>
+            <a:schemeClr val="accent4">
+              <a:lumMod val="40000"/>
+              <a:lumOff val="60000"/>
+            </a:schemeClr>
+          </a:solidFill>
+        </p:spPr>
+        <p:style>
+          <a:lnRef idx="2">
+            <a:schemeClr val="accent1">
+              <a:shade val="50000"/>
+            </a:schemeClr>
+          </a:lnRef>
+          <a:fillRef idx="1">
+            <a:schemeClr val="accent1"/>
+          </a:fillRef>
+          <a:effectRef idx="0">
+            <a:schemeClr val="accent1"/>
+          </a:effectRef>
+          <a:fontRef idx="minor">
+            <a:schemeClr val="lt1"/>
+          </a:fontRef>
+        </p:style>
+        <p:txBody>
+          <a:bodyPr rtlCol="0" anchor="ctr"/>
+          <a:p>
+            <a:pPr algn="ctr"/>
+            <a:endParaRPr lang="zh-CN" altLang="en-US"/>
+          </a:p>
+        </p:txBody>
+      </p:sp>
+      <p:sp>
+        <p:nvSpPr>
+          <p:cNvPr id="37" name="燕尾形箭头 36"/>
+          <p:cNvSpPr/>
+          <p:nvPr/>
+        </p:nvSpPr>
+        <p:spPr>
+          <a:xfrm>
+            <a:off x="7160895" y="2063750"/>
+            <a:ext cx="484505" cy="237490"/>
+          </a:xfrm>
+          <a:prstGeom prst="notchedRightArrow">
+            <a:avLst/>
+          </a:prstGeom>
+          <a:solidFill>
+            <a:schemeClr val="accent4">
+              <a:lumMod val="40000"/>
+              <a:lumOff val="60000"/>
+            </a:schemeClr>
+          </a:solidFill>
+        </p:spPr>
+        <p:style>
+          <a:lnRef idx="2">
+            <a:schemeClr val="accent1">
+              <a:shade val="50000"/>
+            </a:schemeClr>
+          </a:lnRef>
+          <a:fillRef idx="1">
+            <a:schemeClr val="accent1"/>
+          </a:fillRef>
+          <a:effectRef idx="0">
+            <a:schemeClr val="accent1"/>
+          </a:effectRef>
+          <a:fontRef idx="minor">
+            <a:schemeClr val="lt1"/>
+          </a:fontRef>
+        </p:style>
+        <p:txBody>
+          <a:bodyPr rtlCol="0" anchor="ctr"/>
+          <a:p>
+            <a:pPr algn="ctr"/>
+            <a:endParaRPr lang="zh-CN" altLang="en-US"/>
+          </a:p>
+        </p:txBody>
+      </p:sp>
+      <p:sp>
+        <p:nvSpPr>
+          <p:cNvPr id="39" name="矩形 38"/>
+          <p:cNvSpPr/>
+          <p:nvPr/>
+        </p:nvSpPr>
+        <p:spPr>
+          <a:xfrm>
+            <a:off x="1488440" y="3970020"/>
+            <a:ext cx="1972945" cy="1217295"/>
+          </a:xfrm>
+          <a:prstGeom prst="rect">
+            <a:avLst/>
+          </a:prstGeom>
+        </p:spPr>
+        <p:style>
+          <a:lnRef idx="2">
+            <a:schemeClr val="accent1">
+              <a:shade val="50000"/>
+            </a:schemeClr>
+          </a:lnRef>
+          <a:fillRef idx="1">
+            <a:schemeClr val="accent1"/>
+          </a:fillRef>
+          <a:effectRef idx="0">
+            <a:schemeClr val="accent1"/>
+          </a:effectRef>
+          <a:fontRef idx="minor">
+            <a:schemeClr val="lt1"/>
+          </a:fontRef>
+        </p:style>
+        <p:txBody>
+          <a:bodyPr rtlCol="0" anchor="ctr"/>
+          <a:p>
+            <a:pPr algn="ctr"/>
+            <a:r>
+              <a:rPr lang="en-US" altLang="zh-CN"/>
+              <a:t>VSCode</a:t>
+            </a:r>
+            <a:endParaRPr lang="en-US" altLang="zh-CN"/>
+          </a:p>
+        </p:txBody>
+      </p:sp>
+      <p:sp>
+        <p:nvSpPr>
+          <p:cNvPr id="42" name="左右箭头 41"/>
+          <p:cNvSpPr/>
+          <p:nvPr/>
+        </p:nvSpPr>
+        <p:spPr>
+          <a:xfrm>
+            <a:off x="3631565" y="4264025"/>
+            <a:ext cx="1498600" cy="629285"/>
+          </a:xfrm>
+          <a:prstGeom prst="leftRightArrow">
+            <a:avLst/>
+          </a:prstGeom>
+        </p:spPr>
+        <p:style>
+          <a:lnRef idx="2">
+            <a:schemeClr val="accent1">
+              <a:shade val="50000"/>
+            </a:schemeClr>
+          </a:lnRef>
+          <a:fillRef idx="1">
+            <a:schemeClr val="accent1"/>
+          </a:fillRef>
+          <a:effectRef idx="0">
+            <a:schemeClr val="accent1"/>
+          </a:effectRef>
+          <a:fontRef idx="minor">
+            <a:schemeClr val="lt1"/>
+          </a:fontRef>
+        </p:style>
+        <p:txBody>
+          <a:bodyPr rtlCol="0" anchor="ctr"/>
+          <a:p>
+            <a:pPr algn="ctr"/>
+            <a:r>
+              <a:rPr lang="en-US" altLang="zh-CN"/>
+              <a:t>Net IO</a:t>
+            </a:r>
+            <a:endParaRPr lang="en-US" altLang="zh-CN"/>
+          </a:p>
+        </p:txBody>
+      </p:sp>
+      <p:sp>
+        <p:nvSpPr>
+          <p:cNvPr id="43" name="左箭头 42"/>
+          <p:cNvSpPr/>
+          <p:nvPr/>
+        </p:nvSpPr>
+        <p:spPr>
+          <a:xfrm>
+            <a:off x="7428865" y="4241165"/>
+            <a:ext cx="1075055" cy="675005"/>
+          </a:xfrm>
+          <a:prstGeom prst="leftArrow">
+            <a:avLst/>
+          </a:prstGeom>
+        </p:spPr>
+        <p:style>
+          <a:lnRef idx="2">
+            <a:schemeClr val="accent1">
+              <a:shade val="50000"/>
+            </a:schemeClr>
+          </a:lnRef>
+          <a:fillRef idx="1">
+            <a:schemeClr val="accent1"/>
+          </a:fillRef>
+          <a:effectRef idx="0">
+            <a:schemeClr val="accent1"/>
+          </a:effectRef>
+          <a:fontRef idx="minor">
+            <a:schemeClr val="lt1"/>
+          </a:fontRef>
+        </p:style>
+        <p:txBody>
+          <a:bodyPr rtlCol="0" anchor="ctr"/>
+          <a:p>
+            <a:pPr algn="ctr"/>
+            <a:r>
+              <a:rPr lang="zh-CN" altLang="en-US"/>
+              <a:t>本地</a:t>
+            </a:r>
+            <a:r>
+              <a:rPr lang="en-US" altLang="zh-CN"/>
+              <a:t>IO</a:t>
+            </a:r>
+            <a:endParaRPr lang="en-US" altLang="zh-CN"/>
+          </a:p>
+        </p:txBody>
+      </p:sp>
+      <p:sp>
+        <p:nvSpPr>
+          <p:cNvPr id="47" name="上下箭头 46"/>
+          <p:cNvSpPr/>
+          <p:nvPr/>
+        </p:nvSpPr>
+        <p:spPr>
+          <a:xfrm>
+            <a:off x="5431155" y="3646170"/>
+            <a:ext cx="1329690" cy="323850"/>
+          </a:xfrm>
+          <a:prstGeom prst="upDownArrow">
+            <a:avLst>
+              <a:gd name="adj1" fmla="val 14115"/>
+              <a:gd name="adj2" fmla="val 28235"/>
+            </a:avLst>
+          </a:prstGeom>
+          <a:solidFill>
+            <a:schemeClr val="accent4">
+              <a:lumMod val="40000"/>
+              <a:lumOff val="60000"/>
+            </a:schemeClr>
+          </a:solidFill>
+        </p:spPr>
+        <p:style>
+          <a:lnRef idx="2">
+            <a:schemeClr val="accent1">
+              <a:shade val="50000"/>
+            </a:schemeClr>
+          </a:lnRef>
+          <a:fillRef idx="1">
+            <a:schemeClr val="accent1"/>
+          </a:fillRef>
+          <a:effectRef idx="0">
+            <a:schemeClr val="accent1"/>
+          </a:effectRef>
+          <a:fontRef idx="minor">
+            <a:schemeClr val="lt1"/>
+          </a:fontRef>
+        </p:style>
+        <p:txBody>
+          <a:bodyPr rtlCol="0" anchor="ctr"/>
+          <a:p>
+            <a:pPr algn="ctr"/>
+            <a:endParaRPr lang="zh-CN" altLang="en-US"/>
+          </a:p>
+        </p:txBody>
+      </p:sp>
+    </p:spTree>
+  </p:cSld>
+  <p:clrMapOvr>
+    <a:masterClrMapping/>
+  </p:clrMapOvr>
+</p:sld>
+</file>
+
+<file path=ppt/slides/slide2.xml><?xml version="1.0" encoding="utf-8"?>
 <p:sld xmlns:a="http://schemas.openxmlformats.org/drawingml/2006/main" xmlns:r="http://schemas.openxmlformats.org/officeDocument/2006/relationships" xmlns:p="http://schemas.openxmlformats.org/presentationml/2006/main">
   <p:cSld>
     <p:spTree>
@@ -5126,7 +8075,7 @@
 </p:sld>
 </file>
 
-<file path=ppt/slides/slide2.xml><?xml version="1.0" encoding="utf-8"?>
+<file path=ppt/slides/slide3.xml><?xml version="1.0" encoding="utf-8"?>
 <p:sld xmlns:a="http://schemas.openxmlformats.org/drawingml/2006/main" xmlns:r="http://schemas.openxmlformats.org/officeDocument/2006/relationships" xmlns:p="http://schemas.openxmlformats.org/presentationml/2006/main">
   <p:cSld>
     <p:spTree>
@@ -6383,7 +9332,7 @@
 </p:sld>
 </file>
 
-<file path=ppt/slides/slide3.xml><?xml version="1.0" encoding="utf-8"?>
+<file path=ppt/slides/slide4.xml><?xml version="1.0" encoding="utf-8"?>
 <p:sld xmlns:a="http://schemas.openxmlformats.org/drawingml/2006/main" xmlns:r="http://schemas.openxmlformats.org/officeDocument/2006/relationships" xmlns:p="http://schemas.openxmlformats.org/presentationml/2006/main">
   <p:cSld>
     <p:spTree>
@@ -8740,2963 +11689,6 @@
           </p:txBody>
         </p:sp>
       </p:grpSp>
-    </p:spTree>
-  </p:cSld>
-  <p:clrMapOvr>
-    <a:masterClrMapping/>
-  </p:clrMapOvr>
-</p:sld>
-</file>
-
-<file path=ppt/slides/slide4.xml><?xml version="1.0" encoding="utf-8"?>
-<p:sld xmlns:a="http://schemas.openxmlformats.org/drawingml/2006/main" xmlns:r="http://schemas.openxmlformats.org/officeDocument/2006/relationships" xmlns:p="http://schemas.openxmlformats.org/presentationml/2006/main">
-  <p:cSld>
-    <p:spTree>
-      <p:nvGrpSpPr>
-        <p:cNvPr id="1" name=""/>
-        <p:cNvGrpSpPr/>
-        <p:nvPr/>
-      </p:nvGrpSpPr>
-      <p:grpSpPr/>
-      <p:sp>
-        <p:nvSpPr>
-          <p:cNvPr id="49" name="矩形 48"/>
-          <p:cNvSpPr/>
-          <p:nvPr/>
-        </p:nvSpPr>
-        <p:spPr>
-          <a:xfrm>
-            <a:off x="1235710" y="932180"/>
-            <a:ext cx="1502410" cy="2900045"/>
-          </a:xfrm>
-          <a:prstGeom prst="rect">
-            <a:avLst/>
-          </a:prstGeom>
-          <a:solidFill>
-            <a:schemeClr val="accent6">
-              <a:lumMod val="20000"/>
-              <a:lumOff val="80000"/>
-            </a:schemeClr>
-          </a:solidFill>
-        </p:spPr>
-        <p:style>
-          <a:lnRef idx="2">
-            <a:schemeClr val="accent1">
-              <a:shade val="50000"/>
-            </a:schemeClr>
-          </a:lnRef>
-          <a:fillRef idx="1">
-            <a:schemeClr val="accent1"/>
-          </a:fillRef>
-          <a:effectRef idx="0">
-            <a:schemeClr val="accent1"/>
-          </a:effectRef>
-          <a:fontRef idx="minor">
-            <a:schemeClr val="lt1"/>
-          </a:fontRef>
-        </p:style>
-        <p:txBody>
-          <a:bodyPr rtlCol="0" anchor="ctr"/>
-          <a:p>
-            <a:pPr algn="ctr"/>
-            <a:endParaRPr lang="zh-CN" altLang="en-US"/>
-          </a:p>
-        </p:txBody>
-      </p:sp>
-      <p:sp>
-        <p:nvSpPr>
-          <p:cNvPr id="48" name="矩形 47"/>
-          <p:cNvSpPr/>
-          <p:nvPr/>
-        </p:nvSpPr>
-        <p:spPr>
-          <a:xfrm>
-            <a:off x="7537450" y="1143000"/>
-            <a:ext cx="2264410" cy="2586990"/>
-          </a:xfrm>
-          <a:prstGeom prst="rect">
-            <a:avLst/>
-          </a:prstGeom>
-          <a:solidFill>
-            <a:schemeClr val="accent5">
-              <a:lumMod val="20000"/>
-              <a:lumOff val="80000"/>
-            </a:schemeClr>
-          </a:solidFill>
-        </p:spPr>
-        <p:style>
-          <a:lnRef idx="2">
-            <a:schemeClr val="accent1">
-              <a:shade val="50000"/>
-            </a:schemeClr>
-          </a:lnRef>
-          <a:fillRef idx="1">
-            <a:schemeClr val="accent1"/>
-          </a:fillRef>
-          <a:effectRef idx="0">
-            <a:schemeClr val="accent1"/>
-          </a:effectRef>
-          <a:fontRef idx="minor">
-            <a:schemeClr val="lt1"/>
-          </a:fontRef>
-        </p:style>
-        <p:txBody>
-          <a:bodyPr rtlCol="0" anchor="t" anchorCtr="0"/>
-          <a:p>
-            <a:pPr algn="ctr"/>
-            <a:r>
-              <a:rPr lang="en-US" altLang="zh-CN">
-                <a:solidFill>
-                  <a:schemeClr val="tx1"/>
-                </a:solidFill>
-              </a:rPr>
-              <a:t>C#</a:t>
-            </a:r>
-            <a:r>
-              <a:rPr lang="zh-CN" altLang="en-US">
-                <a:solidFill>
-                  <a:schemeClr val="tx1"/>
-                </a:solidFill>
-              </a:rPr>
-              <a:t>扩展</a:t>
-            </a:r>
-            <a:endParaRPr lang="zh-CN" altLang="en-US">
-              <a:solidFill>
-                <a:schemeClr val="tx1"/>
-              </a:solidFill>
-            </a:endParaRPr>
-          </a:p>
-        </p:txBody>
-      </p:sp>
-      <p:sp>
-        <p:nvSpPr>
-          <p:cNvPr id="7" name="矩形 6"/>
-          <p:cNvSpPr/>
-          <p:nvPr/>
-        </p:nvSpPr>
-        <p:spPr>
-          <a:xfrm>
-            <a:off x="1426210" y="1142683"/>
-            <a:ext cx="1047750" cy="504825"/>
-          </a:xfrm>
-          <a:prstGeom prst="rect">
-            <a:avLst/>
-          </a:prstGeom>
-          <a:solidFill>
-            <a:schemeClr val="accent6">
-              <a:lumMod val="40000"/>
-              <a:lumOff val="60000"/>
-            </a:schemeClr>
-          </a:solidFill>
-        </p:spPr>
-        <p:style>
-          <a:lnRef idx="2">
-            <a:schemeClr val="accent1">
-              <a:shade val="50000"/>
-            </a:schemeClr>
-          </a:lnRef>
-          <a:fillRef idx="1">
-            <a:schemeClr val="accent1"/>
-          </a:fillRef>
-          <a:effectRef idx="0">
-            <a:schemeClr val="accent1"/>
-          </a:effectRef>
-          <a:fontRef idx="minor">
-            <a:schemeClr val="lt1"/>
-          </a:fontRef>
-        </p:style>
-        <p:txBody>
-          <a:bodyPr vertOverflow="clip" horzOverflow="clip" wrap="square" rtlCol="0" anchor="ctr" anchorCtr="0"/>
-          <a:lstStyle>
-            <a:defPPr>
-              <a:defRPr lang="zh-CN">
-                <a:solidFill>
-                  <a:schemeClr val="lt1"/>
-                </a:solidFill>
-              </a:defRPr>
-            </a:defPPr>
-            <a:lvl1pPr marL="0" algn="l" defTabSz="914400" rtl="0" eaLnBrk="1" latinLnBrk="0" hangingPunct="1">
-              <a:defRPr sz="1100">
-                <a:solidFill>
-                  <a:schemeClr val="lt1"/>
-                </a:solidFill>
-                <a:latin typeface="+mn-lt"/>
-                <a:ea typeface="+mn-ea"/>
-                <a:cs typeface="+mn-cs"/>
-              </a:defRPr>
-            </a:lvl1pPr>
-            <a:lvl2pPr marL="457200" algn="l" defTabSz="914400" rtl="0" eaLnBrk="1" latinLnBrk="0" hangingPunct="1">
-              <a:defRPr sz="1100">
-                <a:solidFill>
-                  <a:schemeClr val="lt1"/>
-                </a:solidFill>
-                <a:latin typeface="+mn-lt"/>
-                <a:ea typeface="+mn-ea"/>
-                <a:cs typeface="+mn-cs"/>
-              </a:defRPr>
-            </a:lvl2pPr>
-            <a:lvl3pPr marL="914400" algn="l" defTabSz="914400" rtl="0" eaLnBrk="1" latinLnBrk="0" hangingPunct="1">
-              <a:defRPr sz="1100">
-                <a:solidFill>
-                  <a:schemeClr val="lt1"/>
-                </a:solidFill>
-                <a:latin typeface="+mn-lt"/>
-                <a:ea typeface="+mn-ea"/>
-                <a:cs typeface="+mn-cs"/>
-              </a:defRPr>
-            </a:lvl3pPr>
-            <a:lvl4pPr marL="1371600" algn="l" defTabSz="914400" rtl="0" eaLnBrk="1" latinLnBrk="0" hangingPunct="1">
-              <a:defRPr sz="1100">
-                <a:solidFill>
-                  <a:schemeClr val="lt1"/>
-                </a:solidFill>
-                <a:latin typeface="+mn-lt"/>
-                <a:ea typeface="+mn-ea"/>
-                <a:cs typeface="+mn-cs"/>
-              </a:defRPr>
-            </a:lvl4pPr>
-            <a:lvl5pPr marL="1828800" algn="l" defTabSz="914400" rtl="0" eaLnBrk="1" latinLnBrk="0" hangingPunct="1">
-              <a:defRPr sz="1100">
-                <a:solidFill>
-                  <a:schemeClr val="lt1"/>
-                </a:solidFill>
-                <a:latin typeface="+mn-lt"/>
-                <a:ea typeface="+mn-ea"/>
-                <a:cs typeface="+mn-cs"/>
-              </a:defRPr>
-            </a:lvl5pPr>
-            <a:lvl6pPr marL="2286000" algn="l" defTabSz="914400" rtl="0" eaLnBrk="1" latinLnBrk="0" hangingPunct="1">
-              <a:defRPr sz="1100">
-                <a:solidFill>
-                  <a:schemeClr val="lt1"/>
-                </a:solidFill>
-                <a:latin typeface="+mn-lt"/>
-                <a:ea typeface="+mn-ea"/>
-                <a:cs typeface="+mn-cs"/>
-              </a:defRPr>
-            </a:lvl6pPr>
-            <a:lvl7pPr marL="2743200" algn="l" defTabSz="914400" rtl="0" eaLnBrk="1" latinLnBrk="0" hangingPunct="1">
-              <a:defRPr sz="1100">
-                <a:solidFill>
-                  <a:schemeClr val="lt1"/>
-                </a:solidFill>
-                <a:latin typeface="+mn-lt"/>
-                <a:ea typeface="+mn-ea"/>
-                <a:cs typeface="+mn-cs"/>
-              </a:defRPr>
-            </a:lvl7pPr>
-            <a:lvl8pPr marL="3200400" algn="l" defTabSz="914400" rtl="0" eaLnBrk="1" latinLnBrk="0" hangingPunct="1">
-              <a:defRPr sz="1100">
-                <a:solidFill>
-                  <a:schemeClr val="lt1"/>
-                </a:solidFill>
-                <a:latin typeface="+mn-lt"/>
-                <a:ea typeface="+mn-ea"/>
-                <a:cs typeface="+mn-cs"/>
-              </a:defRPr>
-            </a:lvl8pPr>
-            <a:lvl9pPr marL="3657600" algn="l" defTabSz="914400" rtl="0" eaLnBrk="1" latinLnBrk="0" hangingPunct="1">
-              <a:defRPr sz="1100">
-                <a:solidFill>
-                  <a:schemeClr val="lt1"/>
-                </a:solidFill>
-                <a:latin typeface="+mn-lt"/>
-                <a:ea typeface="+mn-ea"/>
-                <a:cs typeface="+mn-cs"/>
-              </a:defRPr>
-            </a:lvl9pPr>
-          </a:lstStyle>
-          <a:p>
-            <a:pPr algn="ctr"/>
-            <a:r>
-              <a:rPr lang="en-US" altLang="zh-CN" sz="1600">
-                <a:solidFill>
-                  <a:sysClr val="windowText" lastClr="000000"/>
-                </a:solidFill>
-              </a:rPr>
-              <a:t>Source</a:t>
-            </a:r>
-            <a:endParaRPr lang="en-US" altLang="zh-CN" sz="1600">
-              <a:solidFill>
-                <a:sysClr val="windowText" lastClr="000000"/>
-              </a:solidFill>
-            </a:endParaRPr>
-          </a:p>
-        </p:txBody>
-      </p:sp>
-      <p:sp>
-        <p:nvSpPr>
-          <p:cNvPr id="9" name="矩形 8"/>
-          <p:cNvSpPr/>
-          <p:nvPr/>
-        </p:nvSpPr>
-        <p:spPr>
-          <a:xfrm>
-            <a:off x="1426210" y="2984183"/>
-            <a:ext cx="1047750" cy="504825"/>
-          </a:xfrm>
-          <a:prstGeom prst="rect">
-            <a:avLst/>
-          </a:prstGeom>
-          <a:solidFill>
-            <a:schemeClr val="accent6">
-              <a:lumMod val="40000"/>
-              <a:lumOff val="60000"/>
-            </a:schemeClr>
-          </a:solidFill>
-        </p:spPr>
-        <p:style>
-          <a:lnRef idx="2">
-            <a:schemeClr val="accent1">
-              <a:shade val="50000"/>
-            </a:schemeClr>
-          </a:lnRef>
-          <a:fillRef idx="1">
-            <a:schemeClr val="accent1"/>
-          </a:fillRef>
-          <a:effectRef idx="0">
-            <a:schemeClr val="accent1"/>
-          </a:effectRef>
-          <a:fontRef idx="minor">
-            <a:schemeClr val="lt1"/>
-          </a:fontRef>
-        </p:style>
-        <p:txBody>
-          <a:bodyPr vertOverflow="clip" horzOverflow="clip" wrap="square" rtlCol="0" anchor="ctr" anchorCtr="0"/>
-          <a:lstStyle>
-            <a:defPPr>
-              <a:defRPr lang="zh-CN">
-                <a:solidFill>
-                  <a:schemeClr val="lt1"/>
-                </a:solidFill>
-              </a:defRPr>
-            </a:defPPr>
-            <a:lvl1pPr marL="0" algn="l" defTabSz="914400" rtl="0" eaLnBrk="1" latinLnBrk="0" hangingPunct="1">
-              <a:defRPr sz="1100">
-                <a:solidFill>
-                  <a:schemeClr val="lt1"/>
-                </a:solidFill>
-                <a:latin typeface="+mn-lt"/>
-                <a:ea typeface="+mn-ea"/>
-                <a:cs typeface="+mn-cs"/>
-              </a:defRPr>
-            </a:lvl1pPr>
-            <a:lvl2pPr marL="457200" algn="l" defTabSz="914400" rtl="0" eaLnBrk="1" latinLnBrk="0" hangingPunct="1">
-              <a:defRPr sz="1100">
-                <a:solidFill>
-                  <a:schemeClr val="lt1"/>
-                </a:solidFill>
-                <a:latin typeface="+mn-lt"/>
-                <a:ea typeface="+mn-ea"/>
-                <a:cs typeface="+mn-cs"/>
-              </a:defRPr>
-            </a:lvl2pPr>
-            <a:lvl3pPr marL="914400" algn="l" defTabSz="914400" rtl="0" eaLnBrk="1" latinLnBrk="0" hangingPunct="1">
-              <a:defRPr sz="1100">
-                <a:solidFill>
-                  <a:schemeClr val="lt1"/>
-                </a:solidFill>
-                <a:latin typeface="+mn-lt"/>
-                <a:ea typeface="+mn-ea"/>
-                <a:cs typeface="+mn-cs"/>
-              </a:defRPr>
-            </a:lvl3pPr>
-            <a:lvl4pPr marL="1371600" algn="l" defTabSz="914400" rtl="0" eaLnBrk="1" latinLnBrk="0" hangingPunct="1">
-              <a:defRPr sz="1100">
-                <a:solidFill>
-                  <a:schemeClr val="lt1"/>
-                </a:solidFill>
-                <a:latin typeface="+mn-lt"/>
-                <a:ea typeface="+mn-ea"/>
-                <a:cs typeface="+mn-cs"/>
-              </a:defRPr>
-            </a:lvl4pPr>
-            <a:lvl5pPr marL="1828800" algn="l" defTabSz="914400" rtl="0" eaLnBrk="1" latinLnBrk="0" hangingPunct="1">
-              <a:defRPr sz="1100">
-                <a:solidFill>
-                  <a:schemeClr val="lt1"/>
-                </a:solidFill>
-                <a:latin typeface="+mn-lt"/>
-                <a:ea typeface="+mn-ea"/>
-                <a:cs typeface="+mn-cs"/>
-              </a:defRPr>
-            </a:lvl5pPr>
-            <a:lvl6pPr marL="2286000" algn="l" defTabSz="914400" rtl="0" eaLnBrk="1" latinLnBrk="0" hangingPunct="1">
-              <a:defRPr sz="1100">
-                <a:solidFill>
-                  <a:schemeClr val="lt1"/>
-                </a:solidFill>
-                <a:latin typeface="+mn-lt"/>
-                <a:ea typeface="+mn-ea"/>
-                <a:cs typeface="+mn-cs"/>
-              </a:defRPr>
-            </a:lvl6pPr>
-            <a:lvl7pPr marL="2743200" algn="l" defTabSz="914400" rtl="0" eaLnBrk="1" latinLnBrk="0" hangingPunct="1">
-              <a:defRPr sz="1100">
-                <a:solidFill>
-                  <a:schemeClr val="lt1"/>
-                </a:solidFill>
-                <a:latin typeface="+mn-lt"/>
-                <a:ea typeface="+mn-ea"/>
-                <a:cs typeface="+mn-cs"/>
-              </a:defRPr>
-            </a:lvl7pPr>
-            <a:lvl8pPr marL="3200400" algn="l" defTabSz="914400" rtl="0" eaLnBrk="1" latinLnBrk="0" hangingPunct="1">
-              <a:defRPr sz="1100">
-                <a:solidFill>
-                  <a:schemeClr val="lt1"/>
-                </a:solidFill>
-                <a:latin typeface="+mn-lt"/>
-                <a:ea typeface="+mn-ea"/>
-                <a:cs typeface="+mn-cs"/>
-              </a:defRPr>
-            </a:lvl8pPr>
-            <a:lvl9pPr marL="3657600" algn="l" defTabSz="914400" rtl="0" eaLnBrk="1" latinLnBrk="0" hangingPunct="1">
-              <a:defRPr sz="1100">
-                <a:solidFill>
-                  <a:schemeClr val="lt1"/>
-                </a:solidFill>
-                <a:latin typeface="+mn-lt"/>
-                <a:ea typeface="+mn-ea"/>
-                <a:cs typeface="+mn-cs"/>
-              </a:defRPr>
-            </a:lvl9pPr>
-          </a:lstStyle>
-          <a:p>
-            <a:pPr algn="ctr"/>
-            <a:r>
-              <a:rPr lang="en-US" altLang="zh-CN" sz="1600">
-                <a:solidFill>
-                  <a:sysClr val="windowText" lastClr="000000"/>
-                </a:solidFill>
-              </a:rPr>
-              <a:t>Function</a:t>
-            </a:r>
-            <a:endParaRPr lang="en-US" altLang="zh-CN" sz="1600">
-              <a:solidFill>
-                <a:sysClr val="windowText" lastClr="000000"/>
-              </a:solidFill>
-            </a:endParaRPr>
-          </a:p>
-        </p:txBody>
-      </p:sp>
-      <p:sp>
-        <p:nvSpPr>
-          <p:cNvPr id="14" name="矩形 13"/>
-          <p:cNvSpPr/>
-          <p:nvPr/>
-        </p:nvSpPr>
-        <p:spPr>
-          <a:xfrm>
-            <a:off x="1426210" y="2101533"/>
-            <a:ext cx="1047750" cy="504825"/>
-          </a:xfrm>
-          <a:prstGeom prst="rect">
-            <a:avLst/>
-          </a:prstGeom>
-          <a:solidFill>
-            <a:schemeClr val="accent6"/>
-          </a:solidFill>
-        </p:spPr>
-        <p:style>
-          <a:lnRef idx="2">
-            <a:schemeClr val="accent1">
-              <a:shade val="50000"/>
-            </a:schemeClr>
-          </a:lnRef>
-          <a:fillRef idx="1">
-            <a:schemeClr val="accent1"/>
-          </a:fillRef>
-          <a:effectRef idx="0">
-            <a:schemeClr val="accent1"/>
-          </a:effectRef>
-          <a:fontRef idx="minor">
-            <a:schemeClr val="lt1"/>
-          </a:fontRef>
-        </p:style>
-        <p:txBody>
-          <a:bodyPr vertOverflow="clip" horzOverflow="clip" wrap="square" rtlCol="0" anchor="ctr" anchorCtr="0"/>
-          <a:lstStyle>
-            <a:defPPr>
-              <a:defRPr lang="zh-CN">
-                <a:solidFill>
-                  <a:schemeClr val="lt1"/>
-                </a:solidFill>
-              </a:defRPr>
-            </a:defPPr>
-            <a:lvl1pPr marL="0" algn="l" defTabSz="914400" rtl="0" eaLnBrk="1" latinLnBrk="0" hangingPunct="1">
-              <a:defRPr sz="1100">
-                <a:solidFill>
-                  <a:schemeClr val="lt1"/>
-                </a:solidFill>
-                <a:latin typeface="+mn-lt"/>
-                <a:ea typeface="+mn-ea"/>
-                <a:cs typeface="+mn-cs"/>
-              </a:defRPr>
-            </a:lvl1pPr>
-            <a:lvl2pPr marL="457200" algn="l" defTabSz="914400" rtl="0" eaLnBrk="1" latinLnBrk="0" hangingPunct="1">
-              <a:defRPr sz="1100">
-                <a:solidFill>
-                  <a:schemeClr val="lt1"/>
-                </a:solidFill>
-                <a:latin typeface="+mn-lt"/>
-                <a:ea typeface="+mn-ea"/>
-                <a:cs typeface="+mn-cs"/>
-              </a:defRPr>
-            </a:lvl2pPr>
-            <a:lvl3pPr marL="914400" algn="l" defTabSz="914400" rtl="0" eaLnBrk="1" latinLnBrk="0" hangingPunct="1">
-              <a:defRPr sz="1100">
-                <a:solidFill>
-                  <a:schemeClr val="lt1"/>
-                </a:solidFill>
-                <a:latin typeface="+mn-lt"/>
-                <a:ea typeface="+mn-ea"/>
-                <a:cs typeface="+mn-cs"/>
-              </a:defRPr>
-            </a:lvl3pPr>
-            <a:lvl4pPr marL="1371600" algn="l" defTabSz="914400" rtl="0" eaLnBrk="1" latinLnBrk="0" hangingPunct="1">
-              <a:defRPr sz="1100">
-                <a:solidFill>
-                  <a:schemeClr val="lt1"/>
-                </a:solidFill>
-                <a:latin typeface="+mn-lt"/>
-                <a:ea typeface="+mn-ea"/>
-                <a:cs typeface="+mn-cs"/>
-              </a:defRPr>
-            </a:lvl4pPr>
-            <a:lvl5pPr marL="1828800" algn="l" defTabSz="914400" rtl="0" eaLnBrk="1" latinLnBrk="0" hangingPunct="1">
-              <a:defRPr sz="1100">
-                <a:solidFill>
-                  <a:schemeClr val="lt1"/>
-                </a:solidFill>
-                <a:latin typeface="+mn-lt"/>
-                <a:ea typeface="+mn-ea"/>
-                <a:cs typeface="+mn-cs"/>
-              </a:defRPr>
-            </a:lvl5pPr>
-            <a:lvl6pPr marL="2286000" algn="l" defTabSz="914400" rtl="0" eaLnBrk="1" latinLnBrk="0" hangingPunct="1">
-              <a:defRPr sz="1100">
-                <a:solidFill>
-                  <a:schemeClr val="lt1"/>
-                </a:solidFill>
-                <a:latin typeface="+mn-lt"/>
-                <a:ea typeface="+mn-ea"/>
-                <a:cs typeface="+mn-cs"/>
-              </a:defRPr>
-            </a:lvl6pPr>
-            <a:lvl7pPr marL="2743200" algn="l" defTabSz="914400" rtl="0" eaLnBrk="1" latinLnBrk="0" hangingPunct="1">
-              <a:defRPr sz="1100">
-                <a:solidFill>
-                  <a:schemeClr val="lt1"/>
-                </a:solidFill>
-                <a:latin typeface="+mn-lt"/>
-                <a:ea typeface="+mn-ea"/>
-                <a:cs typeface="+mn-cs"/>
-              </a:defRPr>
-            </a:lvl7pPr>
-            <a:lvl8pPr marL="3200400" algn="l" defTabSz="914400" rtl="0" eaLnBrk="1" latinLnBrk="0" hangingPunct="1">
-              <a:defRPr sz="1100">
-                <a:solidFill>
-                  <a:schemeClr val="lt1"/>
-                </a:solidFill>
-                <a:latin typeface="+mn-lt"/>
-                <a:ea typeface="+mn-ea"/>
-                <a:cs typeface="+mn-cs"/>
-              </a:defRPr>
-            </a:lvl8pPr>
-            <a:lvl9pPr marL="3657600" algn="l" defTabSz="914400" rtl="0" eaLnBrk="1" latinLnBrk="0" hangingPunct="1">
-              <a:defRPr sz="1100">
-                <a:solidFill>
-                  <a:schemeClr val="lt1"/>
-                </a:solidFill>
-                <a:latin typeface="+mn-lt"/>
-                <a:ea typeface="+mn-ea"/>
-                <a:cs typeface="+mn-cs"/>
-              </a:defRPr>
-            </a:lvl9pPr>
-          </a:lstStyle>
-          <a:p>
-            <a:pPr algn="ctr"/>
-            <a:r>
-              <a:rPr lang="zh-CN" altLang="en-US" sz="1600">
-                <a:solidFill>
-                  <a:sysClr val="windowText" lastClr="000000"/>
-                </a:solidFill>
-              </a:rPr>
-              <a:t>编译</a:t>
-            </a:r>
-            <a:endParaRPr lang="en-US" altLang="zh-CN" sz="1600">
-              <a:solidFill>
-                <a:sysClr val="windowText" lastClr="000000"/>
-              </a:solidFill>
-            </a:endParaRPr>
-          </a:p>
-        </p:txBody>
-      </p:sp>
-      <p:sp>
-        <p:nvSpPr>
-          <p:cNvPr id="17" name="下箭头 16"/>
-          <p:cNvSpPr/>
-          <p:nvPr/>
-        </p:nvSpPr>
-        <p:spPr>
-          <a:xfrm>
-            <a:off x="1731010" y="1780858"/>
-            <a:ext cx="438150" cy="238125"/>
-          </a:xfrm>
-          <a:prstGeom prst="downArrow">
-            <a:avLst/>
-          </a:prstGeom>
-        </p:spPr>
-        <p:style>
-          <a:lnRef idx="2">
-            <a:schemeClr val="accent1">
-              <a:shade val="50000"/>
-            </a:schemeClr>
-          </a:lnRef>
-          <a:fillRef idx="1">
-            <a:schemeClr val="accent1"/>
-          </a:fillRef>
-          <a:effectRef idx="0">
-            <a:schemeClr val="accent1"/>
-          </a:effectRef>
-          <a:fontRef idx="minor">
-            <a:schemeClr val="lt1"/>
-          </a:fontRef>
-        </p:style>
-        <p:txBody>
-          <a:bodyPr vertOverflow="clip" horzOverflow="clip" wrap="square" rtlCol="0" anchor="t"/>
-          <a:lstStyle>
-            <a:defPPr>
-              <a:defRPr lang="zh-CN">
-                <a:solidFill>
-                  <a:schemeClr val="lt1"/>
-                </a:solidFill>
-              </a:defRPr>
-            </a:defPPr>
-            <a:lvl1pPr marL="0" algn="l" defTabSz="914400" rtl="0" eaLnBrk="1" latinLnBrk="0" hangingPunct="1">
-              <a:defRPr sz="1100">
-                <a:solidFill>
-                  <a:schemeClr val="lt1"/>
-                </a:solidFill>
-                <a:latin typeface="+mn-lt"/>
-                <a:ea typeface="+mn-ea"/>
-                <a:cs typeface="+mn-cs"/>
-              </a:defRPr>
-            </a:lvl1pPr>
-            <a:lvl2pPr marL="457200" algn="l" defTabSz="914400" rtl="0" eaLnBrk="1" latinLnBrk="0" hangingPunct="1">
-              <a:defRPr sz="1100">
-                <a:solidFill>
-                  <a:schemeClr val="lt1"/>
-                </a:solidFill>
-                <a:latin typeface="+mn-lt"/>
-                <a:ea typeface="+mn-ea"/>
-                <a:cs typeface="+mn-cs"/>
-              </a:defRPr>
-            </a:lvl2pPr>
-            <a:lvl3pPr marL="914400" algn="l" defTabSz="914400" rtl="0" eaLnBrk="1" latinLnBrk="0" hangingPunct="1">
-              <a:defRPr sz="1100">
-                <a:solidFill>
-                  <a:schemeClr val="lt1"/>
-                </a:solidFill>
-                <a:latin typeface="+mn-lt"/>
-                <a:ea typeface="+mn-ea"/>
-                <a:cs typeface="+mn-cs"/>
-              </a:defRPr>
-            </a:lvl3pPr>
-            <a:lvl4pPr marL="1371600" algn="l" defTabSz="914400" rtl="0" eaLnBrk="1" latinLnBrk="0" hangingPunct="1">
-              <a:defRPr sz="1100">
-                <a:solidFill>
-                  <a:schemeClr val="lt1"/>
-                </a:solidFill>
-                <a:latin typeface="+mn-lt"/>
-                <a:ea typeface="+mn-ea"/>
-                <a:cs typeface="+mn-cs"/>
-              </a:defRPr>
-            </a:lvl4pPr>
-            <a:lvl5pPr marL="1828800" algn="l" defTabSz="914400" rtl="0" eaLnBrk="1" latinLnBrk="0" hangingPunct="1">
-              <a:defRPr sz="1100">
-                <a:solidFill>
-                  <a:schemeClr val="lt1"/>
-                </a:solidFill>
-                <a:latin typeface="+mn-lt"/>
-                <a:ea typeface="+mn-ea"/>
-                <a:cs typeface="+mn-cs"/>
-              </a:defRPr>
-            </a:lvl5pPr>
-            <a:lvl6pPr marL="2286000" algn="l" defTabSz="914400" rtl="0" eaLnBrk="1" latinLnBrk="0" hangingPunct="1">
-              <a:defRPr sz="1100">
-                <a:solidFill>
-                  <a:schemeClr val="lt1"/>
-                </a:solidFill>
-                <a:latin typeface="+mn-lt"/>
-                <a:ea typeface="+mn-ea"/>
-                <a:cs typeface="+mn-cs"/>
-              </a:defRPr>
-            </a:lvl6pPr>
-            <a:lvl7pPr marL="2743200" algn="l" defTabSz="914400" rtl="0" eaLnBrk="1" latinLnBrk="0" hangingPunct="1">
-              <a:defRPr sz="1100">
-                <a:solidFill>
-                  <a:schemeClr val="lt1"/>
-                </a:solidFill>
-                <a:latin typeface="+mn-lt"/>
-                <a:ea typeface="+mn-ea"/>
-                <a:cs typeface="+mn-cs"/>
-              </a:defRPr>
-            </a:lvl7pPr>
-            <a:lvl8pPr marL="3200400" algn="l" defTabSz="914400" rtl="0" eaLnBrk="1" latinLnBrk="0" hangingPunct="1">
-              <a:defRPr sz="1100">
-                <a:solidFill>
-                  <a:schemeClr val="lt1"/>
-                </a:solidFill>
-                <a:latin typeface="+mn-lt"/>
-                <a:ea typeface="+mn-ea"/>
-                <a:cs typeface="+mn-cs"/>
-              </a:defRPr>
-            </a:lvl8pPr>
-            <a:lvl9pPr marL="3657600" algn="l" defTabSz="914400" rtl="0" eaLnBrk="1" latinLnBrk="0" hangingPunct="1">
-              <a:defRPr sz="1100">
-                <a:solidFill>
-                  <a:schemeClr val="lt1"/>
-                </a:solidFill>
-                <a:latin typeface="+mn-lt"/>
-                <a:ea typeface="+mn-ea"/>
-                <a:cs typeface="+mn-cs"/>
-              </a:defRPr>
-            </a:lvl9pPr>
-          </a:lstStyle>
-          <a:p>
-            <a:pPr algn="l"/>
-            <a:endParaRPr lang="zh-CN" altLang="en-US" sz="1100"/>
-          </a:p>
-        </p:txBody>
-      </p:sp>
-      <p:sp>
-        <p:nvSpPr>
-          <p:cNvPr id="23" name="下箭头 22"/>
-          <p:cNvSpPr/>
-          <p:nvPr/>
-        </p:nvSpPr>
-        <p:spPr>
-          <a:xfrm>
-            <a:off x="1711960" y="2685733"/>
-            <a:ext cx="476250" cy="190500"/>
-          </a:xfrm>
-          <a:prstGeom prst="downArrow">
-            <a:avLst/>
-          </a:prstGeom>
-        </p:spPr>
-        <p:style>
-          <a:lnRef idx="2">
-            <a:schemeClr val="accent1">
-              <a:shade val="50000"/>
-            </a:schemeClr>
-          </a:lnRef>
-          <a:fillRef idx="1">
-            <a:schemeClr val="accent1"/>
-          </a:fillRef>
-          <a:effectRef idx="0">
-            <a:schemeClr val="accent1"/>
-          </a:effectRef>
-          <a:fontRef idx="minor">
-            <a:schemeClr val="lt1"/>
-          </a:fontRef>
-        </p:style>
-        <p:txBody>
-          <a:bodyPr vertOverflow="clip" horzOverflow="clip" wrap="square" rtlCol="0" anchor="t"/>
-          <a:lstStyle>
-            <a:defPPr>
-              <a:defRPr lang="zh-CN">
-                <a:solidFill>
-                  <a:schemeClr val="lt1"/>
-                </a:solidFill>
-              </a:defRPr>
-            </a:defPPr>
-            <a:lvl1pPr marL="0" algn="l" defTabSz="914400" rtl="0" eaLnBrk="1" latinLnBrk="0" hangingPunct="1">
-              <a:defRPr sz="1100">
-                <a:solidFill>
-                  <a:schemeClr val="lt1"/>
-                </a:solidFill>
-                <a:latin typeface="+mn-lt"/>
-                <a:ea typeface="+mn-ea"/>
-                <a:cs typeface="+mn-cs"/>
-              </a:defRPr>
-            </a:lvl1pPr>
-            <a:lvl2pPr marL="457200" algn="l" defTabSz="914400" rtl="0" eaLnBrk="1" latinLnBrk="0" hangingPunct="1">
-              <a:defRPr sz="1100">
-                <a:solidFill>
-                  <a:schemeClr val="lt1"/>
-                </a:solidFill>
-                <a:latin typeface="+mn-lt"/>
-                <a:ea typeface="+mn-ea"/>
-                <a:cs typeface="+mn-cs"/>
-              </a:defRPr>
-            </a:lvl2pPr>
-            <a:lvl3pPr marL="914400" algn="l" defTabSz="914400" rtl="0" eaLnBrk="1" latinLnBrk="0" hangingPunct="1">
-              <a:defRPr sz="1100">
-                <a:solidFill>
-                  <a:schemeClr val="lt1"/>
-                </a:solidFill>
-                <a:latin typeface="+mn-lt"/>
-                <a:ea typeface="+mn-ea"/>
-                <a:cs typeface="+mn-cs"/>
-              </a:defRPr>
-            </a:lvl3pPr>
-            <a:lvl4pPr marL="1371600" algn="l" defTabSz="914400" rtl="0" eaLnBrk="1" latinLnBrk="0" hangingPunct="1">
-              <a:defRPr sz="1100">
-                <a:solidFill>
-                  <a:schemeClr val="lt1"/>
-                </a:solidFill>
-                <a:latin typeface="+mn-lt"/>
-                <a:ea typeface="+mn-ea"/>
-                <a:cs typeface="+mn-cs"/>
-              </a:defRPr>
-            </a:lvl4pPr>
-            <a:lvl5pPr marL="1828800" algn="l" defTabSz="914400" rtl="0" eaLnBrk="1" latinLnBrk="0" hangingPunct="1">
-              <a:defRPr sz="1100">
-                <a:solidFill>
-                  <a:schemeClr val="lt1"/>
-                </a:solidFill>
-                <a:latin typeface="+mn-lt"/>
-                <a:ea typeface="+mn-ea"/>
-                <a:cs typeface="+mn-cs"/>
-              </a:defRPr>
-            </a:lvl5pPr>
-            <a:lvl6pPr marL="2286000" algn="l" defTabSz="914400" rtl="0" eaLnBrk="1" latinLnBrk="0" hangingPunct="1">
-              <a:defRPr sz="1100">
-                <a:solidFill>
-                  <a:schemeClr val="lt1"/>
-                </a:solidFill>
-                <a:latin typeface="+mn-lt"/>
-                <a:ea typeface="+mn-ea"/>
-                <a:cs typeface="+mn-cs"/>
-              </a:defRPr>
-            </a:lvl6pPr>
-            <a:lvl7pPr marL="2743200" algn="l" defTabSz="914400" rtl="0" eaLnBrk="1" latinLnBrk="0" hangingPunct="1">
-              <a:defRPr sz="1100">
-                <a:solidFill>
-                  <a:schemeClr val="lt1"/>
-                </a:solidFill>
-                <a:latin typeface="+mn-lt"/>
-                <a:ea typeface="+mn-ea"/>
-                <a:cs typeface="+mn-cs"/>
-              </a:defRPr>
-            </a:lvl7pPr>
-            <a:lvl8pPr marL="3200400" algn="l" defTabSz="914400" rtl="0" eaLnBrk="1" latinLnBrk="0" hangingPunct="1">
-              <a:defRPr sz="1100">
-                <a:solidFill>
-                  <a:schemeClr val="lt1"/>
-                </a:solidFill>
-                <a:latin typeface="+mn-lt"/>
-                <a:ea typeface="+mn-ea"/>
-                <a:cs typeface="+mn-cs"/>
-              </a:defRPr>
-            </a:lvl8pPr>
-            <a:lvl9pPr marL="3657600" algn="l" defTabSz="914400" rtl="0" eaLnBrk="1" latinLnBrk="0" hangingPunct="1">
-              <a:defRPr sz="1100">
-                <a:solidFill>
-                  <a:schemeClr val="lt1"/>
-                </a:solidFill>
-                <a:latin typeface="+mn-lt"/>
-                <a:ea typeface="+mn-ea"/>
-                <a:cs typeface="+mn-cs"/>
-              </a:defRPr>
-            </a:lvl9pPr>
-          </a:lstStyle>
-          <a:p>
-            <a:pPr algn="l"/>
-            <a:endParaRPr lang="zh-CN" altLang="en-US" sz="1100"/>
-          </a:p>
-        </p:txBody>
-      </p:sp>
-      <p:sp>
-        <p:nvSpPr>
-          <p:cNvPr id="12" name="矩形 11"/>
-          <p:cNvSpPr/>
-          <p:nvPr/>
-        </p:nvSpPr>
-        <p:spPr>
-          <a:xfrm>
-            <a:off x="2923540" y="880110"/>
-            <a:ext cx="4505325" cy="3009900"/>
-          </a:xfrm>
-          <a:prstGeom prst="rect">
-            <a:avLst/>
-          </a:prstGeom>
-          <a:solidFill>
-            <a:schemeClr val="bg1">
-              <a:lumMod val="95000"/>
-            </a:schemeClr>
-          </a:solidFill>
-        </p:spPr>
-        <p:style>
-          <a:lnRef idx="2">
-            <a:schemeClr val="accent1">
-              <a:shade val="50000"/>
-            </a:schemeClr>
-          </a:lnRef>
-          <a:fillRef idx="1">
-            <a:schemeClr val="accent1"/>
-          </a:fillRef>
-          <a:effectRef idx="0">
-            <a:schemeClr val="accent1"/>
-          </a:effectRef>
-          <a:fontRef idx="minor">
-            <a:schemeClr val="lt1"/>
-          </a:fontRef>
-        </p:style>
-        <p:txBody>
-          <a:bodyPr vertOverflow="clip" horzOverflow="clip" wrap="square" rtlCol="0" anchor="t" anchorCtr="0"/>
-          <a:lstStyle>
-            <a:defPPr>
-              <a:defRPr lang="zh-CN">
-                <a:solidFill>
-                  <a:schemeClr val="lt1"/>
-                </a:solidFill>
-              </a:defRPr>
-            </a:defPPr>
-            <a:lvl1pPr marL="0" algn="l" defTabSz="914400" rtl="0" eaLnBrk="1" latinLnBrk="0" hangingPunct="1">
-              <a:defRPr sz="1100">
-                <a:solidFill>
-                  <a:schemeClr val="lt1"/>
-                </a:solidFill>
-                <a:latin typeface="+mn-lt"/>
-                <a:ea typeface="+mn-ea"/>
-                <a:cs typeface="+mn-cs"/>
-              </a:defRPr>
-            </a:lvl1pPr>
-            <a:lvl2pPr marL="457200" algn="l" defTabSz="914400" rtl="0" eaLnBrk="1" latinLnBrk="0" hangingPunct="1">
-              <a:defRPr sz="1100">
-                <a:solidFill>
-                  <a:schemeClr val="lt1"/>
-                </a:solidFill>
-                <a:latin typeface="+mn-lt"/>
-                <a:ea typeface="+mn-ea"/>
-                <a:cs typeface="+mn-cs"/>
-              </a:defRPr>
-            </a:lvl2pPr>
-            <a:lvl3pPr marL="914400" algn="l" defTabSz="914400" rtl="0" eaLnBrk="1" latinLnBrk="0" hangingPunct="1">
-              <a:defRPr sz="1100">
-                <a:solidFill>
-                  <a:schemeClr val="lt1"/>
-                </a:solidFill>
-                <a:latin typeface="+mn-lt"/>
-                <a:ea typeface="+mn-ea"/>
-                <a:cs typeface="+mn-cs"/>
-              </a:defRPr>
-            </a:lvl3pPr>
-            <a:lvl4pPr marL="1371600" algn="l" defTabSz="914400" rtl="0" eaLnBrk="1" latinLnBrk="0" hangingPunct="1">
-              <a:defRPr sz="1100">
-                <a:solidFill>
-                  <a:schemeClr val="lt1"/>
-                </a:solidFill>
-                <a:latin typeface="+mn-lt"/>
-                <a:ea typeface="+mn-ea"/>
-                <a:cs typeface="+mn-cs"/>
-              </a:defRPr>
-            </a:lvl4pPr>
-            <a:lvl5pPr marL="1828800" algn="l" defTabSz="914400" rtl="0" eaLnBrk="1" latinLnBrk="0" hangingPunct="1">
-              <a:defRPr sz="1100">
-                <a:solidFill>
-                  <a:schemeClr val="lt1"/>
-                </a:solidFill>
-                <a:latin typeface="+mn-lt"/>
-                <a:ea typeface="+mn-ea"/>
-                <a:cs typeface="+mn-cs"/>
-              </a:defRPr>
-            </a:lvl5pPr>
-            <a:lvl6pPr marL="2286000" algn="l" defTabSz="914400" rtl="0" eaLnBrk="1" latinLnBrk="0" hangingPunct="1">
-              <a:defRPr sz="1100">
-                <a:solidFill>
-                  <a:schemeClr val="lt1"/>
-                </a:solidFill>
-                <a:latin typeface="+mn-lt"/>
-                <a:ea typeface="+mn-ea"/>
-                <a:cs typeface="+mn-cs"/>
-              </a:defRPr>
-            </a:lvl6pPr>
-            <a:lvl7pPr marL="2743200" algn="l" defTabSz="914400" rtl="0" eaLnBrk="1" latinLnBrk="0" hangingPunct="1">
-              <a:defRPr sz="1100">
-                <a:solidFill>
-                  <a:schemeClr val="lt1"/>
-                </a:solidFill>
-                <a:latin typeface="+mn-lt"/>
-                <a:ea typeface="+mn-ea"/>
-                <a:cs typeface="+mn-cs"/>
-              </a:defRPr>
-            </a:lvl7pPr>
-            <a:lvl8pPr marL="3200400" algn="l" defTabSz="914400" rtl="0" eaLnBrk="1" latinLnBrk="0" hangingPunct="1">
-              <a:defRPr sz="1100">
-                <a:solidFill>
-                  <a:schemeClr val="lt1"/>
-                </a:solidFill>
-                <a:latin typeface="+mn-lt"/>
-                <a:ea typeface="+mn-ea"/>
-                <a:cs typeface="+mn-cs"/>
-              </a:defRPr>
-            </a:lvl8pPr>
-            <a:lvl9pPr marL="3657600" algn="l" defTabSz="914400" rtl="0" eaLnBrk="1" latinLnBrk="0" hangingPunct="1">
-              <a:defRPr sz="1100">
-                <a:solidFill>
-                  <a:schemeClr val="lt1"/>
-                </a:solidFill>
-                <a:latin typeface="+mn-lt"/>
-                <a:ea typeface="+mn-ea"/>
-                <a:cs typeface="+mn-cs"/>
-              </a:defRPr>
-            </a:lvl9pPr>
-          </a:lstStyle>
-          <a:p>
-            <a:pPr algn="ctr"/>
-            <a:r>
-              <a:rPr lang="en-US" altLang="zh-CN" sz="1600">
-                <a:solidFill>
-                  <a:sysClr val="windowText" lastClr="000000"/>
-                </a:solidFill>
-              </a:rPr>
-              <a:t>VM</a:t>
-            </a:r>
-            <a:endParaRPr lang="en-US" altLang="zh-CN" sz="1600">
-              <a:solidFill>
-                <a:sysClr val="windowText" lastClr="000000"/>
-              </a:solidFill>
-            </a:endParaRPr>
-          </a:p>
-        </p:txBody>
-      </p:sp>
-      <p:sp>
-        <p:nvSpPr>
-          <p:cNvPr id="15" name="矩形 14"/>
-          <p:cNvSpPr/>
-          <p:nvPr/>
-        </p:nvSpPr>
-        <p:spPr>
-          <a:xfrm>
-            <a:off x="3322320" y="2075498"/>
-            <a:ext cx="1228090" cy="514350"/>
-          </a:xfrm>
-          <a:prstGeom prst="rect">
-            <a:avLst/>
-          </a:prstGeom>
-          <a:solidFill>
-            <a:schemeClr val="accent2">
-              <a:lumMod val="40000"/>
-              <a:lumOff val="60000"/>
-            </a:schemeClr>
-          </a:solidFill>
-          <a:ln>
-            <a:solidFill>
-              <a:schemeClr val="tx1"/>
-            </a:solidFill>
-          </a:ln>
-        </p:spPr>
-        <p:style>
-          <a:lnRef idx="2">
-            <a:schemeClr val="accent1">
-              <a:shade val="50000"/>
-            </a:schemeClr>
-          </a:lnRef>
-          <a:fillRef idx="1">
-            <a:schemeClr val="accent1"/>
-          </a:fillRef>
-          <a:effectRef idx="0">
-            <a:schemeClr val="accent1"/>
-          </a:effectRef>
-          <a:fontRef idx="minor">
-            <a:schemeClr val="lt1"/>
-          </a:fontRef>
-        </p:style>
-        <p:txBody>
-          <a:bodyPr vertOverflow="clip" horzOverflow="clip" wrap="square" rtlCol="0" anchor="ctr" anchorCtr="0"/>
-          <a:lstStyle>
-            <a:defPPr>
-              <a:defRPr lang="zh-CN">
-                <a:solidFill>
-                  <a:schemeClr val="lt1"/>
-                </a:solidFill>
-              </a:defRPr>
-            </a:defPPr>
-            <a:lvl1pPr marL="0" algn="l" defTabSz="914400" rtl="0" eaLnBrk="1" latinLnBrk="0" hangingPunct="1">
-              <a:defRPr sz="1100">
-                <a:solidFill>
-                  <a:schemeClr val="lt1"/>
-                </a:solidFill>
-                <a:latin typeface="+mn-lt"/>
-                <a:ea typeface="+mn-ea"/>
-                <a:cs typeface="+mn-cs"/>
-              </a:defRPr>
-            </a:lvl1pPr>
-            <a:lvl2pPr marL="457200" algn="l" defTabSz="914400" rtl="0" eaLnBrk="1" latinLnBrk="0" hangingPunct="1">
-              <a:defRPr sz="1100">
-                <a:solidFill>
-                  <a:schemeClr val="lt1"/>
-                </a:solidFill>
-                <a:latin typeface="+mn-lt"/>
-                <a:ea typeface="+mn-ea"/>
-                <a:cs typeface="+mn-cs"/>
-              </a:defRPr>
-            </a:lvl2pPr>
-            <a:lvl3pPr marL="914400" algn="l" defTabSz="914400" rtl="0" eaLnBrk="1" latinLnBrk="0" hangingPunct="1">
-              <a:defRPr sz="1100">
-                <a:solidFill>
-                  <a:schemeClr val="lt1"/>
-                </a:solidFill>
-                <a:latin typeface="+mn-lt"/>
-                <a:ea typeface="+mn-ea"/>
-                <a:cs typeface="+mn-cs"/>
-              </a:defRPr>
-            </a:lvl3pPr>
-            <a:lvl4pPr marL="1371600" algn="l" defTabSz="914400" rtl="0" eaLnBrk="1" latinLnBrk="0" hangingPunct="1">
-              <a:defRPr sz="1100">
-                <a:solidFill>
-                  <a:schemeClr val="lt1"/>
-                </a:solidFill>
-                <a:latin typeface="+mn-lt"/>
-                <a:ea typeface="+mn-ea"/>
-                <a:cs typeface="+mn-cs"/>
-              </a:defRPr>
-            </a:lvl4pPr>
-            <a:lvl5pPr marL="1828800" algn="l" defTabSz="914400" rtl="0" eaLnBrk="1" latinLnBrk="0" hangingPunct="1">
-              <a:defRPr sz="1100">
-                <a:solidFill>
-                  <a:schemeClr val="lt1"/>
-                </a:solidFill>
-                <a:latin typeface="+mn-lt"/>
-                <a:ea typeface="+mn-ea"/>
-                <a:cs typeface="+mn-cs"/>
-              </a:defRPr>
-            </a:lvl5pPr>
-            <a:lvl6pPr marL="2286000" algn="l" defTabSz="914400" rtl="0" eaLnBrk="1" latinLnBrk="0" hangingPunct="1">
-              <a:defRPr sz="1100">
-                <a:solidFill>
-                  <a:schemeClr val="lt1"/>
-                </a:solidFill>
-                <a:latin typeface="+mn-lt"/>
-                <a:ea typeface="+mn-ea"/>
-                <a:cs typeface="+mn-cs"/>
-              </a:defRPr>
-            </a:lvl6pPr>
-            <a:lvl7pPr marL="2743200" algn="l" defTabSz="914400" rtl="0" eaLnBrk="1" latinLnBrk="0" hangingPunct="1">
-              <a:defRPr sz="1100">
-                <a:solidFill>
-                  <a:schemeClr val="lt1"/>
-                </a:solidFill>
-                <a:latin typeface="+mn-lt"/>
-                <a:ea typeface="+mn-ea"/>
-                <a:cs typeface="+mn-cs"/>
-              </a:defRPr>
-            </a:lvl7pPr>
-            <a:lvl8pPr marL="3200400" algn="l" defTabSz="914400" rtl="0" eaLnBrk="1" latinLnBrk="0" hangingPunct="1">
-              <a:defRPr sz="1100">
-                <a:solidFill>
-                  <a:schemeClr val="lt1"/>
-                </a:solidFill>
-                <a:latin typeface="+mn-lt"/>
-                <a:ea typeface="+mn-ea"/>
-                <a:cs typeface="+mn-cs"/>
-              </a:defRPr>
-            </a:lvl8pPr>
-            <a:lvl9pPr marL="3657600" algn="l" defTabSz="914400" rtl="0" eaLnBrk="1" latinLnBrk="0" hangingPunct="1">
-              <a:defRPr sz="1100">
-                <a:solidFill>
-                  <a:schemeClr val="lt1"/>
-                </a:solidFill>
-                <a:latin typeface="+mn-lt"/>
-                <a:ea typeface="+mn-ea"/>
-                <a:cs typeface="+mn-cs"/>
-              </a:defRPr>
-            </a:lvl9pPr>
-          </a:lstStyle>
-          <a:p>
-            <a:pPr algn="ctr"/>
-            <a:r>
-              <a:rPr lang="en-US" altLang="zh-CN" sz="1600">
-                <a:solidFill>
-                  <a:sysClr val="windowText" lastClr="000000"/>
-                </a:solidFill>
-              </a:rPr>
-              <a:t>Thread.Run</a:t>
-            </a:r>
-            <a:endParaRPr lang="en-US" altLang="zh-CN" sz="1600">
-              <a:solidFill>
-                <a:sysClr val="windowText" lastClr="000000"/>
-              </a:solidFill>
-            </a:endParaRPr>
-          </a:p>
-        </p:txBody>
-      </p:sp>
-      <p:sp>
-        <p:nvSpPr>
-          <p:cNvPr id="16" name="矩形 15"/>
-          <p:cNvSpPr/>
-          <p:nvPr/>
-        </p:nvSpPr>
-        <p:spPr>
-          <a:xfrm>
-            <a:off x="3322320" y="2984183"/>
-            <a:ext cx="1228090" cy="514350"/>
-          </a:xfrm>
-          <a:prstGeom prst="rect">
-            <a:avLst/>
-          </a:prstGeom>
-          <a:solidFill>
-            <a:schemeClr val="bg1">
-              <a:lumMod val="95000"/>
-            </a:schemeClr>
-          </a:solidFill>
-        </p:spPr>
-        <p:style>
-          <a:lnRef idx="2">
-            <a:schemeClr val="accent1">
-              <a:shade val="50000"/>
-            </a:schemeClr>
-          </a:lnRef>
-          <a:fillRef idx="1">
-            <a:schemeClr val="accent1"/>
-          </a:fillRef>
-          <a:effectRef idx="0">
-            <a:schemeClr val="accent1"/>
-          </a:effectRef>
-          <a:fontRef idx="minor">
-            <a:schemeClr val="lt1"/>
-          </a:fontRef>
-        </p:style>
-        <p:txBody>
-          <a:bodyPr vertOverflow="clip" horzOverflow="clip" wrap="square" rtlCol="0" anchor="ctr" anchorCtr="0"/>
-          <a:lstStyle>
-            <a:defPPr>
-              <a:defRPr lang="zh-CN">
-                <a:solidFill>
-                  <a:schemeClr val="lt1"/>
-                </a:solidFill>
-              </a:defRPr>
-            </a:defPPr>
-            <a:lvl1pPr marL="0" algn="l" defTabSz="914400" rtl="0" eaLnBrk="1" latinLnBrk="0" hangingPunct="1">
-              <a:defRPr sz="1100">
-                <a:solidFill>
-                  <a:schemeClr val="lt1"/>
-                </a:solidFill>
-                <a:latin typeface="+mn-lt"/>
-                <a:ea typeface="+mn-ea"/>
-                <a:cs typeface="+mn-cs"/>
-              </a:defRPr>
-            </a:lvl1pPr>
-            <a:lvl2pPr marL="457200" algn="l" defTabSz="914400" rtl="0" eaLnBrk="1" latinLnBrk="0" hangingPunct="1">
-              <a:defRPr sz="1100">
-                <a:solidFill>
-                  <a:schemeClr val="lt1"/>
-                </a:solidFill>
-                <a:latin typeface="+mn-lt"/>
-                <a:ea typeface="+mn-ea"/>
-                <a:cs typeface="+mn-cs"/>
-              </a:defRPr>
-            </a:lvl2pPr>
-            <a:lvl3pPr marL="914400" algn="l" defTabSz="914400" rtl="0" eaLnBrk="1" latinLnBrk="0" hangingPunct="1">
-              <a:defRPr sz="1100">
-                <a:solidFill>
-                  <a:schemeClr val="lt1"/>
-                </a:solidFill>
-                <a:latin typeface="+mn-lt"/>
-                <a:ea typeface="+mn-ea"/>
-                <a:cs typeface="+mn-cs"/>
-              </a:defRPr>
-            </a:lvl3pPr>
-            <a:lvl4pPr marL="1371600" algn="l" defTabSz="914400" rtl="0" eaLnBrk="1" latinLnBrk="0" hangingPunct="1">
-              <a:defRPr sz="1100">
-                <a:solidFill>
-                  <a:schemeClr val="lt1"/>
-                </a:solidFill>
-                <a:latin typeface="+mn-lt"/>
-                <a:ea typeface="+mn-ea"/>
-                <a:cs typeface="+mn-cs"/>
-              </a:defRPr>
-            </a:lvl4pPr>
-            <a:lvl5pPr marL="1828800" algn="l" defTabSz="914400" rtl="0" eaLnBrk="1" latinLnBrk="0" hangingPunct="1">
-              <a:defRPr sz="1100">
-                <a:solidFill>
-                  <a:schemeClr val="lt1"/>
-                </a:solidFill>
-                <a:latin typeface="+mn-lt"/>
-                <a:ea typeface="+mn-ea"/>
-                <a:cs typeface="+mn-cs"/>
-              </a:defRPr>
-            </a:lvl5pPr>
-            <a:lvl6pPr marL="2286000" algn="l" defTabSz="914400" rtl="0" eaLnBrk="1" latinLnBrk="0" hangingPunct="1">
-              <a:defRPr sz="1100">
-                <a:solidFill>
-                  <a:schemeClr val="lt1"/>
-                </a:solidFill>
-                <a:latin typeface="+mn-lt"/>
-                <a:ea typeface="+mn-ea"/>
-                <a:cs typeface="+mn-cs"/>
-              </a:defRPr>
-            </a:lvl6pPr>
-            <a:lvl7pPr marL="2743200" algn="l" defTabSz="914400" rtl="0" eaLnBrk="1" latinLnBrk="0" hangingPunct="1">
-              <a:defRPr sz="1100">
-                <a:solidFill>
-                  <a:schemeClr val="lt1"/>
-                </a:solidFill>
-                <a:latin typeface="+mn-lt"/>
-                <a:ea typeface="+mn-ea"/>
-                <a:cs typeface="+mn-cs"/>
-              </a:defRPr>
-            </a:lvl7pPr>
-            <a:lvl8pPr marL="3200400" algn="l" defTabSz="914400" rtl="0" eaLnBrk="1" latinLnBrk="0" hangingPunct="1">
-              <a:defRPr sz="1100">
-                <a:solidFill>
-                  <a:schemeClr val="lt1"/>
-                </a:solidFill>
-                <a:latin typeface="+mn-lt"/>
-                <a:ea typeface="+mn-ea"/>
-                <a:cs typeface="+mn-cs"/>
-              </a:defRPr>
-            </a:lvl8pPr>
-            <a:lvl9pPr marL="3657600" algn="l" defTabSz="914400" rtl="0" eaLnBrk="1" latinLnBrk="0" hangingPunct="1">
-              <a:defRPr sz="1100">
-                <a:solidFill>
-                  <a:schemeClr val="lt1"/>
-                </a:solidFill>
-                <a:latin typeface="+mn-lt"/>
-                <a:ea typeface="+mn-ea"/>
-                <a:cs typeface="+mn-cs"/>
-              </a:defRPr>
-            </a:lvl9pPr>
-          </a:lstStyle>
-          <a:p>
-            <a:pPr algn="ctr"/>
-            <a:r>
-              <a:rPr lang="en-US" altLang="zh-CN" sz="1600">
-                <a:solidFill>
-                  <a:sysClr val="windowText" lastClr="000000"/>
-                </a:solidFill>
-              </a:rPr>
-              <a:t>Closure</a:t>
-            </a:r>
-            <a:endParaRPr lang="en-US" altLang="zh-CN" sz="1600">
-              <a:solidFill>
-                <a:sysClr val="windowText" lastClr="000000"/>
-              </a:solidFill>
-            </a:endParaRPr>
-          </a:p>
-        </p:txBody>
-      </p:sp>
-      <p:sp>
-        <p:nvSpPr>
-          <p:cNvPr id="27" name="矩形 26"/>
-          <p:cNvSpPr/>
-          <p:nvPr/>
-        </p:nvSpPr>
-        <p:spPr>
-          <a:xfrm>
-            <a:off x="5130165" y="3107055"/>
-            <a:ext cx="1931670" cy="405765"/>
-          </a:xfrm>
-          <a:prstGeom prst="rect">
-            <a:avLst/>
-          </a:prstGeom>
-          <a:solidFill>
-            <a:schemeClr val="accent2">
-              <a:lumMod val="20000"/>
-              <a:lumOff val="80000"/>
-            </a:schemeClr>
-          </a:solidFill>
-        </p:spPr>
-        <p:style>
-          <a:lnRef idx="2">
-            <a:schemeClr val="accent1">
-              <a:shade val="50000"/>
-            </a:schemeClr>
-          </a:lnRef>
-          <a:fillRef idx="1">
-            <a:schemeClr val="accent1"/>
-          </a:fillRef>
-          <a:effectRef idx="0">
-            <a:schemeClr val="accent1"/>
-          </a:effectRef>
-          <a:fontRef idx="minor">
-            <a:schemeClr val="lt1"/>
-          </a:fontRef>
-        </p:style>
-        <p:txBody>
-          <a:bodyPr vertOverflow="clip" horzOverflow="clip" wrap="square" rtlCol="0" anchor="ctr" anchorCtr="0"/>
-          <a:lstStyle>
-            <a:defPPr>
-              <a:defRPr lang="zh-CN">
-                <a:solidFill>
-                  <a:schemeClr val="lt1"/>
-                </a:solidFill>
-              </a:defRPr>
-            </a:defPPr>
-            <a:lvl1pPr marL="0" algn="l" defTabSz="914400" rtl="0" eaLnBrk="1" latinLnBrk="0" hangingPunct="1">
-              <a:defRPr sz="1100">
-                <a:solidFill>
-                  <a:schemeClr val="lt1"/>
-                </a:solidFill>
-                <a:latin typeface="+mn-lt"/>
-                <a:ea typeface="+mn-ea"/>
-                <a:cs typeface="+mn-cs"/>
-              </a:defRPr>
-            </a:lvl1pPr>
-            <a:lvl2pPr marL="457200" algn="l" defTabSz="914400" rtl="0" eaLnBrk="1" latinLnBrk="0" hangingPunct="1">
-              <a:defRPr sz="1100">
-                <a:solidFill>
-                  <a:schemeClr val="lt1"/>
-                </a:solidFill>
-                <a:latin typeface="+mn-lt"/>
-                <a:ea typeface="+mn-ea"/>
-                <a:cs typeface="+mn-cs"/>
-              </a:defRPr>
-            </a:lvl2pPr>
-            <a:lvl3pPr marL="914400" algn="l" defTabSz="914400" rtl="0" eaLnBrk="1" latinLnBrk="0" hangingPunct="1">
-              <a:defRPr sz="1100">
-                <a:solidFill>
-                  <a:schemeClr val="lt1"/>
-                </a:solidFill>
-                <a:latin typeface="+mn-lt"/>
-                <a:ea typeface="+mn-ea"/>
-                <a:cs typeface="+mn-cs"/>
-              </a:defRPr>
-            </a:lvl3pPr>
-            <a:lvl4pPr marL="1371600" algn="l" defTabSz="914400" rtl="0" eaLnBrk="1" latinLnBrk="0" hangingPunct="1">
-              <a:defRPr sz="1100">
-                <a:solidFill>
-                  <a:schemeClr val="lt1"/>
-                </a:solidFill>
-                <a:latin typeface="+mn-lt"/>
-                <a:ea typeface="+mn-ea"/>
-                <a:cs typeface="+mn-cs"/>
-              </a:defRPr>
-            </a:lvl4pPr>
-            <a:lvl5pPr marL="1828800" algn="l" defTabSz="914400" rtl="0" eaLnBrk="1" latinLnBrk="0" hangingPunct="1">
-              <a:defRPr sz="1100">
-                <a:solidFill>
-                  <a:schemeClr val="lt1"/>
-                </a:solidFill>
-                <a:latin typeface="+mn-lt"/>
-                <a:ea typeface="+mn-ea"/>
-                <a:cs typeface="+mn-cs"/>
-              </a:defRPr>
-            </a:lvl5pPr>
-            <a:lvl6pPr marL="2286000" algn="l" defTabSz="914400" rtl="0" eaLnBrk="1" latinLnBrk="0" hangingPunct="1">
-              <a:defRPr sz="1100">
-                <a:solidFill>
-                  <a:schemeClr val="lt1"/>
-                </a:solidFill>
-                <a:latin typeface="+mn-lt"/>
-                <a:ea typeface="+mn-ea"/>
-                <a:cs typeface="+mn-cs"/>
-              </a:defRPr>
-            </a:lvl6pPr>
-            <a:lvl7pPr marL="2743200" algn="l" defTabSz="914400" rtl="0" eaLnBrk="1" latinLnBrk="0" hangingPunct="1">
-              <a:defRPr sz="1100">
-                <a:solidFill>
-                  <a:schemeClr val="lt1"/>
-                </a:solidFill>
-                <a:latin typeface="+mn-lt"/>
-                <a:ea typeface="+mn-ea"/>
-                <a:cs typeface="+mn-cs"/>
-              </a:defRPr>
-            </a:lvl7pPr>
-            <a:lvl8pPr marL="3200400" algn="l" defTabSz="914400" rtl="0" eaLnBrk="1" latinLnBrk="0" hangingPunct="1">
-              <a:defRPr sz="1100">
-                <a:solidFill>
-                  <a:schemeClr val="lt1"/>
-                </a:solidFill>
-                <a:latin typeface="+mn-lt"/>
-                <a:ea typeface="+mn-ea"/>
-                <a:cs typeface="+mn-cs"/>
-              </a:defRPr>
-            </a:lvl8pPr>
-            <a:lvl9pPr marL="3657600" algn="l" defTabSz="914400" rtl="0" eaLnBrk="1" latinLnBrk="0" hangingPunct="1">
-              <a:defRPr sz="1100">
-                <a:solidFill>
-                  <a:schemeClr val="lt1"/>
-                </a:solidFill>
-                <a:latin typeface="+mn-lt"/>
-                <a:ea typeface="+mn-ea"/>
-                <a:cs typeface="+mn-cs"/>
-              </a:defRPr>
-            </a:lvl9pPr>
-          </a:lstStyle>
-          <a:p>
-            <a:pPr algn="ctr"/>
-            <a:r>
-              <a:rPr lang="en-US" altLang="zh-CN" sz="1600">
-                <a:solidFill>
-                  <a:sysClr val="windowText" lastClr="000000"/>
-                </a:solidFill>
-              </a:rPr>
-              <a:t>Debug.Hook</a:t>
-            </a:r>
-            <a:endParaRPr lang="en-US" altLang="zh-CN" sz="1600">
-              <a:solidFill>
-                <a:sysClr val="windowText" lastClr="000000"/>
-              </a:solidFill>
-            </a:endParaRPr>
-          </a:p>
-        </p:txBody>
-      </p:sp>
-      <p:sp>
-        <p:nvSpPr>
-          <p:cNvPr id="10" name="矩形 9"/>
-          <p:cNvSpPr/>
-          <p:nvPr/>
-        </p:nvSpPr>
-        <p:spPr>
-          <a:xfrm>
-            <a:off x="7703820" y="1941830"/>
-            <a:ext cx="1931670" cy="410210"/>
-          </a:xfrm>
-          <a:prstGeom prst="rect">
-            <a:avLst/>
-          </a:prstGeom>
-          <a:solidFill>
-            <a:schemeClr val="accent2">
-              <a:lumMod val="20000"/>
-              <a:lumOff val="80000"/>
-            </a:schemeClr>
-          </a:solidFill>
-        </p:spPr>
-        <p:style>
-          <a:lnRef idx="2">
-            <a:schemeClr val="accent1">
-              <a:shade val="50000"/>
-            </a:schemeClr>
-          </a:lnRef>
-          <a:fillRef idx="1">
-            <a:schemeClr val="accent1"/>
-          </a:fillRef>
-          <a:effectRef idx="0">
-            <a:schemeClr val="accent1"/>
-          </a:effectRef>
-          <a:fontRef idx="minor">
-            <a:schemeClr val="lt1"/>
-          </a:fontRef>
-        </p:style>
-        <p:txBody>
-          <a:bodyPr vertOverflow="clip" horzOverflow="clip" wrap="square" rtlCol="0" anchor="ctr" anchorCtr="0"/>
-          <a:lstStyle>
-            <a:defPPr>
-              <a:defRPr lang="zh-CN">
-                <a:solidFill>
-                  <a:schemeClr val="lt1"/>
-                </a:solidFill>
-              </a:defRPr>
-            </a:defPPr>
-            <a:lvl1pPr marL="0" algn="l" defTabSz="914400" rtl="0" eaLnBrk="1" latinLnBrk="0" hangingPunct="1">
-              <a:defRPr sz="1100">
-                <a:solidFill>
-                  <a:schemeClr val="lt1"/>
-                </a:solidFill>
-                <a:latin typeface="+mn-lt"/>
-                <a:ea typeface="+mn-ea"/>
-                <a:cs typeface="+mn-cs"/>
-              </a:defRPr>
-            </a:lvl1pPr>
-            <a:lvl2pPr marL="457200" algn="l" defTabSz="914400" rtl="0" eaLnBrk="1" latinLnBrk="0" hangingPunct="1">
-              <a:defRPr sz="1100">
-                <a:solidFill>
-                  <a:schemeClr val="lt1"/>
-                </a:solidFill>
-                <a:latin typeface="+mn-lt"/>
-                <a:ea typeface="+mn-ea"/>
-                <a:cs typeface="+mn-cs"/>
-              </a:defRPr>
-            </a:lvl2pPr>
-            <a:lvl3pPr marL="914400" algn="l" defTabSz="914400" rtl="0" eaLnBrk="1" latinLnBrk="0" hangingPunct="1">
-              <a:defRPr sz="1100">
-                <a:solidFill>
-                  <a:schemeClr val="lt1"/>
-                </a:solidFill>
-                <a:latin typeface="+mn-lt"/>
-                <a:ea typeface="+mn-ea"/>
-                <a:cs typeface="+mn-cs"/>
-              </a:defRPr>
-            </a:lvl3pPr>
-            <a:lvl4pPr marL="1371600" algn="l" defTabSz="914400" rtl="0" eaLnBrk="1" latinLnBrk="0" hangingPunct="1">
-              <a:defRPr sz="1100">
-                <a:solidFill>
-                  <a:schemeClr val="lt1"/>
-                </a:solidFill>
-                <a:latin typeface="+mn-lt"/>
-                <a:ea typeface="+mn-ea"/>
-                <a:cs typeface="+mn-cs"/>
-              </a:defRPr>
-            </a:lvl4pPr>
-            <a:lvl5pPr marL="1828800" algn="l" defTabSz="914400" rtl="0" eaLnBrk="1" latinLnBrk="0" hangingPunct="1">
-              <a:defRPr sz="1100">
-                <a:solidFill>
-                  <a:schemeClr val="lt1"/>
-                </a:solidFill>
-                <a:latin typeface="+mn-lt"/>
-                <a:ea typeface="+mn-ea"/>
-                <a:cs typeface="+mn-cs"/>
-              </a:defRPr>
-            </a:lvl5pPr>
-            <a:lvl6pPr marL="2286000" algn="l" defTabSz="914400" rtl="0" eaLnBrk="1" latinLnBrk="0" hangingPunct="1">
-              <a:defRPr sz="1100">
-                <a:solidFill>
-                  <a:schemeClr val="lt1"/>
-                </a:solidFill>
-                <a:latin typeface="+mn-lt"/>
-                <a:ea typeface="+mn-ea"/>
-                <a:cs typeface="+mn-cs"/>
-              </a:defRPr>
-            </a:lvl6pPr>
-            <a:lvl7pPr marL="2743200" algn="l" defTabSz="914400" rtl="0" eaLnBrk="1" latinLnBrk="0" hangingPunct="1">
-              <a:defRPr sz="1100">
-                <a:solidFill>
-                  <a:schemeClr val="lt1"/>
-                </a:solidFill>
-                <a:latin typeface="+mn-lt"/>
-                <a:ea typeface="+mn-ea"/>
-                <a:cs typeface="+mn-cs"/>
-              </a:defRPr>
-            </a:lvl7pPr>
-            <a:lvl8pPr marL="3200400" algn="l" defTabSz="914400" rtl="0" eaLnBrk="1" latinLnBrk="0" hangingPunct="1">
-              <a:defRPr sz="1100">
-                <a:solidFill>
-                  <a:schemeClr val="lt1"/>
-                </a:solidFill>
-                <a:latin typeface="+mn-lt"/>
-                <a:ea typeface="+mn-ea"/>
-                <a:cs typeface="+mn-cs"/>
-              </a:defRPr>
-            </a:lvl8pPr>
-            <a:lvl9pPr marL="3657600" algn="l" defTabSz="914400" rtl="0" eaLnBrk="1" latinLnBrk="0" hangingPunct="1">
-              <a:defRPr sz="1100">
-                <a:solidFill>
-                  <a:schemeClr val="lt1"/>
-                </a:solidFill>
-                <a:latin typeface="+mn-lt"/>
-                <a:ea typeface="+mn-ea"/>
-                <a:cs typeface="+mn-cs"/>
-              </a:defRPr>
-            </a:lvl9pPr>
-          </a:lstStyle>
-          <a:p>
-            <a:pPr algn="ctr"/>
-            <a:r>
-              <a:rPr lang="en-US" altLang="zh-CN" sz="1600">
-                <a:solidFill>
-                  <a:sysClr val="windowText" lastClr="000000"/>
-                </a:solidFill>
-              </a:rPr>
-              <a:t>C#</a:t>
-            </a:r>
-            <a:r>
-              <a:rPr lang="zh-CN" altLang="en-US" sz="1600">
-                <a:solidFill>
-                  <a:sysClr val="windowText" lastClr="000000"/>
-                </a:solidFill>
-              </a:rPr>
-              <a:t>函数</a:t>
-            </a:r>
-            <a:r>
-              <a:rPr lang="en-US" altLang="zh-CN" sz="1600">
-                <a:solidFill>
-                  <a:srgbClr val="00B0F0"/>
-                </a:solidFill>
-              </a:rPr>
-              <a:t>int</a:t>
-            </a:r>
-            <a:r>
-              <a:rPr lang="en-US" altLang="zh-CN" sz="1600">
-                <a:solidFill>
-                  <a:sysClr val="windowText" lastClr="000000"/>
-                </a:solidFill>
-              </a:rPr>
-              <a:t>(</a:t>
-            </a:r>
-            <a:r>
-              <a:rPr lang="en-US" altLang="zh-CN" sz="1600">
-                <a:solidFill>
-                  <a:srgbClr val="00B0F0"/>
-                </a:solidFill>
-              </a:rPr>
-              <a:t>Thread</a:t>
-            </a:r>
-            <a:r>
-              <a:rPr lang="en-US" altLang="zh-CN" sz="1600">
-                <a:solidFill>
-                  <a:sysClr val="windowText" lastClr="000000"/>
-                </a:solidFill>
-              </a:rPr>
-              <a:t>)</a:t>
-            </a:r>
-            <a:endParaRPr lang="en-US" altLang="zh-CN" sz="1600">
-              <a:solidFill>
-                <a:sysClr val="windowText" lastClr="000000"/>
-              </a:solidFill>
-            </a:endParaRPr>
-          </a:p>
-        </p:txBody>
-      </p:sp>
-      <p:sp>
-        <p:nvSpPr>
-          <p:cNvPr id="11" name="矩形 10"/>
-          <p:cNvSpPr/>
-          <p:nvPr/>
-        </p:nvSpPr>
-        <p:spPr>
-          <a:xfrm>
-            <a:off x="7703820" y="2508250"/>
-            <a:ext cx="1931670" cy="410210"/>
-          </a:xfrm>
-          <a:prstGeom prst="rect">
-            <a:avLst/>
-          </a:prstGeom>
-          <a:solidFill>
-            <a:schemeClr val="accent2">
-              <a:lumMod val="20000"/>
-              <a:lumOff val="80000"/>
-            </a:schemeClr>
-          </a:solidFill>
-        </p:spPr>
-        <p:style>
-          <a:lnRef idx="2">
-            <a:schemeClr val="accent1">
-              <a:shade val="50000"/>
-            </a:schemeClr>
-          </a:lnRef>
-          <a:fillRef idx="1">
-            <a:schemeClr val="accent1"/>
-          </a:fillRef>
-          <a:effectRef idx="0">
-            <a:schemeClr val="accent1"/>
-          </a:effectRef>
-          <a:fontRef idx="minor">
-            <a:schemeClr val="lt1"/>
-          </a:fontRef>
-        </p:style>
-        <p:txBody>
-          <a:bodyPr vertOverflow="clip" horzOverflow="clip" wrap="square" rtlCol="0" anchor="ctr" anchorCtr="0"/>
-          <a:lstStyle>
-            <a:defPPr>
-              <a:defRPr lang="zh-CN">
-                <a:solidFill>
-                  <a:schemeClr val="lt1"/>
-                </a:solidFill>
-              </a:defRPr>
-            </a:defPPr>
-            <a:lvl1pPr marL="0" algn="l" defTabSz="914400" rtl="0" eaLnBrk="1" latinLnBrk="0" hangingPunct="1">
-              <a:defRPr sz="1100">
-                <a:solidFill>
-                  <a:schemeClr val="lt1"/>
-                </a:solidFill>
-                <a:latin typeface="+mn-lt"/>
-                <a:ea typeface="+mn-ea"/>
-                <a:cs typeface="+mn-cs"/>
-              </a:defRPr>
-            </a:lvl1pPr>
-            <a:lvl2pPr marL="457200" algn="l" defTabSz="914400" rtl="0" eaLnBrk="1" latinLnBrk="0" hangingPunct="1">
-              <a:defRPr sz="1100">
-                <a:solidFill>
-                  <a:schemeClr val="lt1"/>
-                </a:solidFill>
-                <a:latin typeface="+mn-lt"/>
-                <a:ea typeface="+mn-ea"/>
-                <a:cs typeface="+mn-cs"/>
-              </a:defRPr>
-            </a:lvl2pPr>
-            <a:lvl3pPr marL="914400" algn="l" defTabSz="914400" rtl="0" eaLnBrk="1" latinLnBrk="0" hangingPunct="1">
-              <a:defRPr sz="1100">
-                <a:solidFill>
-                  <a:schemeClr val="lt1"/>
-                </a:solidFill>
-                <a:latin typeface="+mn-lt"/>
-                <a:ea typeface="+mn-ea"/>
-                <a:cs typeface="+mn-cs"/>
-              </a:defRPr>
-            </a:lvl3pPr>
-            <a:lvl4pPr marL="1371600" algn="l" defTabSz="914400" rtl="0" eaLnBrk="1" latinLnBrk="0" hangingPunct="1">
-              <a:defRPr sz="1100">
-                <a:solidFill>
-                  <a:schemeClr val="lt1"/>
-                </a:solidFill>
-                <a:latin typeface="+mn-lt"/>
-                <a:ea typeface="+mn-ea"/>
-                <a:cs typeface="+mn-cs"/>
-              </a:defRPr>
-            </a:lvl4pPr>
-            <a:lvl5pPr marL="1828800" algn="l" defTabSz="914400" rtl="0" eaLnBrk="1" latinLnBrk="0" hangingPunct="1">
-              <a:defRPr sz="1100">
-                <a:solidFill>
-                  <a:schemeClr val="lt1"/>
-                </a:solidFill>
-                <a:latin typeface="+mn-lt"/>
-                <a:ea typeface="+mn-ea"/>
-                <a:cs typeface="+mn-cs"/>
-              </a:defRPr>
-            </a:lvl5pPr>
-            <a:lvl6pPr marL="2286000" algn="l" defTabSz="914400" rtl="0" eaLnBrk="1" latinLnBrk="0" hangingPunct="1">
-              <a:defRPr sz="1100">
-                <a:solidFill>
-                  <a:schemeClr val="lt1"/>
-                </a:solidFill>
-                <a:latin typeface="+mn-lt"/>
-                <a:ea typeface="+mn-ea"/>
-                <a:cs typeface="+mn-cs"/>
-              </a:defRPr>
-            </a:lvl6pPr>
-            <a:lvl7pPr marL="2743200" algn="l" defTabSz="914400" rtl="0" eaLnBrk="1" latinLnBrk="0" hangingPunct="1">
-              <a:defRPr sz="1100">
-                <a:solidFill>
-                  <a:schemeClr val="lt1"/>
-                </a:solidFill>
-                <a:latin typeface="+mn-lt"/>
-                <a:ea typeface="+mn-ea"/>
-                <a:cs typeface="+mn-cs"/>
-              </a:defRPr>
-            </a:lvl7pPr>
-            <a:lvl8pPr marL="3200400" algn="l" defTabSz="914400" rtl="0" eaLnBrk="1" latinLnBrk="0" hangingPunct="1">
-              <a:defRPr sz="1100">
-                <a:solidFill>
-                  <a:schemeClr val="lt1"/>
-                </a:solidFill>
-                <a:latin typeface="+mn-lt"/>
-                <a:ea typeface="+mn-ea"/>
-                <a:cs typeface="+mn-cs"/>
-              </a:defRPr>
-            </a:lvl8pPr>
-            <a:lvl9pPr marL="3657600" algn="l" defTabSz="914400" rtl="0" eaLnBrk="1" latinLnBrk="0" hangingPunct="1">
-              <a:defRPr sz="1100">
-                <a:solidFill>
-                  <a:schemeClr val="lt1"/>
-                </a:solidFill>
-                <a:latin typeface="+mn-lt"/>
-                <a:ea typeface="+mn-ea"/>
-                <a:cs typeface="+mn-cs"/>
-              </a:defRPr>
-            </a:lvl9pPr>
-          </a:lstStyle>
-          <a:p>
-            <a:pPr algn="ctr"/>
-            <a:r>
-              <a:rPr lang="zh-CN" altLang="en-US" sz="1600">
-                <a:solidFill>
-                  <a:sysClr val="windowText" lastClr="000000"/>
-                </a:solidFill>
-              </a:rPr>
-              <a:t>接口</a:t>
-            </a:r>
-            <a:r>
-              <a:rPr lang="en-US" altLang="zh-CN" sz="1600">
-                <a:solidFill>
-                  <a:srgbClr val="00B0F0"/>
-                </a:solidFill>
-              </a:rPr>
-              <a:t>get</a:t>
-            </a:r>
-            <a:r>
-              <a:rPr lang="zh-CN" altLang="en-US" sz="1600">
-                <a:solidFill>
-                  <a:sysClr val="windowText" lastClr="000000"/>
-                </a:solidFill>
-              </a:rPr>
-              <a:t>和</a:t>
-            </a:r>
-            <a:r>
-              <a:rPr lang="en-US" altLang="zh-CN" sz="1600">
-                <a:solidFill>
-                  <a:srgbClr val="00B0F0"/>
-                </a:solidFill>
-              </a:rPr>
-              <a:t>set</a:t>
-            </a:r>
-            <a:endParaRPr lang="en-US" altLang="zh-CN" sz="1600">
-              <a:solidFill>
-                <a:srgbClr val="00B0F0"/>
-              </a:solidFill>
-            </a:endParaRPr>
-          </a:p>
-        </p:txBody>
-      </p:sp>
-      <p:sp>
-        <p:nvSpPr>
-          <p:cNvPr id="22" name="矩形 21"/>
-          <p:cNvSpPr/>
-          <p:nvPr/>
-        </p:nvSpPr>
-        <p:spPr>
-          <a:xfrm>
-            <a:off x="5130165" y="2508250"/>
-            <a:ext cx="1931670" cy="410210"/>
-          </a:xfrm>
-          <a:prstGeom prst="rect">
-            <a:avLst/>
-          </a:prstGeom>
-          <a:solidFill>
-            <a:schemeClr val="accent2">
-              <a:lumMod val="20000"/>
-              <a:lumOff val="80000"/>
-            </a:schemeClr>
-          </a:solidFill>
-        </p:spPr>
-        <p:style>
-          <a:lnRef idx="2">
-            <a:schemeClr val="accent1">
-              <a:shade val="50000"/>
-            </a:schemeClr>
-          </a:lnRef>
-          <a:fillRef idx="1">
-            <a:schemeClr val="accent1"/>
-          </a:fillRef>
-          <a:effectRef idx="0">
-            <a:schemeClr val="accent1"/>
-          </a:effectRef>
-          <a:fontRef idx="minor">
-            <a:schemeClr val="lt1"/>
-          </a:fontRef>
-        </p:style>
-        <p:txBody>
-          <a:bodyPr vertOverflow="clip" horzOverflow="clip" wrap="square" rtlCol="0" anchor="ctr" anchorCtr="0"/>
-          <a:lstStyle>
-            <a:defPPr>
-              <a:defRPr lang="zh-CN">
-                <a:solidFill>
-                  <a:schemeClr val="lt1"/>
-                </a:solidFill>
-              </a:defRPr>
-            </a:defPPr>
-            <a:lvl1pPr marL="0" algn="l" defTabSz="914400" rtl="0" eaLnBrk="1" latinLnBrk="0" hangingPunct="1">
-              <a:defRPr sz="1100">
-                <a:solidFill>
-                  <a:schemeClr val="lt1"/>
-                </a:solidFill>
-                <a:latin typeface="+mn-lt"/>
-                <a:ea typeface="+mn-ea"/>
-                <a:cs typeface="+mn-cs"/>
-              </a:defRPr>
-            </a:lvl1pPr>
-            <a:lvl2pPr marL="457200" algn="l" defTabSz="914400" rtl="0" eaLnBrk="1" latinLnBrk="0" hangingPunct="1">
-              <a:defRPr sz="1100">
-                <a:solidFill>
-                  <a:schemeClr val="lt1"/>
-                </a:solidFill>
-                <a:latin typeface="+mn-lt"/>
-                <a:ea typeface="+mn-ea"/>
-                <a:cs typeface="+mn-cs"/>
-              </a:defRPr>
-            </a:lvl2pPr>
-            <a:lvl3pPr marL="914400" algn="l" defTabSz="914400" rtl="0" eaLnBrk="1" latinLnBrk="0" hangingPunct="1">
-              <a:defRPr sz="1100">
-                <a:solidFill>
-                  <a:schemeClr val="lt1"/>
-                </a:solidFill>
-                <a:latin typeface="+mn-lt"/>
-                <a:ea typeface="+mn-ea"/>
-                <a:cs typeface="+mn-cs"/>
-              </a:defRPr>
-            </a:lvl3pPr>
-            <a:lvl4pPr marL="1371600" algn="l" defTabSz="914400" rtl="0" eaLnBrk="1" latinLnBrk="0" hangingPunct="1">
-              <a:defRPr sz="1100">
-                <a:solidFill>
-                  <a:schemeClr val="lt1"/>
-                </a:solidFill>
-                <a:latin typeface="+mn-lt"/>
-                <a:ea typeface="+mn-ea"/>
-                <a:cs typeface="+mn-cs"/>
-              </a:defRPr>
-            </a:lvl4pPr>
-            <a:lvl5pPr marL="1828800" algn="l" defTabSz="914400" rtl="0" eaLnBrk="1" latinLnBrk="0" hangingPunct="1">
-              <a:defRPr sz="1100">
-                <a:solidFill>
-                  <a:schemeClr val="lt1"/>
-                </a:solidFill>
-                <a:latin typeface="+mn-lt"/>
-                <a:ea typeface="+mn-ea"/>
-                <a:cs typeface="+mn-cs"/>
-              </a:defRPr>
-            </a:lvl5pPr>
-            <a:lvl6pPr marL="2286000" algn="l" defTabSz="914400" rtl="0" eaLnBrk="1" latinLnBrk="0" hangingPunct="1">
-              <a:defRPr sz="1100">
-                <a:solidFill>
-                  <a:schemeClr val="lt1"/>
-                </a:solidFill>
-                <a:latin typeface="+mn-lt"/>
-                <a:ea typeface="+mn-ea"/>
-                <a:cs typeface="+mn-cs"/>
-              </a:defRPr>
-            </a:lvl6pPr>
-            <a:lvl7pPr marL="2743200" algn="l" defTabSz="914400" rtl="0" eaLnBrk="1" latinLnBrk="0" hangingPunct="1">
-              <a:defRPr sz="1100">
-                <a:solidFill>
-                  <a:schemeClr val="lt1"/>
-                </a:solidFill>
-                <a:latin typeface="+mn-lt"/>
-                <a:ea typeface="+mn-ea"/>
-                <a:cs typeface="+mn-cs"/>
-              </a:defRPr>
-            </a:lvl7pPr>
-            <a:lvl8pPr marL="3200400" algn="l" defTabSz="914400" rtl="0" eaLnBrk="1" latinLnBrk="0" hangingPunct="1">
-              <a:defRPr sz="1100">
-                <a:solidFill>
-                  <a:schemeClr val="lt1"/>
-                </a:solidFill>
-                <a:latin typeface="+mn-lt"/>
-                <a:ea typeface="+mn-ea"/>
-                <a:cs typeface="+mn-cs"/>
-              </a:defRPr>
-            </a:lvl8pPr>
-            <a:lvl9pPr marL="3657600" algn="l" defTabSz="914400" rtl="0" eaLnBrk="1" latinLnBrk="0" hangingPunct="1">
-              <a:defRPr sz="1100">
-                <a:solidFill>
-                  <a:schemeClr val="lt1"/>
-                </a:solidFill>
-                <a:latin typeface="+mn-lt"/>
-                <a:ea typeface="+mn-ea"/>
-                <a:cs typeface="+mn-cs"/>
-              </a:defRPr>
-            </a:lvl9pPr>
-          </a:lstStyle>
-          <a:p>
-            <a:pPr algn="ctr"/>
-            <a:r>
-              <a:rPr lang="en-US" altLang="zh-CN" sz="1600">
-                <a:solidFill>
-                  <a:sysClr val="windowText" lastClr="000000"/>
-                </a:solidFill>
-              </a:rPr>
-              <a:t>Table </a:t>
-            </a:r>
-            <a:r>
-              <a:rPr lang="en-US" altLang="zh-CN" sz="1600">
-                <a:solidFill>
-                  <a:srgbClr val="00B0F0"/>
-                </a:solidFill>
-              </a:rPr>
-              <a:t>get set</a:t>
-            </a:r>
-            <a:endParaRPr lang="en-US" altLang="zh-CN" sz="1600">
-              <a:solidFill>
-                <a:srgbClr val="00B0F0"/>
-              </a:solidFill>
-            </a:endParaRPr>
-          </a:p>
-        </p:txBody>
-      </p:sp>
-      <p:sp>
-        <p:nvSpPr>
-          <p:cNvPr id="24" name="矩形 23"/>
-          <p:cNvSpPr/>
-          <p:nvPr/>
-        </p:nvSpPr>
-        <p:spPr>
-          <a:xfrm>
-            <a:off x="5229225" y="4110673"/>
-            <a:ext cx="1931670" cy="935990"/>
-          </a:xfrm>
-          <a:prstGeom prst="rect">
-            <a:avLst/>
-          </a:prstGeom>
-          <a:solidFill>
-            <a:schemeClr val="accent1">
-              <a:lumMod val="60000"/>
-              <a:lumOff val="40000"/>
-            </a:schemeClr>
-          </a:solidFill>
-        </p:spPr>
-        <p:style>
-          <a:lnRef idx="2">
-            <a:schemeClr val="accent1">
-              <a:shade val="50000"/>
-            </a:schemeClr>
-          </a:lnRef>
-          <a:fillRef idx="1">
-            <a:schemeClr val="accent1"/>
-          </a:fillRef>
-          <a:effectRef idx="0">
-            <a:schemeClr val="accent1"/>
-          </a:effectRef>
-          <a:fontRef idx="minor">
-            <a:schemeClr val="lt1"/>
-          </a:fontRef>
-        </p:style>
-        <p:txBody>
-          <a:bodyPr vertOverflow="clip" horzOverflow="clip" wrap="square" rtlCol="0" anchor="ctr" anchorCtr="0"/>
-          <a:lstStyle>
-            <a:defPPr>
-              <a:defRPr lang="zh-CN">
-                <a:solidFill>
-                  <a:schemeClr val="lt1"/>
-                </a:solidFill>
-              </a:defRPr>
-            </a:defPPr>
-            <a:lvl1pPr marL="0" algn="l" defTabSz="914400" rtl="0" eaLnBrk="1" latinLnBrk="0" hangingPunct="1">
-              <a:defRPr sz="1100">
-                <a:solidFill>
-                  <a:schemeClr val="lt1"/>
-                </a:solidFill>
-                <a:latin typeface="+mn-lt"/>
-                <a:ea typeface="+mn-ea"/>
-                <a:cs typeface="+mn-cs"/>
-              </a:defRPr>
-            </a:lvl1pPr>
-            <a:lvl2pPr marL="457200" algn="l" defTabSz="914400" rtl="0" eaLnBrk="1" latinLnBrk="0" hangingPunct="1">
-              <a:defRPr sz="1100">
-                <a:solidFill>
-                  <a:schemeClr val="lt1"/>
-                </a:solidFill>
-                <a:latin typeface="+mn-lt"/>
-                <a:ea typeface="+mn-ea"/>
-                <a:cs typeface="+mn-cs"/>
-              </a:defRPr>
-            </a:lvl2pPr>
-            <a:lvl3pPr marL="914400" algn="l" defTabSz="914400" rtl="0" eaLnBrk="1" latinLnBrk="0" hangingPunct="1">
-              <a:defRPr sz="1100">
-                <a:solidFill>
-                  <a:schemeClr val="lt1"/>
-                </a:solidFill>
-                <a:latin typeface="+mn-lt"/>
-                <a:ea typeface="+mn-ea"/>
-                <a:cs typeface="+mn-cs"/>
-              </a:defRPr>
-            </a:lvl3pPr>
-            <a:lvl4pPr marL="1371600" algn="l" defTabSz="914400" rtl="0" eaLnBrk="1" latinLnBrk="0" hangingPunct="1">
-              <a:defRPr sz="1100">
-                <a:solidFill>
-                  <a:schemeClr val="lt1"/>
-                </a:solidFill>
-                <a:latin typeface="+mn-lt"/>
-                <a:ea typeface="+mn-ea"/>
-                <a:cs typeface="+mn-cs"/>
-              </a:defRPr>
-            </a:lvl4pPr>
-            <a:lvl5pPr marL="1828800" algn="l" defTabSz="914400" rtl="0" eaLnBrk="1" latinLnBrk="0" hangingPunct="1">
-              <a:defRPr sz="1100">
-                <a:solidFill>
-                  <a:schemeClr val="lt1"/>
-                </a:solidFill>
-                <a:latin typeface="+mn-lt"/>
-                <a:ea typeface="+mn-ea"/>
-                <a:cs typeface="+mn-cs"/>
-              </a:defRPr>
-            </a:lvl5pPr>
-            <a:lvl6pPr marL="2286000" algn="l" defTabSz="914400" rtl="0" eaLnBrk="1" latinLnBrk="0" hangingPunct="1">
-              <a:defRPr sz="1100">
-                <a:solidFill>
-                  <a:schemeClr val="lt1"/>
-                </a:solidFill>
-                <a:latin typeface="+mn-lt"/>
-                <a:ea typeface="+mn-ea"/>
-                <a:cs typeface="+mn-cs"/>
-              </a:defRPr>
-            </a:lvl6pPr>
-            <a:lvl7pPr marL="2743200" algn="l" defTabSz="914400" rtl="0" eaLnBrk="1" latinLnBrk="0" hangingPunct="1">
-              <a:defRPr sz="1100">
-                <a:solidFill>
-                  <a:schemeClr val="lt1"/>
-                </a:solidFill>
-                <a:latin typeface="+mn-lt"/>
-                <a:ea typeface="+mn-ea"/>
-                <a:cs typeface="+mn-cs"/>
-              </a:defRPr>
-            </a:lvl7pPr>
-            <a:lvl8pPr marL="3200400" algn="l" defTabSz="914400" rtl="0" eaLnBrk="1" latinLnBrk="0" hangingPunct="1">
-              <a:defRPr sz="1100">
-                <a:solidFill>
-                  <a:schemeClr val="lt1"/>
-                </a:solidFill>
-                <a:latin typeface="+mn-lt"/>
-                <a:ea typeface="+mn-ea"/>
-                <a:cs typeface="+mn-cs"/>
-              </a:defRPr>
-            </a:lvl8pPr>
-            <a:lvl9pPr marL="3657600" algn="l" defTabSz="914400" rtl="0" eaLnBrk="1" latinLnBrk="0" hangingPunct="1">
-              <a:defRPr sz="1100">
-                <a:solidFill>
-                  <a:schemeClr val="lt1"/>
-                </a:solidFill>
-                <a:latin typeface="+mn-lt"/>
-                <a:ea typeface="+mn-ea"/>
-                <a:cs typeface="+mn-cs"/>
-              </a:defRPr>
-            </a:lvl9pPr>
-          </a:lstStyle>
-          <a:p>
-            <a:pPr algn="l"/>
-            <a:r>
-              <a:rPr lang="zh-CN" altLang="en-US" sz="1600">
-                <a:solidFill>
-                  <a:sysClr val="windowText" lastClr="000000"/>
-                </a:solidFill>
-              </a:rPr>
-              <a:t>简单</a:t>
-            </a:r>
-            <a:r>
-              <a:rPr lang="zh-CN" altLang="en-US" sz="1600">
-                <a:solidFill>
-                  <a:sysClr val="windowText" lastClr="000000"/>
-                </a:solidFill>
-              </a:rPr>
-              <a:t>调试协议：</a:t>
-            </a:r>
-            <a:endParaRPr lang="zh-CN" altLang="en-US" sz="1600">
-              <a:solidFill>
-                <a:sysClr val="windowText" lastClr="000000"/>
-              </a:solidFill>
-            </a:endParaRPr>
-          </a:p>
-          <a:p>
-            <a:pPr algn="l"/>
-            <a:r>
-              <a:rPr lang="en-US" altLang="zh-CN" sz="1600">
-                <a:solidFill>
-                  <a:sysClr val="windowText" lastClr="000000"/>
-                </a:solidFill>
-              </a:rPr>
-              <a:t>1. </a:t>
-            </a:r>
-            <a:r>
-              <a:rPr lang="zh-CN" altLang="en-US" sz="1600">
-                <a:solidFill>
-                  <a:sysClr val="windowText" lastClr="000000"/>
-                </a:solidFill>
-              </a:rPr>
-              <a:t>单连接</a:t>
-            </a:r>
-            <a:endParaRPr lang="zh-CN" altLang="en-US" sz="1600">
-              <a:solidFill>
-                <a:sysClr val="windowText" lastClr="000000"/>
-              </a:solidFill>
-            </a:endParaRPr>
-          </a:p>
-          <a:p>
-            <a:pPr algn="l"/>
-            <a:r>
-              <a:rPr lang="en-US" altLang="zh-CN" sz="1600">
-                <a:solidFill>
-                  <a:sysClr val="windowText" lastClr="000000"/>
-                </a:solidFill>
-              </a:rPr>
-              <a:t>2. </a:t>
-            </a:r>
-            <a:r>
-              <a:rPr lang="zh-CN" altLang="en-US" sz="1600">
-                <a:solidFill>
-                  <a:sysClr val="windowText" lastClr="000000"/>
-                </a:solidFill>
-              </a:rPr>
-              <a:t>请求应答模式</a:t>
-            </a:r>
-            <a:endParaRPr lang="zh-CN" altLang="en-US" sz="1600">
-              <a:solidFill>
-                <a:sysClr val="windowText" lastClr="000000"/>
-              </a:solidFill>
-            </a:endParaRPr>
-          </a:p>
-        </p:txBody>
-      </p:sp>
-      <p:sp>
-        <p:nvSpPr>
-          <p:cNvPr id="26" name="右箭头 25"/>
-          <p:cNvSpPr/>
-          <p:nvPr/>
-        </p:nvSpPr>
-        <p:spPr>
-          <a:xfrm>
-            <a:off x="2548255" y="3176270"/>
-            <a:ext cx="713105" cy="237490"/>
-          </a:xfrm>
-          <a:prstGeom prst="rightArrow">
-            <a:avLst/>
-          </a:prstGeom>
-        </p:spPr>
-        <p:style>
-          <a:lnRef idx="2">
-            <a:schemeClr val="accent1">
-              <a:shade val="50000"/>
-            </a:schemeClr>
-          </a:lnRef>
-          <a:fillRef idx="1">
-            <a:schemeClr val="accent1"/>
-          </a:fillRef>
-          <a:effectRef idx="0">
-            <a:schemeClr val="accent1"/>
-          </a:effectRef>
-          <a:fontRef idx="minor">
-            <a:schemeClr val="lt1"/>
-          </a:fontRef>
-        </p:style>
-        <p:txBody>
-          <a:bodyPr rtlCol="0" anchor="ctr"/>
-          <a:p>
-            <a:pPr algn="ctr"/>
-            <a:endParaRPr lang="zh-CN" altLang="en-US"/>
-          </a:p>
-        </p:txBody>
-      </p:sp>
-      <p:sp>
-        <p:nvSpPr>
-          <p:cNvPr id="28" name="上箭头 27"/>
-          <p:cNvSpPr/>
-          <p:nvPr/>
-        </p:nvSpPr>
-        <p:spPr>
-          <a:xfrm>
-            <a:off x="3775075" y="2686050"/>
-            <a:ext cx="322580" cy="254000"/>
-          </a:xfrm>
-          <a:prstGeom prst="upArrow">
-            <a:avLst/>
-          </a:prstGeom>
-        </p:spPr>
-        <p:style>
-          <a:lnRef idx="2">
-            <a:schemeClr val="accent1">
-              <a:shade val="50000"/>
-            </a:schemeClr>
-          </a:lnRef>
-          <a:fillRef idx="1">
-            <a:schemeClr val="accent1"/>
-          </a:fillRef>
-          <a:effectRef idx="0">
-            <a:schemeClr val="accent1"/>
-          </a:effectRef>
-          <a:fontRef idx="minor">
-            <a:schemeClr val="lt1"/>
-          </a:fontRef>
-        </p:style>
-        <p:txBody>
-          <a:bodyPr rtlCol="0" anchor="ctr"/>
-          <a:p>
-            <a:pPr algn="ctr"/>
-            <a:endParaRPr lang="zh-CN" altLang="en-US"/>
-          </a:p>
-        </p:txBody>
-      </p:sp>
-      <p:sp>
-        <p:nvSpPr>
-          <p:cNvPr id="29" name="右箭头 28"/>
-          <p:cNvSpPr/>
-          <p:nvPr/>
-        </p:nvSpPr>
-        <p:spPr>
-          <a:xfrm>
-            <a:off x="4651375" y="1425575"/>
-            <a:ext cx="228600" cy="1858010"/>
-          </a:xfrm>
-          <a:prstGeom prst="rightArrow">
-            <a:avLst>
-              <a:gd name="adj1" fmla="val 14149"/>
-              <a:gd name="adj2" fmla="val 50000"/>
-            </a:avLst>
-          </a:prstGeom>
-          <a:solidFill>
-            <a:schemeClr val="accent4">
-              <a:lumMod val="40000"/>
-              <a:lumOff val="60000"/>
-            </a:schemeClr>
-          </a:solidFill>
-        </p:spPr>
-        <p:style>
-          <a:lnRef idx="2">
-            <a:schemeClr val="accent1">
-              <a:shade val="50000"/>
-            </a:schemeClr>
-          </a:lnRef>
-          <a:fillRef idx="1">
-            <a:schemeClr val="accent1"/>
-          </a:fillRef>
-          <a:effectRef idx="0">
-            <a:schemeClr val="accent1"/>
-          </a:effectRef>
-          <a:fontRef idx="minor">
-            <a:schemeClr val="lt1"/>
-          </a:fontRef>
-        </p:style>
-        <p:txBody>
-          <a:bodyPr rtlCol="0" anchor="ctr"/>
-          <a:p>
-            <a:pPr algn="ctr"/>
-            <a:endParaRPr lang="zh-CN" altLang="en-US"/>
-          </a:p>
-        </p:txBody>
-      </p:sp>
-      <p:sp>
-        <p:nvSpPr>
-          <p:cNvPr id="31" name="矩形 30"/>
-          <p:cNvSpPr/>
-          <p:nvPr/>
-        </p:nvSpPr>
-        <p:spPr>
-          <a:xfrm>
-            <a:off x="5130165" y="1370965"/>
-            <a:ext cx="1931670" cy="410210"/>
-          </a:xfrm>
-          <a:prstGeom prst="rect">
-            <a:avLst/>
-          </a:prstGeom>
-          <a:solidFill>
-            <a:schemeClr val="accent2">
-              <a:lumMod val="20000"/>
-              <a:lumOff val="80000"/>
-            </a:schemeClr>
-          </a:solidFill>
-        </p:spPr>
-        <p:style>
-          <a:lnRef idx="2">
-            <a:schemeClr val="accent1">
-              <a:shade val="50000"/>
-            </a:schemeClr>
-          </a:lnRef>
-          <a:fillRef idx="1">
-            <a:schemeClr val="accent1"/>
-          </a:fillRef>
-          <a:effectRef idx="0">
-            <a:schemeClr val="accent1"/>
-          </a:effectRef>
-          <a:fontRef idx="minor">
-            <a:schemeClr val="lt1"/>
-          </a:fontRef>
-        </p:style>
-        <p:txBody>
-          <a:bodyPr vertOverflow="clip" horzOverflow="clip" wrap="square" rtlCol="0" anchor="ctr" anchorCtr="0"/>
-          <a:lstStyle>
-            <a:defPPr>
-              <a:defRPr lang="zh-CN">
-                <a:solidFill>
-                  <a:schemeClr val="lt1"/>
-                </a:solidFill>
-              </a:defRPr>
-            </a:defPPr>
-            <a:lvl1pPr marL="0" algn="l" defTabSz="914400" rtl="0" eaLnBrk="1" latinLnBrk="0" hangingPunct="1">
-              <a:defRPr sz="1100">
-                <a:solidFill>
-                  <a:schemeClr val="lt1"/>
-                </a:solidFill>
-                <a:latin typeface="+mn-lt"/>
-                <a:ea typeface="+mn-ea"/>
-                <a:cs typeface="+mn-cs"/>
-              </a:defRPr>
-            </a:lvl1pPr>
-            <a:lvl2pPr marL="457200" algn="l" defTabSz="914400" rtl="0" eaLnBrk="1" latinLnBrk="0" hangingPunct="1">
-              <a:defRPr sz="1100">
-                <a:solidFill>
-                  <a:schemeClr val="lt1"/>
-                </a:solidFill>
-                <a:latin typeface="+mn-lt"/>
-                <a:ea typeface="+mn-ea"/>
-                <a:cs typeface="+mn-cs"/>
-              </a:defRPr>
-            </a:lvl2pPr>
-            <a:lvl3pPr marL="914400" algn="l" defTabSz="914400" rtl="0" eaLnBrk="1" latinLnBrk="0" hangingPunct="1">
-              <a:defRPr sz="1100">
-                <a:solidFill>
-                  <a:schemeClr val="lt1"/>
-                </a:solidFill>
-                <a:latin typeface="+mn-lt"/>
-                <a:ea typeface="+mn-ea"/>
-                <a:cs typeface="+mn-cs"/>
-              </a:defRPr>
-            </a:lvl3pPr>
-            <a:lvl4pPr marL="1371600" algn="l" defTabSz="914400" rtl="0" eaLnBrk="1" latinLnBrk="0" hangingPunct="1">
-              <a:defRPr sz="1100">
-                <a:solidFill>
-                  <a:schemeClr val="lt1"/>
-                </a:solidFill>
-                <a:latin typeface="+mn-lt"/>
-                <a:ea typeface="+mn-ea"/>
-                <a:cs typeface="+mn-cs"/>
-              </a:defRPr>
-            </a:lvl4pPr>
-            <a:lvl5pPr marL="1828800" algn="l" defTabSz="914400" rtl="0" eaLnBrk="1" latinLnBrk="0" hangingPunct="1">
-              <a:defRPr sz="1100">
-                <a:solidFill>
-                  <a:schemeClr val="lt1"/>
-                </a:solidFill>
-                <a:latin typeface="+mn-lt"/>
-                <a:ea typeface="+mn-ea"/>
-                <a:cs typeface="+mn-cs"/>
-              </a:defRPr>
-            </a:lvl5pPr>
-            <a:lvl6pPr marL="2286000" algn="l" defTabSz="914400" rtl="0" eaLnBrk="1" latinLnBrk="0" hangingPunct="1">
-              <a:defRPr sz="1100">
-                <a:solidFill>
-                  <a:schemeClr val="lt1"/>
-                </a:solidFill>
-                <a:latin typeface="+mn-lt"/>
-                <a:ea typeface="+mn-ea"/>
-                <a:cs typeface="+mn-cs"/>
-              </a:defRPr>
-            </a:lvl6pPr>
-            <a:lvl7pPr marL="2743200" algn="l" defTabSz="914400" rtl="0" eaLnBrk="1" latinLnBrk="0" hangingPunct="1">
-              <a:defRPr sz="1100">
-                <a:solidFill>
-                  <a:schemeClr val="lt1"/>
-                </a:solidFill>
-                <a:latin typeface="+mn-lt"/>
-                <a:ea typeface="+mn-ea"/>
-                <a:cs typeface="+mn-cs"/>
-              </a:defRPr>
-            </a:lvl7pPr>
-            <a:lvl8pPr marL="3200400" algn="l" defTabSz="914400" rtl="0" eaLnBrk="1" latinLnBrk="0" hangingPunct="1">
-              <a:defRPr sz="1100">
-                <a:solidFill>
-                  <a:schemeClr val="lt1"/>
-                </a:solidFill>
-                <a:latin typeface="+mn-lt"/>
-                <a:ea typeface="+mn-ea"/>
-                <a:cs typeface="+mn-cs"/>
-              </a:defRPr>
-            </a:lvl8pPr>
-            <a:lvl9pPr marL="3657600" algn="l" defTabSz="914400" rtl="0" eaLnBrk="1" latinLnBrk="0" hangingPunct="1">
-              <a:defRPr sz="1100">
-                <a:solidFill>
-                  <a:schemeClr val="lt1"/>
-                </a:solidFill>
-                <a:latin typeface="+mn-lt"/>
-                <a:ea typeface="+mn-ea"/>
-                <a:cs typeface="+mn-cs"/>
-              </a:defRPr>
-            </a:lvl9pPr>
-          </a:lstStyle>
-          <a:p>
-            <a:pPr algn="ctr"/>
-            <a:r>
-              <a:rPr lang="zh-CN" altLang="en-US" sz="1600">
-                <a:solidFill>
-                  <a:sysClr val="windowText" lastClr="000000"/>
-                </a:solidFill>
-              </a:rPr>
-              <a:t>指令执行</a:t>
-            </a:r>
-            <a:endParaRPr lang="zh-CN" altLang="en-US" sz="1600">
-              <a:solidFill>
-                <a:sysClr val="windowText" lastClr="000000"/>
-              </a:solidFill>
-            </a:endParaRPr>
-          </a:p>
-        </p:txBody>
-      </p:sp>
-      <p:sp>
-        <p:nvSpPr>
-          <p:cNvPr id="32" name="矩形 31"/>
-          <p:cNvSpPr/>
-          <p:nvPr/>
-        </p:nvSpPr>
-        <p:spPr>
-          <a:xfrm>
-            <a:off x="5130165" y="1941830"/>
-            <a:ext cx="1931670" cy="410210"/>
-          </a:xfrm>
-          <a:prstGeom prst="rect">
-            <a:avLst/>
-          </a:prstGeom>
-          <a:solidFill>
-            <a:schemeClr val="accent2">
-              <a:lumMod val="20000"/>
-              <a:lumOff val="80000"/>
-            </a:schemeClr>
-          </a:solidFill>
-        </p:spPr>
-        <p:style>
-          <a:lnRef idx="2">
-            <a:schemeClr val="accent1">
-              <a:shade val="50000"/>
-            </a:schemeClr>
-          </a:lnRef>
-          <a:fillRef idx="1">
-            <a:schemeClr val="accent1"/>
-          </a:fillRef>
-          <a:effectRef idx="0">
-            <a:schemeClr val="accent1"/>
-          </a:effectRef>
-          <a:fontRef idx="minor">
-            <a:schemeClr val="lt1"/>
-          </a:fontRef>
-        </p:style>
-        <p:txBody>
-          <a:bodyPr vertOverflow="clip" horzOverflow="clip" wrap="square" rtlCol="0" anchor="ctr" anchorCtr="0"/>
-          <a:lstStyle>
-            <a:defPPr>
-              <a:defRPr lang="zh-CN">
-                <a:solidFill>
-                  <a:schemeClr val="lt1"/>
-                </a:solidFill>
-              </a:defRPr>
-            </a:defPPr>
-            <a:lvl1pPr marL="0" algn="l" defTabSz="914400" rtl="0" eaLnBrk="1" latinLnBrk="0" hangingPunct="1">
-              <a:defRPr sz="1100">
-                <a:solidFill>
-                  <a:schemeClr val="lt1"/>
-                </a:solidFill>
-                <a:latin typeface="+mn-lt"/>
-                <a:ea typeface="+mn-ea"/>
-                <a:cs typeface="+mn-cs"/>
-              </a:defRPr>
-            </a:lvl1pPr>
-            <a:lvl2pPr marL="457200" algn="l" defTabSz="914400" rtl="0" eaLnBrk="1" latinLnBrk="0" hangingPunct="1">
-              <a:defRPr sz="1100">
-                <a:solidFill>
-                  <a:schemeClr val="lt1"/>
-                </a:solidFill>
-                <a:latin typeface="+mn-lt"/>
-                <a:ea typeface="+mn-ea"/>
-                <a:cs typeface="+mn-cs"/>
-              </a:defRPr>
-            </a:lvl2pPr>
-            <a:lvl3pPr marL="914400" algn="l" defTabSz="914400" rtl="0" eaLnBrk="1" latinLnBrk="0" hangingPunct="1">
-              <a:defRPr sz="1100">
-                <a:solidFill>
-                  <a:schemeClr val="lt1"/>
-                </a:solidFill>
-                <a:latin typeface="+mn-lt"/>
-                <a:ea typeface="+mn-ea"/>
-                <a:cs typeface="+mn-cs"/>
-              </a:defRPr>
-            </a:lvl3pPr>
-            <a:lvl4pPr marL="1371600" algn="l" defTabSz="914400" rtl="0" eaLnBrk="1" latinLnBrk="0" hangingPunct="1">
-              <a:defRPr sz="1100">
-                <a:solidFill>
-                  <a:schemeClr val="lt1"/>
-                </a:solidFill>
-                <a:latin typeface="+mn-lt"/>
-                <a:ea typeface="+mn-ea"/>
-                <a:cs typeface="+mn-cs"/>
-              </a:defRPr>
-            </a:lvl4pPr>
-            <a:lvl5pPr marL="1828800" algn="l" defTabSz="914400" rtl="0" eaLnBrk="1" latinLnBrk="0" hangingPunct="1">
-              <a:defRPr sz="1100">
-                <a:solidFill>
-                  <a:schemeClr val="lt1"/>
-                </a:solidFill>
-                <a:latin typeface="+mn-lt"/>
-                <a:ea typeface="+mn-ea"/>
-                <a:cs typeface="+mn-cs"/>
-              </a:defRPr>
-            </a:lvl5pPr>
-            <a:lvl6pPr marL="2286000" algn="l" defTabSz="914400" rtl="0" eaLnBrk="1" latinLnBrk="0" hangingPunct="1">
-              <a:defRPr sz="1100">
-                <a:solidFill>
-                  <a:schemeClr val="lt1"/>
-                </a:solidFill>
-                <a:latin typeface="+mn-lt"/>
-                <a:ea typeface="+mn-ea"/>
-                <a:cs typeface="+mn-cs"/>
-              </a:defRPr>
-            </a:lvl6pPr>
-            <a:lvl7pPr marL="2743200" algn="l" defTabSz="914400" rtl="0" eaLnBrk="1" latinLnBrk="0" hangingPunct="1">
-              <a:defRPr sz="1100">
-                <a:solidFill>
-                  <a:schemeClr val="lt1"/>
-                </a:solidFill>
-                <a:latin typeface="+mn-lt"/>
-                <a:ea typeface="+mn-ea"/>
-                <a:cs typeface="+mn-cs"/>
-              </a:defRPr>
-            </a:lvl7pPr>
-            <a:lvl8pPr marL="3200400" algn="l" defTabSz="914400" rtl="0" eaLnBrk="1" latinLnBrk="0" hangingPunct="1">
-              <a:defRPr sz="1100">
-                <a:solidFill>
-                  <a:schemeClr val="lt1"/>
-                </a:solidFill>
-                <a:latin typeface="+mn-lt"/>
-                <a:ea typeface="+mn-ea"/>
-                <a:cs typeface="+mn-cs"/>
-              </a:defRPr>
-            </a:lvl8pPr>
-            <a:lvl9pPr marL="3657600" algn="l" defTabSz="914400" rtl="0" eaLnBrk="1" latinLnBrk="0" hangingPunct="1">
-              <a:defRPr sz="1100">
-                <a:solidFill>
-                  <a:schemeClr val="lt1"/>
-                </a:solidFill>
-                <a:latin typeface="+mn-lt"/>
-                <a:ea typeface="+mn-ea"/>
-                <a:cs typeface="+mn-cs"/>
-              </a:defRPr>
-            </a:lvl9pPr>
-          </a:lstStyle>
-          <a:p>
-            <a:pPr algn="ctr"/>
-            <a:r>
-              <a:rPr lang="zh-CN" altLang="en-US" sz="1600">
-                <a:solidFill>
-                  <a:sysClr val="windowText" lastClr="000000"/>
-                </a:solidFill>
-              </a:rPr>
-              <a:t>函数调用，栈维护</a:t>
-            </a:r>
-            <a:endParaRPr lang="zh-CN" altLang="en-US" sz="1600">
-              <a:solidFill>
-                <a:sysClr val="windowText" lastClr="000000"/>
-              </a:solidFill>
-            </a:endParaRPr>
-          </a:p>
-        </p:txBody>
-      </p:sp>
-      <p:sp>
-        <p:nvSpPr>
-          <p:cNvPr id="35" name="右箭头 34"/>
-          <p:cNvSpPr/>
-          <p:nvPr/>
-        </p:nvSpPr>
-        <p:spPr>
-          <a:xfrm>
-            <a:off x="7160895" y="2575560"/>
-            <a:ext cx="513080" cy="275590"/>
-          </a:xfrm>
-          <a:prstGeom prst="rightArrow">
-            <a:avLst/>
-          </a:prstGeom>
-          <a:solidFill>
-            <a:schemeClr val="accent4">
-              <a:lumMod val="40000"/>
-              <a:lumOff val="60000"/>
-            </a:schemeClr>
-          </a:solidFill>
-        </p:spPr>
-        <p:style>
-          <a:lnRef idx="2">
-            <a:schemeClr val="accent1">
-              <a:shade val="50000"/>
-            </a:schemeClr>
-          </a:lnRef>
-          <a:fillRef idx="1">
-            <a:schemeClr val="accent1"/>
-          </a:fillRef>
-          <a:effectRef idx="0">
-            <a:schemeClr val="accent1"/>
-          </a:effectRef>
-          <a:fontRef idx="minor">
-            <a:schemeClr val="lt1"/>
-          </a:fontRef>
-        </p:style>
-        <p:txBody>
-          <a:bodyPr rtlCol="0" anchor="ctr"/>
-          <a:p>
-            <a:pPr algn="ctr"/>
-            <a:endParaRPr lang="zh-CN" altLang="en-US"/>
-          </a:p>
-        </p:txBody>
-      </p:sp>
-      <p:sp>
-        <p:nvSpPr>
-          <p:cNvPr id="37" name="燕尾形箭头 36"/>
-          <p:cNvSpPr/>
-          <p:nvPr/>
-        </p:nvSpPr>
-        <p:spPr>
-          <a:xfrm>
-            <a:off x="7160895" y="2063750"/>
-            <a:ext cx="484505" cy="237490"/>
-          </a:xfrm>
-          <a:prstGeom prst="notchedRightArrow">
-            <a:avLst/>
-          </a:prstGeom>
-          <a:solidFill>
-            <a:schemeClr val="accent4">
-              <a:lumMod val="40000"/>
-              <a:lumOff val="60000"/>
-            </a:schemeClr>
-          </a:solidFill>
-        </p:spPr>
-        <p:style>
-          <a:lnRef idx="2">
-            <a:schemeClr val="accent1">
-              <a:shade val="50000"/>
-            </a:schemeClr>
-          </a:lnRef>
-          <a:fillRef idx="1">
-            <a:schemeClr val="accent1"/>
-          </a:fillRef>
-          <a:effectRef idx="0">
-            <a:schemeClr val="accent1"/>
-          </a:effectRef>
-          <a:fontRef idx="minor">
-            <a:schemeClr val="lt1"/>
-          </a:fontRef>
-        </p:style>
-        <p:txBody>
-          <a:bodyPr rtlCol="0" anchor="ctr"/>
-          <a:p>
-            <a:pPr algn="ctr"/>
-            <a:endParaRPr lang="zh-CN" altLang="en-US"/>
-          </a:p>
-        </p:txBody>
-      </p:sp>
-      <p:sp>
-        <p:nvSpPr>
-          <p:cNvPr id="39" name="矩形 38"/>
-          <p:cNvSpPr/>
-          <p:nvPr/>
-        </p:nvSpPr>
-        <p:spPr>
-          <a:xfrm>
-            <a:off x="1488440" y="3970020"/>
-            <a:ext cx="1972945" cy="1217295"/>
-          </a:xfrm>
-          <a:prstGeom prst="rect">
-            <a:avLst/>
-          </a:prstGeom>
-        </p:spPr>
-        <p:style>
-          <a:lnRef idx="2">
-            <a:schemeClr val="accent1">
-              <a:shade val="50000"/>
-            </a:schemeClr>
-          </a:lnRef>
-          <a:fillRef idx="1">
-            <a:schemeClr val="accent1"/>
-          </a:fillRef>
-          <a:effectRef idx="0">
-            <a:schemeClr val="accent1"/>
-          </a:effectRef>
-          <a:fontRef idx="minor">
-            <a:schemeClr val="lt1"/>
-          </a:fontRef>
-        </p:style>
-        <p:txBody>
-          <a:bodyPr rtlCol="0" anchor="ctr"/>
-          <a:p>
-            <a:pPr algn="ctr"/>
-            <a:r>
-              <a:rPr lang="en-US" altLang="zh-CN"/>
-              <a:t>VSCode</a:t>
-            </a:r>
-            <a:endParaRPr lang="en-US" altLang="zh-CN"/>
-          </a:p>
-        </p:txBody>
-      </p:sp>
-      <p:sp>
-        <p:nvSpPr>
-          <p:cNvPr id="42" name="左右箭头 41"/>
-          <p:cNvSpPr/>
-          <p:nvPr/>
-        </p:nvSpPr>
-        <p:spPr>
-          <a:xfrm>
-            <a:off x="3631565" y="4264025"/>
-            <a:ext cx="1498600" cy="629285"/>
-          </a:xfrm>
-          <a:prstGeom prst="leftRightArrow">
-            <a:avLst/>
-          </a:prstGeom>
-        </p:spPr>
-        <p:style>
-          <a:lnRef idx="2">
-            <a:schemeClr val="accent1">
-              <a:shade val="50000"/>
-            </a:schemeClr>
-          </a:lnRef>
-          <a:fillRef idx="1">
-            <a:schemeClr val="accent1"/>
-          </a:fillRef>
-          <a:effectRef idx="0">
-            <a:schemeClr val="accent1"/>
-          </a:effectRef>
-          <a:fontRef idx="minor">
-            <a:schemeClr val="lt1"/>
-          </a:fontRef>
-        </p:style>
-        <p:txBody>
-          <a:bodyPr rtlCol="0" anchor="ctr"/>
-          <a:p>
-            <a:pPr algn="ctr"/>
-            <a:r>
-              <a:rPr lang="en-US" altLang="zh-CN"/>
-              <a:t>Net IO</a:t>
-            </a:r>
-            <a:endParaRPr lang="en-US" altLang="zh-CN"/>
-          </a:p>
-        </p:txBody>
-      </p:sp>
-      <p:sp>
-        <p:nvSpPr>
-          <p:cNvPr id="43" name="左箭头 42"/>
-          <p:cNvSpPr/>
-          <p:nvPr/>
-        </p:nvSpPr>
-        <p:spPr>
-          <a:xfrm>
-            <a:off x="7428865" y="4241165"/>
-            <a:ext cx="1075055" cy="675005"/>
-          </a:xfrm>
-          <a:prstGeom prst="leftArrow">
-            <a:avLst/>
-          </a:prstGeom>
-        </p:spPr>
-        <p:style>
-          <a:lnRef idx="2">
-            <a:schemeClr val="accent1">
-              <a:shade val="50000"/>
-            </a:schemeClr>
-          </a:lnRef>
-          <a:fillRef idx="1">
-            <a:schemeClr val="accent1"/>
-          </a:fillRef>
-          <a:effectRef idx="0">
-            <a:schemeClr val="accent1"/>
-          </a:effectRef>
-          <a:fontRef idx="minor">
-            <a:schemeClr val="lt1"/>
-          </a:fontRef>
-        </p:style>
-        <p:txBody>
-          <a:bodyPr rtlCol="0" anchor="ctr"/>
-          <a:p>
-            <a:pPr algn="ctr"/>
-            <a:r>
-              <a:rPr lang="zh-CN" altLang="en-US"/>
-              <a:t>本地</a:t>
-            </a:r>
-            <a:r>
-              <a:rPr lang="en-US" altLang="zh-CN"/>
-              <a:t>IO</a:t>
-            </a:r>
-            <a:endParaRPr lang="en-US" altLang="zh-CN"/>
-          </a:p>
-        </p:txBody>
-      </p:sp>
-      <p:sp>
-        <p:nvSpPr>
-          <p:cNvPr id="47" name="上下箭头 46"/>
-          <p:cNvSpPr/>
-          <p:nvPr/>
-        </p:nvSpPr>
-        <p:spPr>
-          <a:xfrm>
-            <a:off x="5431155" y="3646170"/>
-            <a:ext cx="1329690" cy="323850"/>
-          </a:xfrm>
-          <a:prstGeom prst="upDownArrow">
-            <a:avLst>
-              <a:gd name="adj1" fmla="val 14115"/>
-              <a:gd name="adj2" fmla="val 28235"/>
-            </a:avLst>
-          </a:prstGeom>
-          <a:solidFill>
-            <a:schemeClr val="accent4">
-              <a:lumMod val="40000"/>
-              <a:lumOff val="60000"/>
-            </a:schemeClr>
-          </a:solidFill>
-        </p:spPr>
-        <p:style>
-          <a:lnRef idx="2">
-            <a:schemeClr val="accent1">
-              <a:shade val="50000"/>
-            </a:schemeClr>
-          </a:lnRef>
-          <a:fillRef idx="1">
-            <a:schemeClr val="accent1"/>
-          </a:fillRef>
-          <a:effectRef idx="0">
-            <a:schemeClr val="accent1"/>
-          </a:effectRef>
-          <a:fontRef idx="minor">
-            <a:schemeClr val="lt1"/>
-          </a:fontRef>
-        </p:style>
-        <p:txBody>
-          <a:bodyPr rtlCol="0" anchor="ctr"/>
-          <a:p>
-            <a:pPr algn="ctr"/>
-            <a:endParaRPr lang="zh-CN" altLang="en-US"/>
-          </a:p>
-        </p:txBody>
-      </p:sp>
     </p:spTree>
   </p:cSld>
   <p:clrMapOvr>
